--- a/수업/5. JavaScript (1)/PPT/5. JavaScript (1).pptx
+++ b/수업/5. JavaScript (1)/PPT/5. JavaScript (1).pptx
@@ -18,6 +18,35 @@
     <p:sldId id="266" r:id="rId12"/>
     <p:sldId id="267" r:id="rId13"/>
     <p:sldId id="268" r:id="rId14"/>
+    <p:sldId id="270" r:id="rId15"/>
+    <p:sldId id="272" r:id="rId16"/>
+    <p:sldId id="273" r:id="rId17"/>
+    <p:sldId id="274" r:id="rId18"/>
+    <p:sldId id="275" r:id="rId19"/>
+    <p:sldId id="276" r:id="rId20"/>
+    <p:sldId id="277" r:id="rId21"/>
+    <p:sldId id="278" r:id="rId22"/>
+    <p:sldId id="271" r:id="rId23"/>
+    <p:sldId id="279" r:id="rId24"/>
+    <p:sldId id="280" r:id="rId25"/>
+    <p:sldId id="281" r:id="rId26"/>
+    <p:sldId id="282" r:id="rId27"/>
+    <p:sldId id="283" r:id="rId28"/>
+    <p:sldId id="284" r:id="rId29"/>
+    <p:sldId id="285" r:id="rId30"/>
+    <p:sldId id="286" r:id="rId31"/>
+    <p:sldId id="287" r:id="rId32"/>
+    <p:sldId id="288" r:id="rId33"/>
+    <p:sldId id="289" r:id="rId34"/>
+    <p:sldId id="298" r:id="rId35"/>
+    <p:sldId id="290" r:id="rId36"/>
+    <p:sldId id="291" r:id="rId37"/>
+    <p:sldId id="292" r:id="rId38"/>
+    <p:sldId id="297" r:id="rId39"/>
+    <p:sldId id="293" r:id="rId40"/>
+    <p:sldId id="294" r:id="rId41"/>
+    <p:sldId id="296" r:id="rId42"/>
+    <p:sldId id="295" r:id="rId43"/>
   </p:sldIdLst>
   <p:sldSz cx="12192000" cy="6858000"/>
   <p:notesSz cx="6858000" cy="9144000"/>
@@ -271,7 +300,7 @@
           <a:p>
             <a:fld id="{306DC65C-2967-4128-903A-960A74F611BE}" type="datetimeFigureOut">
               <a:rPr lang="ko-KR" altLang="en-US" smtClean="0"/>
-              <a:t>2021-09-27</a:t>
+              <a:t>2021-09-28</a:t>
             </a:fld>
             <a:endParaRPr lang="ko-KR" altLang="en-US"/>
           </a:p>
@@ -469,7 +498,7 @@
           <a:p>
             <a:fld id="{306DC65C-2967-4128-903A-960A74F611BE}" type="datetimeFigureOut">
               <a:rPr lang="ko-KR" altLang="en-US" smtClean="0"/>
-              <a:t>2021-09-27</a:t>
+              <a:t>2021-09-28</a:t>
             </a:fld>
             <a:endParaRPr lang="ko-KR" altLang="en-US"/>
           </a:p>
@@ -677,7 +706,7 @@
           <a:p>
             <a:fld id="{306DC65C-2967-4128-903A-960A74F611BE}" type="datetimeFigureOut">
               <a:rPr lang="ko-KR" altLang="en-US" smtClean="0"/>
-              <a:t>2021-09-27</a:t>
+              <a:t>2021-09-28</a:t>
             </a:fld>
             <a:endParaRPr lang="ko-KR" altLang="en-US"/>
           </a:p>
@@ -875,7 +904,7 @@
           <a:p>
             <a:fld id="{306DC65C-2967-4128-903A-960A74F611BE}" type="datetimeFigureOut">
               <a:rPr lang="ko-KR" altLang="en-US" smtClean="0"/>
-              <a:t>2021-09-27</a:t>
+              <a:t>2021-09-28</a:t>
             </a:fld>
             <a:endParaRPr lang="ko-KR" altLang="en-US"/>
           </a:p>
@@ -1150,7 +1179,7 @@
           <a:p>
             <a:fld id="{306DC65C-2967-4128-903A-960A74F611BE}" type="datetimeFigureOut">
               <a:rPr lang="ko-KR" altLang="en-US" smtClean="0"/>
-              <a:t>2021-09-27</a:t>
+              <a:t>2021-09-28</a:t>
             </a:fld>
             <a:endParaRPr lang="ko-KR" altLang="en-US"/>
           </a:p>
@@ -1415,7 +1444,7 @@
           <a:p>
             <a:fld id="{306DC65C-2967-4128-903A-960A74F611BE}" type="datetimeFigureOut">
               <a:rPr lang="ko-KR" altLang="en-US" smtClean="0"/>
-              <a:t>2021-09-27</a:t>
+              <a:t>2021-09-28</a:t>
             </a:fld>
             <a:endParaRPr lang="ko-KR" altLang="en-US"/>
           </a:p>
@@ -1827,7 +1856,7 @@
           <a:p>
             <a:fld id="{306DC65C-2967-4128-903A-960A74F611BE}" type="datetimeFigureOut">
               <a:rPr lang="ko-KR" altLang="en-US" smtClean="0"/>
-              <a:t>2021-09-27</a:t>
+              <a:t>2021-09-28</a:t>
             </a:fld>
             <a:endParaRPr lang="ko-KR" altLang="en-US"/>
           </a:p>
@@ -1968,7 +1997,7 @@
           <a:p>
             <a:fld id="{306DC65C-2967-4128-903A-960A74F611BE}" type="datetimeFigureOut">
               <a:rPr lang="ko-KR" altLang="en-US" smtClean="0"/>
-              <a:t>2021-09-27</a:t>
+              <a:t>2021-09-28</a:t>
             </a:fld>
             <a:endParaRPr lang="ko-KR" altLang="en-US"/>
           </a:p>
@@ -2081,7 +2110,7 @@
           <a:p>
             <a:fld id="{306DC65C-2967-4128-903A-960A74F611BE}" type="datetimeFigureOut">
               <a:rPr lang="ko-KR" altLang="en-US" smtClean="0"/>
-              <a:t>2021-09-27</a:t>
+              <a:t>2021-09-28</a:t>
             </a:fld>
             <a:endParaRPr lang="ko-KR" altLang="en-US"/>
           </a:p>
@@ -2392,7 +2421,7 @@
           <a:p>
             <a:fld id="{306DC65C-2967-4128-903A-960A74F611BE}" type="datetimeFigureOut">
               <a:rPr lang="ko-KR" altLang="en-US" smtClean="0"/>
-              <a:t>2021-09-27</a:t>
+              <a:t>2021-09-28</a:t>
             </a:fld>
             <a:endParaRPr lang="ko-KR" altLang="en-US"/>
           </a:p>
@@ -2680,7 +2709,7 @@
           <a:p>
             <a:fld id="{306DC65C-2967-4128-903A-960A74F611BE}" type="datetimeFigureOut">
               <a:rPr lang="ko-KR" altLang="en-US" smtClean="0"/>
-              <a:t>2021-09-27</a:t>
+              <a:t>2021-09-28</a:t>
             </a:fld>
             <a:endParaRPr lang="ko-KR" altLang="en-US"/>
           </a:p>
@@ -2921,7 +2950,7 @@
           <a:p>
             <a:fld id="{306DC65C-2967-4128-903A-960A74F611BE}" type="datetimeFigureOut">
               <a:rPr lang="ko-KR" altLang="en-US" smtClean="0"/>
-              <a:t>2021-09-27</a:t>
+              <a:t>2021-09-28</a:t>
             </a:fld>
             <a:endParaRPr lang="ko-KR" altLang="en-US"/>
           </a:p>
@@ -3913,7 +3942,7 @@
             </a:br>
             <a:r>
               <a:rPr lang="en-US" altLang="ko-KR"/>
-              <a:t>let, const, var</a:t>
+              <a:t>const, let, var</a:t>
             </a:r>
             <a:endParaRPr lang="ko-KR" altLang="en-US"/>
           </a:p>
@@ -3923,6 +3952,1399 @@
     <p:extLst>
       <p:ext uri="{BB962C8B-B14F-4D97-AF65-F5344CB8AC3E}">
         <p14:creationId xmlns:p14="http://schemas.microsoft.com/office/powerpoint/2010/main" val="1143746905"/>
+      </p:ext>
+    </p:extLst>
+  </p:cSld>
+  <p:clrMapOvr>
+    <a:masterClrMapping/>
+  </p:clrMapOvr>
+</p:sld>
+</file>
+
+<file path=ppt/slides/slide14.xml><?xml version="1.0" encoding="utf-8"?>
+<p:sld xmlns:a="http://schemas.openxmlformats.org/drawingml/2006/main" xmlns:r="http://schemas.openxmlformats.org/officeDocument/2006/relationships" xmlns:p="http://schemas.openxmlformats.org/presentationml/2006/main">
+  <p:cSld>
+    <p:spTree>
+      <p:nvGrpSpPr>
+        <p:cNvPr id="1" name=""/>
+        <p:cNvGrpSpPr/>
+        <p:nvPr/>
+      </p:nvGrpSpPr>
+      <p:grpSpPr>
+        <a:xfrm>
+          <a:off x="0" y="0"/>
+          <a:ext cx="0" cy="0"/>
+          <a:chOff x="0" y="0"/>
+          <a:chExt cx="0" cy="0"/>
+        </a:xfrm>
+      </p:grpSpPr>
+      <p:sp>
+        <p:nvSpPr>
+          <p:cNvPr id="2" name="제목 1">
+            <a:extLst>
+              <a:ext uri="{FF2B5EF4-FFF2-40B4-BE49-F238E27FC236}">
+                <a16:creationId xmlns:a16="http://schemas.microsoft.com/office/drawing/2014/main" id="{78DB5249-1A1E-4790-A831-AFB7049B767E}"/>
+              </a:ext>
+            </a:extLst>
+          </p:cNvPr>
+          <p:cNvSpPr>
+            <a:spLocks noGrp="1"/>
+          </p:cNvSpPr>
+          <p:nvPr>
+            <p:ph type="title"/>
+          </p:nvPr>
+        </p:nvSpPr>
+        <p:spPr/>
+        <p:txBody>
+          <a:bodyPr/>
+          <a:lstStyle/>
+          <a:p>
+            <a:r>
+              <a:rPr lang="ko-KR" altLang="en-US"/>
+              <a:t>결론만 말하자면</a:t>
+            </a:r>
+            <a:r>
+              <a:rPr lang="en-US" altLang="ko-KR"/>
+              <a:t>,</a:t>
+            </a:r>
+            <a:endParaRPr lang="ko-KR" altLang="en-US"/>
+          </a:p>
+        </p:txBody>
+      </p:sp>
+      <p:sp>
+        <p:nvSpPr>
+          <p:cNvPr id="3" name="내용 개체 틀 2">
+            <a:extLst>
+              <a:ext uri="{FF2B5EF4-FFF2-40B4-BE49-F238E27FC236}">
+                <a16:creationId xmlns:a16="http://schemas.microsoft.com/office/drawing/2014/main" id="{BE1C9038-EF26-47A0-9ED9-5FD44803C224}"/>
+              </a:ext>
+            </a:extLst>
+          </p:cNvPr>
+          <p:cNvSpPr>
+            <a:spLocks noGrp="1"/>
+          </p:cNvSpPr>
+          <p:nvPr>
+            <p:ph idx="1"/>
+          </p:nvPr>
+        </p:nvSpPr>
+        <p:spPr/>
+        <p:txBody>
+          <a:bodyPr/>
+          <a:lstStyle/>
+          <a:p>
+            <a:r>
+              <a:rPr lang="ko-KR" altLang="en-US"/>
+              <a:t>일단 </a:t>
+            </a:r>
+            <a:r>
+              <a:rPr lang="en-US" altLang="ko-KR"/>
+              <a:t>const</a:t>
+            </a:r>
+            <a:r>
+              <a:rPr lang="ko-KR" altLang="en-US"/>
+              <a:t> 를 사용하라</a:t>
+            </a:r>
+            <a:r>
+              <a:rPr lang="en-US" altLang="ko-KR"/>
+              <a:t>. (90% </a:t>
+            </a:r>
+            <a:r>
+              <a:rPr lang="ko-KR" altLang="en-US"/>
+              <a:t>의</a:t>
+            </a:r>
+            <a:r>
+              <a:rPr lang="en-US" altLang="ko-KR"/>
+              <a:t> </a:t>
+            </a:r>
+            <a:r>
+              <a:rPr lang="ko-KR" altLang="en-US"/>
+              <a:t>상황</a:t>
+            </a:r>
+            <a:r>
+              <a:rPr lang="en-US" altLang="ko-KR"/>
+              <a:t>)</a:t>
+            </a:r>
+          </a:p>
+          <a:p>
+            <a:r>
+              <a:rPr lang="en-US" altLang="ko-KR"/>
+              <a:t>const </a:t>
+            </a:r>
+            <a:r>
+              <a:rPr lang="ko-KR" altLang="en-US"/>
+              <a:t>를 사용할 수 없는 상황엔 </a:t>
+            </a:r>
+            <a:r>
+              <a:rPr lang="en-US" altLang="ko-KR"/>
+              <a:t>let </a:t>
+            </a:r>
+            <a:r>
+              <a:rPr lang="ko-KR" altLang="en-US"/>
+              <a:t>을</a:t>
+            </a:r>
+            <a:r>
+              <a:rPr lang="en-US" altLang="ko-KR"/>
+              <a:t> </a:t>
+            </a:r>
+            <a:r>
+              <a:rPr lang="ko-KR" altLang="en-US"/>
+              <a:t>사용하라</a:t>
+            </a:r>
+            <a:endParaRPr lang="en-US" altLang="ko-KR"/>
+          </a:p>
+          <a:p>
+            <a:r>
+              <a:rPr lang="en-US" altLang="ko-KR"/>
+              <a:t>var</a:t>
+            </a:r>
+            <a:r>
+              <a:rPr lang="ko-KR" altLang="en-US"/>
+              <a:t> 는 위험하다</a:t>
+            </a:r>
+            <a:r>
+              <a:rPr lang="en-US" altLang="ko-KR"/>
+              <a:t>.</a:t>
+            </a:r>
+            <a:endParaRPr lang="ko-KR" altLang="en-US"/>
+          </a:p>
+        </p:txBody>
+      </p:sp>
+    </p:spTree>
+    <p:extLst>
+      <p:ext uri="{BB962C8B-B14F-4D97-AF65-F5344CB8AC3E}">
+        <p14:creationId xmlns:p14="http://schemas.microsoft.com/office/powerpoint/2010/main" val="4147850158"/>
+      </p:ext>
+    </p:extLst>
+  </p:cSld>
+  <p:clrMapOvr>
+    <a:masterClrMapping/>
+  </p:clrMapOvr>
+</p:sld>
+</file>
+
+<file path=ppt/slides/slide15.xml><?xml version="1.0" encoding="utf-8"?>
+<p:sld xmlns:a="http://schemas.openxmlformats.org/drawingml/2006/main" xmlns:r="http://schemas.openxmlformats.org/officeDocument/2006/relationships" xmlns:p="http://schemas.openxmlformats.org/presentationml/2006/main">
+  <p:cSld>
+    <p:spTree>
+      <p:nvGrpSpPr>
+        <p:cNvPr id="1" name=""/>
+        <p:cNvGrpSpPr/>
+        <p:nvPr/>
+      </p:nvGrpSpPr>
+      <p:grpSpPr>
+        <a:xfrm>
+          <a:off x="0" y="0"/>
+          <a:ext cx="0" cy="0"/>
+          <a:chOff x="0" y="0"/>
+          <a:chExt cx="0" cy="0"/>
+        </a:xfrm>
+      </p:grpSpPr>
+      <p:sp>
+        <p:nvSpPr>
+          <p:cNvPr id="6" name="TextBox 5">
+            <a:extLst>
+              <a:ext uri="{FF2B5EF4-FFF2-40B4-BE49-F238E27FC236}">
+                <a16:creationId xmlns:a16="http://schemas.microsoft.com/office/drawing/2014/main" id="{132F9730-3920-4FE8-82DE-45722F71E395}"/>
+              </a:ext>
+            </a:extLst>
+          </p:cNvPr>
+          <p:cNvSpPr txBox="1"/>
+          <p:nvPr/>
+        </p:nvSpPr>
+        <p:spPr>
+          <a:xfrm>
+            <a:off x="509587" y="2332654"/>
+            <a:ext cx="697627" cy="369332"/>
+          </a:xfrm>
+          <a:prstGeom prst="rect">
+            <a:avLst/>
+          </a:prstGeom>
+          <a:noFill/>
+        </p:spPr>
+        <p:txBody>
+          <a:bodyPr wrap="none" rtlCol="0">
+            <a:spAutoFit/>
+          </a:bodyPr>
+          <a:lstStyle/>
+          <a:p>
+            <a:r>
+              <a:rPr lang="ko-KR" altLang="en-US"/>
+              <a:t>결과</a:t>
+            </a:r>
+            <a:r>
+              <a:rPr lang="en-US" altLang="ko-KR"/>
+              <a:t>:</a:t>
+            </a:r>
+            <a:endParaRPr lang="ko-KR" altLang="en-US"/>
+          </a:p>
+        </p:txBody>
+      </p:sp>
+      <p:pic>
+        <p:nvPicPr>
+          <p:cNvPr id="8" name="그림 7">
+            <a:extLst>
+              <a:ext uri="{FF2B5EF4-FFF2-40B4-BE49-F238E27FC236}">
+                <a16:creationId xmlns:a16="http://schemas.microsoft.com/office/drawing/2014/main" id="{4825E267-892D-4ED6-B390-ED66F5A76591}"/>
+              </a:ext>
+            </a:extLst>
+          </p:cNvPr>
+          <p:cNvPicPr>
+            <a:picLocks noChangeAspect="1"/>
+          </p:cNvPicPr>
+          <p:nvPr/>
+        </p:nvPicPr>
+        <p:blipFill>
+          <a:blip r:embed="rId2"/>
+          <a:stretch>
+            <a:fillRect/>
+          </a:stretch>
+        </p:blipFill>
+        <p:spPr>
+          <a:xfrm>
+            <a:off x="1344871" y="2254311"/>
+            <a:ext cx="742950" cy="447675"/>
+          </a:xfrm>
+          <a:prstGeom prst="rect">
+            <a:avLst/>
+          </a:prstGeom>
+        </p:spPr>
+      </p:pic>
+      <p:pic>
+        <p:nvPicPr>
+          <p:cNvPr id="12" name="그림 11">
+            <a:extLst>
+              <a:ext uri="{FF2B5EF4-FFF2-40B4-BE49-F238E27FC236}">
+                <a16:creationId xmlns:a16="http://schemas.microsoft.com/office/drawing/2014/main" id="{50D8B387-9C43-4A16-BA4D-F7AA93459825}"/>
+              </a:ext>
+            </a:extLst>
+          </p:cNvPr>
+          <p:cNvPicPr>
+            <a:picLocks noChangeAspect="1"/>
+          </p:cNvPicPr>
+          <p:nvPr/>
+        </p:nvPicPr>
+        <p:blipFill>
+          <a:blip r:embed="rId3"/>
+          <a:stretch>
+            <a:fillRect/>
+          </a:stretch>
+        </p:blipFill>
+        <p:spPr>
+          <a:xfrm>
+            <a:off x="406385" y="721016"/>
+            <a:ext cx="6010275" cy="1238250"/>
+          </a:xfrm>
+          <a:prstGeom prst="rect">
+            <a:avLst/>
+          </a:prstGeom>
+        </p:spPr>
+      </p:pic>
+      <p:sp>
+        <p:nvSpPr>
+          <p:cNvPr id="13" name="TextBox 12">
+            <a:extLst>
+              <a:ext uri="{FF2B5EF4-FFF2-40B4-BE49-F238E27FC236}">
+                <a16:creationId xmlns:a16="http://schemas.microsoft.com/office/drawing/2014/main" id="{A3519BCE-8E62-4A8A-8C8D-85F1B9F95ECC}"/>
+              </a:ext>
+            </a:extLst>
+          </p:cNvPr>
+          <p:cNvSpPr txBox="1"/>
+          <p:nvPr/>
+        </p:nvSpPr>
+        <p:spPr>
+          <a:xfrm>
+            <a:off x="509587" y="3179428"/>
+            <a:ext cx="8573181" cy="923330"/>
+          </a:xfrm>
+          <a:prstGeom prst="rect">
+            <a:avLst/>
+          </a:prstGeom>
+          <a:noFill/>
+        </p:spPr>
+        <p:txBody>
+          <a:bodyPr wrap="none" rtlCol="0">
+            <a:spAutoFit/>
+          </a:bodyPr>
+          <a:lstStyle/>
+          <a:p>
+            <a:r>
+              <a:rPr lang="en-US" altLang="ko-KR"/>
+              <a:t>console.log()</a:t>
+            </a:r>
+            <a:r>
+              <a:rPr lang="ko-KR" altLang="en-US"/>
+              <a:t> 는 프린트 함수라고 생각하자</a:t>
+            </a:r>
+            <a:r>
+              <a:rPr lang="en-US" altLang="ko-KR"/>
+              <a:t>.</a:t>
+            </a:r>
+          </a:p>
+          <a:p>
+            <a:endParaRPr lang="en-US" altLang="ko-KR"/>
+          </a:p>
+          <a:p>
+            <a:r>
+              <a:rPr lang="ko-KR" altLang="en-US"/>
+              <a:t>여러분이 마주칠 </a:t>
+            </a:r>
+            <a:r>
+              <a:rPr lang="en-US" altLang="ko-KR"/>
+              <a:t>90% </a:t>
+            </a:r>
+            <a:r>
+              <a:rPr lang="ko-KR" altLang="en-US"/>
+              <a:t>의 상황에선</a:t>
+            </a:r>
+            <a:r>
+              <a:rPr lang="en-US" altLang="ko-KR"/>
+              <a:t>, </a:t>
+            </a:r>
+            <a:r>
+              <a:rPr lang="ko-KR" altLang="en-US"/>
+              <a:t>변수선언은 </a:t>
+            </a:r>
+            <a:r>
+              <a:rPr lang="en-US" altLang="ko-KR"/>
+              <a:t>const </a:t>
+            </a:r>
+            <a:r>
+              <a:rPr lang="ko-KR" altLang="en-US"/>
+              <a:t>로 충분하며</a:t>
+            </a:r>
+            <a:r>
+              <a:rPr lang="en-US" altLang="ko-KR"/>
+              <a:t>, </a:t>
+            </a:r>
+            <a:r>
+              <a:rPr lang="ko-KR" altLang="en-US"/>
+              <a:t>가장 안전하다</a:t>
+            </a:r>
+            <a:r>
+              <a:rPr lang="en-US" altLang="ko-KR"/>
+              <a:t>.</a:t>
+            </a:r>
+            <a:endParaRPr lang="ko-KR" altLang="en-US"/>
+          </a:p>
+        </p:txBody>
+      </p:sp>
+    </p:spTree>
+    <p:extLst>
+      <p:ext uri="{BB962C8B-B14F-4D97-AF65-F5344CB8AC3E}">
+        <p14:creationId xmlns:p14="http://schemas.microsoft.com/office/powerpoint/2010/main" val="3393794276"/>
+      </p:ext>
+    </p:extLst>
+  </p:cSld>
+  <p:clrMapOvr>
+    <a:masterClrMapping/>
+  </p:clrMapOvr>
+</p:sld>
+</file>
+
+<file path=ppt/slides/slide16.xml><?xml version="1.0" encoding="utf-8"?>
+<p:sld xmlns:a="http://schemas.openxmlformats.org/drawingml/2006/main" xmlns:r="http://schemas.openxmlformats.org/officeDocument/2006/relationships" xmlns:p="http://schemas.openxmlformats.org/presentationml/2006/main">
+  <p:cSld>
+    <p:spTree>
+      <p:nvGrpSpPr>
+        <p:cNvPr id="1" name=""/>
+        <p:cNvGrpSpPr/>
+        <p:nvPr/>
+      </p:nvGrpSpPr>
+      <p:grpSpPr>
+        <a:xfrm>
+          <a:off x="0" y="0"/>
+          <a:ext cx="0" cy="0"/>
+          <a:chOff x="0" y="0"/>
+          <a:chExt cx="0" cy="0"/>
+        </a:xfrm>
+      </p:grpSpPr>
+      <p:sp>
+        <p:nvSpPr>
+          <p:cNvPr id="2" name="제목 1">
+            <a:extLst>
+              <a:ext uri="{FF2B5EF4-FFF2-40B4-BE49-F238E27FC236}">
+                <a16:creationId xmlns:a16="http://schemas.microsoft.com/office/drawing/2014/main" id="{72DB0010-943F-418C-A90E-4468A12BC629}"/>
+              </a:ext>
+            </a:extLst>
+          </p:cNvPr>
+          <p:cNvSpPr>
+            <a:spLocks noGrp="1"/>
+          </p:cNvSpPr>
+          <p:nvPr>
+            <p:ph type="title"/>
+          </p:nvPr>
+        </p:nvSpPr>
+        <p:spPr/>
+        <p:txBody>
+          <a:bodyPr/>
+          <a:lstStyle/>
+          <a:p>
+            <a:r>
+              <a:rPr lang="ko-KR" altLang="en-US">
+                <a:solidFill>
+                  <a:srgbClr val="FF0000"/>
+                </a:solidFill>
+              </a:rPr>
+              <a:t>심화</a:t>
+            </a:r>
+            <a:r>
+              <a:rPr lang="en-US" altLang="ko-KR"/>
+              <a:t>: const</a:t>
+            </a:r>
+            <a:r>
+              <a:rPr lang="ko-KR" altLang="en-US"/>
+              <a:t> 에선 변수를 못바꾼다</a:t>
+            </a:r>
+          </a:p>
+        </p:txBody>
+      </p:sp>
+      <p:sp>
+        <p:nvSpPr>
+          <p:cNvPr id="3" name="내용 개체 틀 2">
+            <a:extLst>
+              <a:ext uri="{FF2B5EF4-FFF2-40B4-BE49-F238E27FC236}">
+                <a16:creationId xmlns:a16="http://schemas.microsoft.com/office/drawing/2014/main" id="{E7199A87-FD8D-44CC-959A-0516104DA47C}"/>
+              </a:ext>
+            </a:extLst>
+          </p:cNvPr>
+          <p:cNvSpPr>
+            <a:spLocks noGrp="1"/>
+          </p:cNvSpPr>
+          <p:nvPr>
+            <p:ph idx="1"/>
+          </p:nvPr>
+        </p:nvSpPr>
+        <p:spPr>
+          <a:xfrm>
+            <a:off x="838200" y="3331028"/>
+            <a:ext cx="10515600" cy="3312367"/>
+          </a:xfrm>
+        </p:spPr>
+        <p:txBody>
+          <a:bodyPr>
+            <a:normAutofit/>
+          </a:bodyPr>
+          <a:lstStyle/>
+          <a:p>
+            <a:r>
+              <a:rPr lang="en-US" altLang="ko-KR"/>
+              <a:t>const</a:t>
+            </a:r>
+            <a:r>
+              <a:rPr lang="ko-KR" altLang="en-US"/>
+              <a:t>는 </a:t>
+            </a:r>
+            <a:r>
+              <a:rPr lang="en-US" altLang="ko-KR"/>
+              <a:t>constant </a:t>
+            </a:r>
+            <a:r>
+              <a:rPr lang="ko-KR" altLang="en-US"/>
+              <a:t>의 줄임말이며</a:t>
+            </a:r>
+            <a:r>
+              <a:rPr lang="en-US" altLang="ko-KR"/>
+              <a:t>, </a:t>
+            </a:r>
+            <a:r>
+              <a:rPr lang="ko-KR" altLang="en-US"/>
+              <a:t>즉 </a:t>
+            </a:r>
+            <a:r>
+              <a:rPr lang="en-US" altLang="ko-KR"/>
+              <a:t>“</a:t>
+            </a:r>
+            <a:r>
+              <a:rPr lang="ko-KR" altLang="en-US"/>
+              <a:t>상수</a:t>
+            </a:r>
+            <a:r>
+              <a:rPr lang="en-US" altLang="ko-KR"/>
+              <a:t>”</a:t>
+            </a:r>
+            <a:r>
+              <a:rPr lang="ko-KR" altLang="en-US"/>
+              <a:t>다</a:t>
+            </a:r>
+            <a:endParaRPr lang="en-US" altLang="ko-KR"/>
+          </a:p>
+          <a:p>
+            <a:r>
+              <a:rPr lang="ko-KR" altLang="en-US"/>
+              <a:t>그러나</a:t>
+            </a:r>
+            <a:r>
+              <a:rPr lang="en-US" altLang="ko-KR"/>
+              <a:t>, </a:t>
+            </a:r>
+            <a:r>
+              <a:rPr lang="ko-KR" altLang="en-US"/>
+              <a:t>완전한 상수는 아니고 상수 변수</a:t>
+            </a:r>
+            <a:r>
+              <a:rPr lang="en-US" altLang="ko-KR"/>
+              <a:t>(constant variable)</a:t>
+            </a:r>
+            <a:r>
+              <a:rPr lang="ko-KR" altLang="en-US"/>
+              <a:t>다</a:t>
+            </a:r>
+            <a:r>
+              <a:rPr lang="en-US" altLang="ko-KR"/>
+              <a:t>. </a:t>
+            </a:r>
+          </a:p>
+          <a:p>
+            <a:r>
+              <a:rPr lang="ko-KR" altLang="en-US"/>
+              <a:t>예외</a:t>
+            </a:r>
+            <a:r>
+              <a:rPr lang="en-US" altLang="ko-KR"/>
+              <a:t>: </a:t>
+            </a:r>
+          </a:p>
+          <a:p>
+            <a:pPr lvl="1"/>
+            <a:r>
+              <a:rPr lang="ko-KR" altLang="en-US"/>
+              <a:t>배열 </a:t>
+            </a:r>
+            <a:r>
+              <a:rPr lang="en-US" altLang="ko-KR"/>
+              <a:t>element</a:t>
+            </a:r>
+            <a:r>
+              <a:rPr lang="ko-KR" altLang="en-US"/>
+              <a:t> 변경</a:t>
+            </a:r>
+            <a:r>
+              <a:rPr lang="en-US" altLang="ko-KR"/>
+              <a:t>, </a:t>
+            </a:r>
+            <a:r>
+              <a:rPr lang="ko-KR" altLang="en-US"/>
+              <a:t>추가</a:t>
+            </a:r>
+            <a:r>
+              <a:rPr lang="en-US" altLang="ko-KR"/>
+              <a:t> </a:t>
+            </a:r>
+            <a:r>
+              <a:rPr lang="ko-KR" altLang="en-US"/>
+              <a:t>및</a:t>
+            </a:r>
+            <a:r>
+              <a:rPr lang="en-US" altLang="ko-KR"/>
+              <a:t> </a:t>
+            </a:r>
+            <a:r>
+              <a:rPr lang="ko-KR" altLang="en-US"/>
+              <a:t>삭제</a:t>
+            </a:r>
+            <a:endParaRPr lang="en-US" altLang="ko-KR"/>
+          </a:p>
+          <a:p>
+            <a:pPr lvl="1"/>
+            <a:r>
+              <a:rPr lang="ko-KR" altLang="en-US"/>
+              <a:t>객체 </a:t>
+            </a:r>
+            <a:r>
+              <a:rPr lang="en-US" altLang="ko-KR"/>
+              <a:t>property</a:t>
+            </a:r>
+            <a:r>
+              <a:rPr lang="ko-KR" altLang="en-US"/>
+              <a:t> 변경</a:t>
+            </a:r>
+            <a:r>
+              <a:rPr lang="en-US" altLang="ko-KR"/>
+              <a:t>, </a:t>
+            </a:r>
+            <a:r>
+              <a:rPr lang="ko-KR" altLang="en-US"/>
+              <a:t>추가</a:t>
+            </a:r>
+            <a:r>
+              <a:rPr lang="en-US" altLang="ko-KR"/>
+              <a:t> </a:t>
+            </a:r>
+            <a:r>
+              <a:rPr lang="ko-KR" altLang="en-US"/>
+              <a:t>및</a:t>
+            </a:r>
+            <a:r>
+              <a:rPr lang="en-US" altLang="ko-KR"/>
+              <a:t> </a:t>
+            </a:r>
+            <a:r>
+              <a:rPr lang="ko-KR" altLang="en-US"/>
+              <a:t>삭제</a:t>
+            </a:r>
+            <a:endParaRPr lang="en-US" altLang="ko-KR"/>
+          </a:p>
+          <a:p>
+            <a:r>
+              <a:rPr lang="ko-KR" altLang="en-US"/>
+              <a:t>나중에 배우겠지만</a:t>
+            </a:r>
+            <a:r>
+              <a:rPr lang="en-US" altLang="ko-KR"/>
+              <a:t>, </a:t>
+            </a:r>
+            <a:r>
+              <a:rPr lang="ko-KR" altLang="en-US"/>
+              <a:t>이 두가지 예외 때문에 대부분의 선언은 </a:t>
+            </a:r>
+            <a:r>
+              <a:rPr lang="en-US" altLang="ko-KR"/>
+              <a:t>const</a:t>
+            </a:r>
+            <a:r>
+              <a:rPr lang="ko-KR" altLang="en-US"/>
+              <a:t>로 충분하다 </a:t>
+            </a:r>
+            <a:r>
+              <a:rPr lang="en-US" altLang="ko-KR"/>
+              <a:t>– 90%</a:t>
+            </a:r>
+            <a:r>
+              <a:rPr lang="ko-KR" altLang="en-US"/>
+              <a:t>의 상황</a:t>
+            </a:r>
+            <a:endParaRPr lang="en-US" altLang="ko-KR"/>
+          </a:p>
+        </p:txBody>
+      </p:sp>
+      <p:pic>
+        <p:nvPicPr>
+          <p:cNvPr id="5" name="그림 4">
+            <a:extLst>
+              <a:ext uri="{FF2B5EF4-FFF2-40B4-BE49-F238E27FC236}">
+                <a16:creationId xmlns:a16="http://schemas.microsoft.com/office/drawing/2014/main" id="{F3A5A880-2E90-43E5-9BBA-0BDCA19BA5C3}"/>
+              </a:ext>
+            </a:extLst>
+          </p:cNvPr>
+          <p:cNvPicPr>
+            <a:picLocks noChangeAspect="1"/>
+          </p:cNvPicPr>
+          <p:nvPr/>
+        </p:nvPicPr>
+        <p:blipFill>
+          <a:blip r:embed="rId2"/>
+          <a:stretch>
+            <a:fillRect/>
+          </a:stretch>
+        </p:blipFill>
+        <p:spPr>
+          <a:xfrm>
+            <a:off x="912973" y="1476926"/>
+            <a:ext cx="10058400" cy="1638300"/>
+          </a:xfrm>
+          <a:prstGeom prst="rect">
+            <a:avLst/>
+          </a:prstGeom>
+        </p:spPr>
+      </p:pic>
+    </p:spTree>
+    <p:extLst>
+      <p:ext uri="{BB962C8B-B14F-4D97-AF65-F5344CB8AC3E}">
+        <p14:creationId xmlns:p14="http://schemas.microsoft.com/office/powerpoint/2010/main" val="1698180905"/>
+      </p:ext>
+    </p:extLst>
+  </p:cSld>
+  <p:clrMapOvr>
+    <a:masterClrMapping/>
+  </p:clrMapOvr>
+</p:sld>
+</file>
+
+<file path=ppt/slides/slide17.xml><?xml version="1.0" encoding="utf-8"?>
+<p:sld xmlns:a="http://schemas.openxmlformats.org/drawingml/2006/main" xmlns:r="http://schemas.openxmlformats.org/officeDocument/2006/relationships" xmlns:p="http://schemas.openxmlformats.org/presentationml/2006/main">
+  <p:cSld>
+    <p:spTree>
+      <p:nvGrpSpPr>
+        <p:cNvPr id="1" name=""/>
+        <p:cNvGrpSpPr/>
+        <p:nvPr/>
+      </p:nvGrpSpPr>
+      <p:grpSpPr>
+        <a:xfrm>
+          <a:off x="0" y="0"/>
+          <a:ext cx="0" cy="0"/>
+          <a:chOff x="0" y="0"/>
+          <a:chExt cx="0" cy="0"/>
+        </a:xfrm>
+      </p:grpSpPr>
+      <p:sp>
+        <p:nvSpPr>
+          <p:cNvPr id="2" name="제목 1">
+            <a:extLst>
+              <a:ext uri="{FF2B5EF4-FFF2-40B4-BE49-F238E27FC236}">
+                <a16:creationId xmlns:a16="http://schemas.microsoft.com/office/drawing/2014/main" id="{5A7031AD-A024-4742-95F5-D5E7177B1968}"/>
+              </a:ext>
+            </a:extLst>
+          </p:cNvPr>
+          <p:cNvSpPr>
+            <a:spLocks noGrp="1"/>
+          </p:cNvSpPr>
+          <p:nvPr>
+            <p:ph type="title"/>
+          </p:nvPr>
+        </p:nvSpPr>
+        <p:spPr/>
+        <p:txBody>
+          <a:bodyPr/>
+          <a:lstStyle/>
+          <a:p>
+            <a:r>
+              <a:rPr lang="ko-KR" altLang="en-US"/>
+              <a:t>왜 변수를 안 바꾸는게 중요할까</a:t>
+            </a:r>
+            <a:r>
+              <a:rPr lang="en-US" altLang="ko-KR"/>
+              <a:t>?</a:t>
+            </a:r>
+            <a:endParaRPr lang="ko-KR" altLang="en-US"/>
+          </a:p>
+        </p:txBody>
+      </p:sp>
+      <p:sp>
+        <p:nvSpPr>
+          <p:cNvPr id="3" name="내용 개체 틀 2">
+            <a:extLst>
+              <a:ext uri="{FF2B5EF4-FFF2-40B4-BE49-F238E27FC236}">
+                <a16:creationId xmlns:a16="http://schemas.microsoft.com/office/drawing/2014/main" id="{2EA3A25F-D98D-4119-BBFE-BCB52A00D246}"/>
+              </a:ext>
+            </a:extLst>
+          </p:cNvPr>
+          <p:cNvSpPr>
+            <a:spLocks noGrp="1"/>
+          </p:cNvSpPr>
+          <p:nvPr>
+            <p:ph idx="1"/>
+          </p:nvPr>
+        </p:nvSpPr>
+        <p:spPr>
+          <a:xfrm>
+            <a:off x="4329404" y="1825624"/>
+            <a:ext cx="7024396" cy="3526843"/>
+          </a:xfrm>
+        </p:spPr>
+        <p:txBody>
+          <a:bodyPr>
+            <a:normAutofit fontScale="92500"/>
+          </a:bodyPr>
+          <a:lstStyle/>
+          <a:p>
+            <a:r>
+              <a:rPr lang="en-US" altLang="ko-KR"/>
+              <a:t>immutability (</a:t>
+            </a:r>
+            <a:r>
+              <a:rPr lang="ko-KR" altLang="en-US"/>
+              <a:t>불변성</a:t>
+            </a:r>
+            <a:r>
+              <a:rPr lang="en-US" altLang="ko-KR"/>
+              <a:t>)</a:t>
+            </a:r>
+          </a:p>
+          <a:p>
+            <a:r>
+              <a:rPr lang="ko-KR" altLang="en-US" sz="2000"/>
+              <a:t>웹 개발자는 서버로부터 들어오는 데이터든</a:t>
+            </a:r>
+            <a:r>
+              <a:rPr lang="en-US" altLang="ko-KR" sz="2000"/>
+              <a:t>, </a:t>
+            </a:r>
+            <a:r>
+              <a:rPr lang="ko-KR" altLang="en-US" sz="2000"/>
+              <a:t>내가 브라우저에서 만든 데이터든</a:t>
+            </a:r>
+            <a:r>
+              <a:rPr lang="en-US" altLang="ko-KR" sz="2000"/>
+              <a:t>, </a:t>
+            </a:r>
+            <a:r>
+              <a:rPr lang="ko-KR" altLang="en-US" sz="2000"/>
+              <a:t>그 데이터를 유저가 신뢰할 수 있도록 만들어야</a:t>
+            </a:r>
+            <a:endParaRPr lang="en-US" altLang="ko-KR" sz="2000"/>
+          </a:p>
+          <a:p>
+            <a:r>
+              <a:rPr lang="ko-KR" altLang="en-US" sz="2000"/>
+              <a:t>즉</a:t>
+            </a:r>
+            <a:r>
+              <a:rPr lang="en-US" altLang="ko-KR" sz="2000"/>
+              <a:t>, </a:t>
+            </a:r>
+            <a:r>
+              <a:rPr lang="ko-KR" altLang="en-US" sz="2000"/>
+              <a:t>웹 개발자는 변하지 않을 데이터와</a:t>
+            </a:r>
+            <a:r>
+              <a:rPr lang="en-US" altLang="ko-KR" sz="2000"/>
+              <a:t>, </a:t>
+            </a:r>
+            <a:r>
+              <a:rPr lang="ko-KR" altLang="en-US" sz="2000"/>
+              <a:t>변할 데이터를 </a:t>
+            </a:r>
+            <a:endParaRPr lang="en-US" altLang="ko-KR" sz="2000"/>
+          </a:p>
+          <a:p>
+            <a:pPr marL="0" indent="0">
+              <a:buNone/>
+            </a:pPr>
+            <a:r>
+              <a:rPr lang="en-US" altLang="ko-KR" sz="2000"/>
+              <a:t>  </a:t>
+            </a:r>
+            <a:r>
+              <a:rPr lang="ko-KR" altLang="en-US" sz="2000"/>
+              <a:t>구분해서 유저에게 제공할 줄 알아야</a:t>
+            </a:r>
+            <a:endParaRPr lang="en-US" altLang="ko-KR" sz="2000"/>
+          </a:p>
+          <a:p>
+            <a:pPr marL="0" indent="0">
+              <a:buNone/>
+            </a:pPr>
+            <a:endParaRPr lang="en-US" altLang="ko-KR" sz="2000"/>
+          </a:p>
+          <a:p>
+            <a:pPr marL="0" indent="0">
+              <a:buNone/>
+            </a:pPr>
+            <a:r>
+              <a:rPr lang="en-US" altLang="ko-KR"/>
+              <a:t>const</a:t>
+            </a:r>
+            <a:r>
+              <a:rPr lang="ko-KR" altLang="en-US"/>
+              <a:t>는 개발자의 실수를 막아줄뿐만 아니라</a:t>
+            </a:r>
+            <a:r>
+              <a:rPr lang="en-US" altLang="ko-KR"/>
+              <a:t>,</a:t>
+            </a:r>
+          </a:p>
+          <a:p>
+            <a:pPr marL="0" indent="0">
+              <a:buNone/>
+            </a:pPr>
+            <a:r>
+              <a:rPr lang="ko-KR" altLang="en-US"/>
+              <a:t>해커의 공격으로부터도 데이터를 보호해준다</a:t>
+            </a:r>
+            <a:r>
+              <a:rPr lang="en-US" altLang="ko-KR"/>
+              <a:t>.</a:t>
+            </a:r>
+          </a:p>
+          <a:p>
+            <a:endParaRPr lang="ko-KR" altLang="en-US"/>
+          </a:p>
+        </p:txBody>
+      </p:sp>
+      <p:pic>
+        <p:nvPicPr>
+          <p:cNvPr id="5" name="그림 4">
+            <a:extLst>
+              <a:ext uri="{FF2B5EF4-FFF2-40B4-BE49-F238E27FC236}">
+                <a16:creationId xmlns:a16="http://schemas.microsoft.com/office/drawing/2014/main" id="{806DD062-CE33-48C2-AC71-55D5CAA1F7E0}"/>
+              </a:ext>
+            </a:extLst>
+          </p:cNvPr>
+          <p:cNvPicPr>
+            <a:picLocks noChangeAspect="1"/>
+          </p:cNvPicPr>
+          <p:nvPr/>
+        </p:nvPicPr>
+        <p:blipFill>
+          <a:blip r:embed="rId2"/>
+          <a:stretch>
+            <a:fillRect/>
+          </a:stretch>
+        </p:blipFill>
+        <p:spPr>
+          <a:xfrm>
+            <a:off x="1023257" y="1825625"/>
+            <a:ext cx="2741755" cy="4650079"/>
+          </a:xfrm>
+          <a:prstGeom prst="rect">
+            <a:avLst/>
+          </a:prstGeom>
+        </p:spPr>
+      </p:pic>
+      <p:sp>
+        <p:nvSpPr>
+          <p:cNvPr id="6" name="직사각형 5">
+            <a:extLst>
+              <a:ext uri="{FF2B5EF4-FFF2-40B4-BE49-F238E27FC236}">
+                <a16:creationId xmlns:a16="http://schemas.microsoft.com/office/drawing/2014/main" id="{AEF5FFC6-177E-43F6-B314-3F80BA0FA604}"/>
+              </a:ext>
+            </a:extLst>
+          </p:cNvPr>
+          <p:cNvSpPr/>
+          <p:nvPr/>
+        </p:nvSpPr>
+        <p:spPr>
+          <a:xfrm>
+            <a:off x="1163586" y="6018245"/>
+            <a:ext cx="791049" cy="307910"/>
+          </a:xfrm>
+          <a:prstGeom prst="rect">
+            <a:avLst/>
+          </a:prstGeom>
+          <a:noFill/>
+          <a:ln w="38100">
+            <a:solidFill>
+              <a:srgbClr val="FF0000"/>
+            </a:solidFill>
+          </a:ln>
+        </p:spPr>
+        <p:style>
+          <a:lnRef idx="2">
+            <a:schemeClr val="accent1">
+              <a:shade val="50000"/>
+            </a:schemeClr>
+          </a:lnRef>
+          <a:fillRef idx="1">
+            <a:schemeClr val="accent1"/>
+          </a:fillRef>
+          <a:effectRef idx="0">
+            <a:schemeClr val="accent1"/>
+          </a:effectRef>
+          <a:fontRef idx="minor">
+            <a:schemeClr val="lt1"/>
+          </a:fontRef>
+        </p:style>
+        <p:txBody>
+          <a:bodyPr rtlCol="0" anchor="ctr"/>
+          <a:lstStyle/>
+          <a:p>
+            <a:pPr algn="ctr"/>
+            <a:endParaRPr lang="ko-KR" altLang="en-US"/>
+          </a:p>
+        </p:txBody>
+      </p:sp>
+      <p:cxnSp>
+        <p:nvCxnSpPr>
+          <p:cNvPr id="8" name="직선 연결선 7">
+            <a:extLst>
+              <a:ext uri="{FF2B5EF4-FFF2-40B4-BE49-F238E27FC236}">
+                <a16:creationId xmlns:a16="http://schemas.microsoft.com/office/drawing/2014/main" id="{0D1B9EE3-5250-43CE-925B-6563F7035CC8}"/>
+              </a:ext>
+            </a:extLst>
+          </p:cNvPr>
+          <p:cNvCxnSpPr>
+            <a:stCxn id="6" idx="3"/>
+          </p:cNvCxnSpPr>
+          <p:nvPr/>
+        </p:nvCxnSpPr>
+        <p:spPr>
+          <a:xfrm>
+            <a:off x="1954635" y="6172200"/>
+            <a:ext cx="3221372" cy="0"/>
+          </a:xfrm>
+          <a:prstGeom prst="line">
+            <a:avLst/>
+          </a:prstGeom>
+          <a:ln w="38100">
+            <a:solidFill>
+              <a:srgbClr val="FF0000"/>
+            </a:solidFill>
+          </a:ln>
+        </p:spPr>
+        <p:style>
+          <a:lnRef idx="1">
+            <a:schemeClr val="accent2"/>
+          </a:lnRef>
+          <a:fillRef idx="0">
+            <a:schemeClr val="accent2"/>
+          </a:fillRef>
+          <a:effectRef idx="0">
+            <a:schemeClr val="accent2"/>
+          </a:effectRef>
+          <a:fontRef idx="minor">
+            <a:schemeClr val="tx1"/>
+          </a:fontRef>
+        </p:style>
+      </p:cxnSp>
+      <p:sp>
+        <p:nvSpPr>
+          <p:cNvPr id="9" name="TextBox 8">
+            <a:extLst>
+              <a:ext uri="{FF2B5EF4-FFF2-40B4-BE49-F238E27FC236}">
+                <a16:creationId xmlns:a16="http://schemas.microsoft.com/office/drawing/2014/main" id="{0B71FACB-96AA-4E50-8B66-DF84CE172287}"/>
+              </a:ext>
+            </a:extLst>
+          </p:cNvPr>
+          <p:cNvSpPr txBox="1"/>
+          <p:nvPr/>
+        </p:nvSpPr>
+        <p:spPr>
+          <a:xfrm>
+            <a:off x="5248897" y="5506421"/>
+            <a:ext cx="6535736" cy="1200329"/>
+          </a:xfrm>
+          <a:prstGeom prst="rect">
+            <a:avLst/>
+          </a:prstGeom>
+          <a:noFill/>
+        </p:spPr>
+        <p:txBody>
+          <a:bodyPr wrap="square" rtlCol="0">
+            <a:spAutoFit/>
+          </a:bodyPr>
+          <a:lstStyle/>
+          <a:p>
+            <a:r>
+              <a:rPr lang="ko-KR" altLang="en-US"/>
+              <a:t>웹페이지 아래쪽에 있는 회사 정보는 </a:t>
+            </a:r>
+            <a:endParaRPr lang="en-US" altLang="ko-KR"/>
+          </a:p>
+          <a:p>
+            <a:r>
+              <a:rPr lang="ko-KR" altLang="en-US"/>
+              <a:t>이 페이지뿐만아니라 </a:t>
+            </a:r>
+            <a:endParaRPr lang="en-US" altLang="ko-KR"/>
+          </a:p>
+          <a:p>
+            <a:r>
+              <a:rPr lang="ko-KR" altLang="en-US"/>
+              <a:t>여러 페이지에서 쓰인다</a:t>
+            </a:r>
+            <a:r>
+              <a:rPr lang="en-US" altLang="ko-KR"/>
+              <a:t>.</a:t>
+            </a:r>
+          </a:p>
+          <a:p>
+            <a:r>
+              <a:rPr lang="ko-KR" altLang="en-US"/>
+              <a:t>이 정보가 매번 바뀐다면</a:t>
+            </a:r>
+            <a:r>
+              <a:rPr lang="en-US" altLang="ko-KR"/>
+              <a:t>, (</a:t>
+            </a:r>
+            <a:r>
+              <a:rPr lang="ko-KR" altLang="en-US"/>
+              <a:t>주</a:t>
+            </a:r>
+            <a:r>
+              <a:rPr lang="en-US" altLang="ko-KR"/>
+              <a:t>)</a:t>
+            </a:r>
+            <a:r>
+              <a:rPr lang="ko-KR" altLang="en-US"/>
+              <a:t>경대도시락을 신뢰할 수 있는가</a:t>
+            </a:r>
+            <a:r>
+              <a:rPr lang="en-US" altLang="ko-KR"/>
+              <a:t>?</a:t>
+            </a:r>
+            <a:endParaRPr lang="ko-KR" altLang="en-US"/>
+          </a:p>
+        </p:txBody>
+      </p:sp>
+    </p:spTree>
+    <p:extLst>
+      <p:ext uri="{BB962C8B-B14F-4D97-AF65-F5344CB8AC3E}">
+        <p14:creationId xmlns:p14="http://schemas.microsoft.com/office/powerpoint/2010/main" val="920684839"/>
+      </p:ext>
+    </p:extLst>
+  </p:cSld>
+  <p:clrMapOvr>
+    <a:masterClrMapping/>
+  </p:clrMapOvr>
+</p:sld>
+</file>
+
+<file path=ppt/slides/slide18.xml><?xml version="1.0" encoding="utf-8"?>
+<p:sld xmlns:a="http://schemas.openxmlformats.org/drawingml/2006/main" xmlns:r="http://schemas.openxmlformats.org/officeDocument/2006/relationships" xmlns:p="http://schemas.openxmlformats.org/presentationml/2006/main">
+  <p:cSld>
+    <p:spTree>
+      <p:nvGrpSpPr>
+        <p:cNvPr id="1" name=""/>
+        <p:cNvGrpSpPr/>
+        <p:nvPr/>
+      </p:nvGrpSpPr>
+      <p:grpSpPr>
+        <a:xfrm>
+          <a:off x="0" y="0"/>
+          <a:ext cx="0" cy="0"/>
+          <a:chOff x="0" y="0"/>
+          <a:chExt cx="0" cy="0"/>
+        </a:xfrm>
+      </p:grpSpPr>
+      <p:sp>
+        <p:nvSpPr>
+          <p:cNvPr id="2" name="제목 1">
+            <a:extLst>
+              <a:ext uri="{FF2B5EF4-FFF2-40B4-BE49-F238E27FC236}">
+                <a16:creationId xmlns:a16="http://schemas.microsoft.com/office/drawing/2014/main" id="{44ED6185-C7B3-4D54-A829-1892846CAFA1}"/>
+              </a:ext>
+            </a:extLst>
+          </p:cNvPr>
+          <p:cNvSpPr>
+            <a:spLocks noGrp="1"/>
+          </p:cNvSpPr>
+          <p:nvPr>
+            <p:ph type="title"/>
+          </p:nvPr>
+        </p:nvSpPr>
+        <p:spPr/>
+        <p:txBody>
+          <a:bodyPr/>
+          <a:lstStyle/>
+          <a:p>
+            <a:r>
+              <a:rPr lang="ko-KR" altLang="en-US"/>
+              <a:t>실제 사례</a:t>
+            </a:r>
+            <a:r>
+              <a:rPr lang="en-US" altLang="ko-KR"/>
+              <a:t>: </a:t>
+            </a:r>
+            <a:r>
+              <a:rPr lang="ko-KR" altLang="en-US"/>
+              <a:t>대구공고 해킹사건</a:t>
+            </a:r>
+          </a:p>
+        </p:txBody>
+      </p:sp>
+      <p:pic>
+        <p:nvPicPr>
+          <p:cNvPr id="5" name="그림 4">
+            <a:extLst>
+              <a:ext uri="{FF2B5EF4-FFF2-40B4-BE49-F238E27FC236}">
+                <a16:creationId xmlns:a16="http://schemas.microsoft.com/office/drawing/2014/main" id="{CD9C6C20-7DF2-4A5C-A371-E031672B93D4}"/>
+              </a:ext>
+            </a:extLst>
+          </p:cNvPr>
+          <p:cNvPicPr>
+            <a:picLocks noChangeAspect="1"/>
+          </p:cNvPicPr>
+          <p:nvPr/>
+        </p:nvPicPr>
+        <p:blipFill>
+          <a:blip r:embed="rId2"/>
+          <a:stretch>
+            <a:fillRect/>
+          </a:stretch>
+        </p:blipFill>
+        <p:spPr>
+          <a:xfrm>
+            <a:off x="838200" y="1585588"/>
+            <a:ext cx="7135601" cy="4954555"/>
+          </a:xfrm>
+          <a:prstGeom prst="rect">
+            <a:avLst/>
+          </a:prstGeom>
+        </p:spPr>
+      </p:pic>
+      <p:sp>
+        <p:nvSpPr>
+          <p:cNvPr id="6" name="TextBox 5">
+            <a:extLst>
+              <a:ext uri="{FF2B5EF4-FFF2-40B4-BE49-F238E27FC236}">
+                <a16:creationId xmlns:a16="http://schemas.microsoft.com/office/drawing/2014/main" id="{3817C58D-38C8-42B6-AF7D-3F1D02CBCE83}"/>
+              </a:ext>
+            </a:extLst>
+          </p:cNvPr>
+          <p:cNvSpPr txBox="1"/>
+          <p:nvPr/>
+        </p:nvSpPr>
+        <p:spPr>
+          <a:xfrm>
+            <a:off x="8229600" y="3023118"/>
+            <a:ext cx="3661580" cy="646331"/>
+          </a:xfrm>
+          <a:prstGeom prst="rect">
+            <a:avLst/>
+          </a:prstGeom>
+          <a:noFill/>
+        </p:spPr>
+        <p:txBody>
+          <a:bodyPr wrap="none" rtlCol="0">
+            <a:spAutoFit/>
+          </a:bodyPr>
+          <a:lstStyle/>
+          <a:p>
+            <a:r>
+              <a:rPr lang="en-US" altLang="ko-KR"/>
+              <a:t>const</a:t>
+            </a:r>
+            <a:r>
+              <a:rPr lang="ko-KR" altLang="en-US"/>
+              <a:t>가 모든 걸 막아주진 않지만</a:t>
+            </a:r>
+            <a:r>
+              <a:rPr lang="en-US" altLang="ko-KR"/>
+              <a:t>,</a:t>
+            </a:r>
+          </a:p>
+          <a:p>
+            <a:r>
+              <a:rPr lang="ko-KR" altLang="en-US"/>
+              <a:t>어느 정도는 막아준다</a:t>
+            </a:r>
+            <a:r>
+              <a:rPr lang="en-US" altLang="ko-KR"/>
+              <a:t>.</a:t>
+            </a:r>
+            <a:endParaRPr lang="ko-KR" altLang="en-US"/>
+          </a:p>
+        </p:txBody>
+      </p:sp>
+    </p:spTree>
+    <p:extLst>
+      <p:ext uri="{BB962C8B-B14F-4D97-AF65-F5344CB8AC3E}">
+        <p14:creationId xmlns:p14="http://schemas.microsoft.com/office/powerpoint/2010/main" val="1188385831"/>
+      </p:ext>
+    </p:extLst>
+  </p:cSld>
+  <p:clrMapOvr>
+    <a:masterClrMapping/>
+  </p:clrMapOvr>
+</p:sld>
+</file>
+
+<file path=ppt/slides/slide19.xml><?xml version="1.0" encoding="utf-8"?>
+<p:sld xmlns:a="http://schemas.openxmlformats.org/drawingml/2006/main" xmlns:r="http://schemas.openxmlformats.org/officeDocument/2006/relationships" xmlns:p="http://schemas.openxmlformats.org/presentationml/2006/main">
+  <p:cSld>
+    <p:spTree>
+      <p:nvGrpSpPr>
+        <p:cNvPr id="1" name=""/>
+        <p:cNvGrpSpPr/>
+        <p:nvPr/>
+      </p:nvGrpSpPr>
+      <p:grpSpPr>
+        <a:xfrm>
+          <a:off x="0" y="0"/>
+          <a:ext cx="0" cy="0"/>
+          <a:chOff x="0" y="0"/>
+          <a:chExt cx="0" cy="0"/>
+        </a:xfrm>
+      </p:grpSpPr>
+      <p:sp>
+        <p:nvSpPr>
+          <p:cNvPr id="2" name="제목 1">
+            <a:extLst>
+              <a:ext uri="{FF2B5EF4-FFF2-40B4-BE49-F238E27FC236}">
+                <a16:creationId xmlns:a16="http://schemas.microsoft.com/office/drawing/2014/main" id="{B57C65FE-EC0A-447A-A0F9-9034DC7DDFDE}"/>
+              </a:ext>
+            </a:extLst>
+          </p:cNvPr>
+          <p:cNvSpPr>
+            <a:spLocks noGrp="1"/>
+          </p:cNvSpPr>
+          <p:nvPr>
+            <p:ph type="title"/>
+          </p:nvPr>
+        </p:nvSpPr>
+        <p:spPr/>
+        <p:txBody>
+          <a:bodyPr/>
+          <a:lstStyle/>
+          <a:p>
+            <a:r>
+              <a:rPr lang="ko-KR" altLang="en-US"/>
+              <a:t>쉽게 말하자면</a:t>
+            </a:r>
+            <a:r>
+              <a:rPr lang="en-US" altLang="ko-KR"/>
+              <a:t>,</a:t>
+            </a:r>
+            <a:endParaRPr lang="ko-KR" altLang="en-US"/>
+          </a:p>
+        </p:txBody>
+      </p:sp>
+      <p:sp>
+        <p:nvSpPr>
+          <p:cNvPr id="3" name="내용 개체 틀 2">
+            <a:extLst>
+              <a:ext uri="{FF2B5EF4-FFF2-40B4-BE49-F238E27FC236}">
+                <a16:creationId xmlns:a16="http://schemas.microsoft.com/office/drawing/2014/main" id="{23DC27FB-E23A-4C0B-9B58-281311D5B9F8}"/>
+              </a:ext>
+            </a:extLst>
+          </p:cNvPr>
+          <p:cNvSpPr>
+            <a:spLocks noGrp="1"/>
+          </p:cNvSpPr>
+          <p:nvPr>
+            <p:ph idx="1"/>
+          </p:nvPr>
+        </p:nvSpPr>
+        <p:spPr>
+          <a:xfrm>
+            <a:off x="838200" y="1825625"/>
+            <a:ext cx="10515600" cy="1514734"/>
+          </a:xfrm>
+        </p:spPr>
+        <p:txBody>
+          <a:bodyPr/>
+          <a:lstStyle/>
+          <a:p>
+            <a:r>
+              <a:rPr lang="en-US" altLang="ko-KR"/>
+              <a:t>90% </a:t>
+            </a:r>
+            <a:r>
+              <a:rPr lang="ko-KR" altLang="en-US"/>
+              <a:t>의 변수선언은 </a:t>
+            </a:r>
+            <a:r>
+              <a:rPr lang="en-US" altLang="ko-KR"/>
+              <a:t>const </a:t>
+            </a:r>
+            <a:r>
+              <a:rPr lang="ko-KR" altLang="en-US"/>
+              <a:t>를 쓰면 된다</a:t>
+            </a:r>
+            <a:r>
+              <a:rPr lang="en-US" altLang="ko-KR"/>
+              <a:t>.</a:t>
+            </a:r>
+          </a:p>
+          <a:p>
+            <a:endParaRPr lang="en-US" altLang="ko-KR"/>
+          </a:p>
+          <a:p>
+            <a:r>
+              <a:rPr lang="ko-KR" altLang="en-US"/>
+              <a:t>그럼 나머지 </a:t>
+            </a:r>
+            <a:r>
+              <a:rPr lang="en-US" altLang="ko-KR"/>
+              <a:t>10% </a:t>
+            </a:r>
+            <a:r>
+              <a:rPr lang="ko-KR" altLang="en-US"/>
+              <a:t>는</a:t>
+            </a:r>
+            <a:r>
+              <a:rPr lang="en-US" altLang="ko-KR"/>
+              <a:t>?</a:t>
+            </a:r>
+            <a:endParaRPr lang="ko-KR" altLang="en-US"/>
+          </a:p>
+        </p:txBody>
+      </p:sp>
+    </p:spTree>
+    <p:extLst>
+      <p:ext uri="{BB962C8B-B14F-4D97-AF65-F5344CB8AC3E}">
+        <p14:creationId xmlns:p14="http://schemas.microsoft.com/office/powerpoint/2010/main" val="1796021315"/>
       </p:ext>
     </p:extLst>
   </p:cSld>
@@ -4067,6 +5489,2035 @@
 </p:sld>
 </file>
 
+<file path=ppt/slides/slide20.xml><?xml version="1.0" encoding="utf-8"?>
+<p:sld xmlns:a="http://schemas.openxmlformats.org/drawingml/2006/main" xmlns:r="http://schemas.openxmlformats.org/officeDocument/2006/relationships" xmlns:p="http://schemas.openxmlformats.org/presentationml/2006/main">
+  <p:cSld>
+    <p:spTree>
+      <p:nvGrpSpPr>
+        <p:cNvPr id="1" name=""/>
+        <p:cNvGrpSpPr/>
+        <p:nvPr/>
+      </p:nvGrpSpPr>
+      <p:grpSpPr>
+        <a:xfrm>
+          <a:off x="0" y="0"/>
+          <a:ext cx="0" cy="0"/>
+          <a:chOff x="0" y="0"/>
+          <a:chExt cx="0" cy="0"/>
+        </a:xfrm>
+      </p:grpSpPr>
+      <p:sp>
+        <p:nvSpPr>
+          <p:cNvPr id="8" name="TextBox 7">
+            <a:extLst>
+              <a:ext uri="{FF2B5EF4-FFF2-40B4-BE49-F238E27FC236}">
+                <a16:creationId xmlns:a16="http://schemas.microsoft.com/office/drawing/2014/main" id="{68FDE993-59D9-4F25-8285-7CA82CF3ADC3}"/>
+              </a:ext>
+            </a:extLst>
+          </p:cNvPr>
+          <p:cNvSpPr txBox="1"/>
+          <p:nvPr/>
+        </p:nvSpPr>
+        <p:spPr>
+          <a:xfrm>
+            <a:off x="474064" y="3244334"/>
+            <a:ext cx="697627" cy="369332"/>
+          </a:xfrm>
+          <a:prstGeom prst="rect">
+            <a:avLst/>
+          </a:prstGeom>
+          <a:noFill/>
+        </p:spPr>
+        <p:txBody>
+          <a:bodyPr wrap="none" rtlCol="0">
+            <a:spAutoFit/>
+          </a:bodyPr>
+          <a:lstStyle/>
+          <a:p>
+            <a:r>
+              <a:rPr lang="ko-KR" altLang="en-US"/>
+              <a:t>결과</a:t>
+            </a:r>
+            <a:r>
+              <a:rPr lang="en-US" altLang="ko-KR"/>
+              <a:t>:</a:t>
+            </a:r>
+            <a:endParaRPr lang="ko-KR" altLang="en-US"/>
+          </a:p>
+        </p:txBody>
+      </p:sp>
+      <p:pic>
+        <p:nvPicPr>
+          <p:cNvPr id="10" name="그림 9">
+            <a:extLst>
+              <a:ext uri="{FF2B5EF4-FFF2-40B4-BE49-F238E27FC236}">
+                <a16:creationId xmlns:a16="http://schemas.microsoft.com/office/drawing/2014/main" id="{4B93C840-DFF1-4F77-A4E9-E8809454301A}"/>
+              </a:ext>
+            </a:extLst>
+          </p:cNvPr>
+          <p:cNvPicPr>
+            <a:picLocks noChangeAspect="1"/>
+          </p:cNvPicPr>
+          <p:nvPr/>
+        </p:nvPicPr>
+        <p:blipFill>
+          <a:blip r:embed="rId2"/>
+          <a:stretch>
+            <a:fillRect/>
+          </a:stretch>
+        </p:blipFill>
+        <p:spPr>
+          <a:xfrm>
+            <a:off x="1333937" y="3114675"/>
+            <a:ext cx="1533525" cy="628650"/>
+          </a:xfrm>
+          <a:prstGeom prst="rect">
+            <a:avLst/>
+          </a:prstGeom>
+        </p:spPr>
+      </p:pic>
+      <p:sp>
+        <p:nvSpPr>
+          <p:cNvPr id="11" name="TextBox 10">
+            <a:extLst>
+              <a:ext uri="{FF2B5EF4-FFF2-40B4-BE49-F238E27FC236}">
+                <a16:creationId xmlns:a16="http://schemas.microsoft.com/office/drawing/2014/main" id="{C5CD0077-B727-47E5-AC43-33BFB57559E7}"/>
+              </a:ext>
+            </a:extLst>
+          </p:cNvPr>
+          <p:cNvSpPr txBox="1"/>
+          <p:nvPr/>
+        </p:nvSpPr>
+        <p:spPr>
+          <a:xfrm>
+            <a:off x="395287" y="4256839"/>
+            <a:ext cx="6655989" cy="707886"/>
+          </a:xfrm>
+          <a:prstGeom prst="rect">
+            <a:avLst/>
+          </a:prstGeom>
+          <a:noFill/>
+        </p:spPr>
+        <p:txBody>
+          <a:bodyPr wrap="none" rtlCol="0">
+            <a:spAutoFit/>
+          </a:bodyPr>
+          <a:lstStyle/>
+          <a:p>
+            <a:r>
+              <a:rPr lang="en-US" altLang="ko-KR" sz="2000"/>
+              <a:t>let</a:t>
+            </a:r>
+            <a:r>
+              <a:rPr lang="ko-KR" altLang="en-US" sz="2000"/>
+              <a:t> 은 변수의 내용을 바꿀 수 있다</a:t>
+            </a:r>
+            <a:r>
+              <a:rPr lang="en-US" altLang="ko-KR" sz="2000"/>
+              <a:t>.</a:t>
+            </a:r>
+          </a:p>
+          <a:p>
+            <a:r>
+              <a:rPr lang="ko-KR" altLang="en-US" sz="2000"/>
+              <a:t>단</a:t>
+            </a:r>
+            <a:r>
+              <a:rPr lang="en-US" altLang="ko-KR" sz="2000"/>
+              <a:t>, </a:t>
+            </a:r>
+            <a:r>
+              <a:rPr lang="ko-KR" altLang="en-US" sz="2000"/>
+              <a:t>웹개발자가 </a:t>
+            </a:r>
+            <a:r>
+              <a:rPr lang="en-US" altLang="ko-KR" sz="2000"/>
+              <a:t>let</a:t>
+            </a:r>
+            <a:r>
+              <a:rPr lang="ko-KR" altLang="en-US" sz="2000"/>
+              <a:t>을 쓸 때는</a:t>
+            </a:r>
+            <a:r>
+              <a:rPr lang="en-US" altLang="ko-KR" sz="2000"/>
+              <a:t>, </a:t>
+            </a:r>
+            <a:r>
+              <a:rPr lang="ko-KR" altLang="en-US" sz="2000"/>
+              <a:t>반드시 필요해서 써야한다</a:t>
+            </a:r>
+            <a:r>
+              <a:rPr lang="en-US" altLang="ko-KR" sz="2000"/>
+              <a:t>.</a:t>
+            </a:r>
+            <a:endParaRPr lang="ko-KR" altLang="en-US" sz="2000"/>
+          </a:p>
+        </p:txBody>
+      </p:sp>
+      <p:pic>
+        <p:nvPicPr>
+          <p:cNvPr id="13" name="그림 12">
+            <a:extLst>
+              <a:ext uri="{FF2B5EF4-FFF2-40B4-BE49-F238E27FC236}">
+                <a16:creationId xmlns:a16="http://schemas.microsoft.com/office/drawing/2014/main" id="{11653FB3-0B14-4911-BB48-BD75D8BA42FB}"/>
+              </a:ext>
+            </a:extLst>
+          </p:cNvPr>
+          <p:cNvPicPr>
+            <a:picLocks noChangeAspect="1"/>
+          </p:cNvPicPr>
+          <p:nvPr/>
+        </p:nvPicPr>
+        <p:blipFill>
+          <a:blip r:embed="rId3"/>
+          <a:stretch>
+            <a:fillRect/>
+          </a:stretch>
+        </p:blipFill>
+        <p:spPr>
+          <a:xfrm>
+            <a:off x="474064" y="914102"/>
+            <a:ext cx="4956079" cy="1731642"/>
+          </a:xfrm>
+          <a:prstGeom prst="rect">
+            <a:avLst/>
+          </a:prstGeom>
+        </p:spPr>
+      </p:pic>
+    </p:spTree>
+    <p:extLst>
+      <p:ext uri="{BB962C8B-B14F-4D97-AF65-F5344CB8AC3E}">
+        <p14:creationId xmlns:p14="http://schemas.microsoft.com/office/powerpoint/2010/main" val="1232375090"/>
+      </p:ext>
+    </p:extLst>
+  </p:cSld>
+  <p:clrMapOvr>
+    <a:masterClrMapping/>
+  </p:clrMapOvr>
+</p:sld>
+</file>
+
+<file path=ppt/slides/slide21.xml><?xml version="1.0" encoding="utf-8"?>
+<p:sld xmlns:a="http://schemas.openxmlformats.org/drawingml/2006/main" xmlns:r="http://schemas.openxmlformats.org/officeDocument/2006/relationships" xmlns:p="http://schemas.openxmlformats.org/presentationml/2006/main">
+  <p:cSld>
+    <p:spTree>
+      <p:nvGrpSpPr>
+        <p:cNvPr id="1" name=""/>
+        <p:cNvGrpSpPr/>
+        <p:nvPr/>
+      </p:nvGrpSpPr>
+      <p:grpSpPr>
+        <a:xfrm>
+          <a:off x="0" y="0"/>
+          <a:ext cx="0" cy="0"/>
+          <a:chOff x="0" y="0"/>
+          <a:chExt cx="0" cy="0"/>
+        </a:xfrm>
+      </p:grpSpPr>
+      <p:sp>
+        <p:nvSpPr>
+          <p:cNvPr id="2" name="제목 1">
+            <a:extLst>
+              <a:ext uri="{FF2B5EF4-FFF2-40B4-BE49-F238E27FC236}">
+                <a16:creationId xmlns:a16="http://schemas.microsoft.com/office/drawing/2014/main" id="{DA2DE38A-FFF2-4A7B-AB66-E86C4278DED5}"/>
+              </a:ext>
+            </a:extLst>
+          </p:cNvPr>
+          <p:cNvSpPr>
+            <a:spLocks noGrp="1"/>
+          </p:cNvSpPr>
+          <p:nvPr>
+            <p:ph type="title"/>
+          </p:nvPr>
+        </p:nvSpPr>
+        <p:spPr/>
+        <p:txBody>
+          <a:bodyPr/>
+          <a:lstStyle/>
+          <a:p>
+            <a:r>
+              <a:rPr lang="en-US" altLang="ko-KR"/>
+              <a:t>var : </a:t>
+            </a:r>
+            <a:r>
+              <a:rPr lang="ko-KR" altLang="en-US">
+                <a:solidFill>
+                  <a:srgbClr val="FF0000"/>
+                </a:solidFill>
+              </a:rPr>
+              <a:t>매우 위험</a:t>
+            </a:r>
+          </a:p>
+        </p:txBody>
+      </p:sp>
+      <p:sp>
+        <p:nvSpPr>
+          <p:cNvPr id="3" name="내용 개체 틀 2">
+            <a:extLst>
+              <a:ext uri="{FF2B5EF4-FFF2-40B4-BE49-F238E27FC236}">
+                <a16:creationId xmlns:a16="http://schemas.microsoft.com/office/drawing/2014/main" id="{E9698F27-DA32-420F-9BD4-F91E0ADCFA87}"/>
+              </a:ext>
+            </a:extLst>
+          </p:cNvPr>
+          <p:cNvSpPr>
+            <a:spLocks noGrp="1"/>
+          </p:cNvSpPr>
+          <p:nvPr>
+            <p:ph idx="1"/>
+          </p:nvPr>
+        </p:nvSpPr>
+        <p:spPr/>
+        <p:txBody>
+          <a:bodyPr/>
+          <a:lstStyle/>
+          <a:p>
+            <a:r>
+              <a:rPr lang="en-US" altLang="ko-KR"/>
+              <a:t>2015</a:t>
+            </a:r>
+            <a:r>
+              <a:rPr lang="ko-KR" altLang="en-US"/>
+              <a:t>년 이전에 쓰이던 변수선언법</a:t>
+            </a:r>
+            <a:endParaRPr lang="en-US" altLang="ko-KR"/>
+          </a:p>
+          <a:p>
+            <a:r>
+              <a:rPr lang="ko-KR" altLang="en-US"/>
+              <a:t>선언된 변수를 다시 선언해서 쓸 수 있다</a:t>
+            </a:r>
+            <a:endParaRPr lang="en-US" altLang="ko-KR"/>
+          </a:p>
+          <a:p>
+            <a:r>
+              <a:rPr lang="ko-KR" altLang="en-US"/>
+              <a:t>프로그래밍 언어학적으로 매우 위험</a:t>
+            </a:r>
+            <a:r>
+              <a:rPr lang="en-US" altLang="ko-KR"/>
+              <a:t>!</a:t>
+            </a:r>
+          </a:p>
+          <a:p>
+            <a:r>
+              <a:rPr lang="ko-KR" altLang="en-US"/>
+              <a:t>이걸 쓸 경우엔 기업 코딩테스트에서 떨어질 가능성이 크다</a:t>
+            </a:r>
+            <a:r>
+              <a:rPr lang="en-US" altLang="ko-KR"/>
+              <a:t>.</a:t>
+            </a:r>
+            <a:endParaRPr lang="ko-KR" altLang="en-US"/>
+          </a:p>
+        </p:txBody>
+      </p:sp>
+      <p:pic>
+        <p:nvPicPr>
+          <p:cNvPr id="5" name="그림 4">
+            <a:extLst>
+              <a:ext uri="{FF2B5EF4-FFF2-40B4-BE49-F238E27FC236}">
+                <a16:creationId xmlns:a16="http://schemas.microsoft.com/office/drawing/2014/main" id="{3931BF90-C4E1-490A-9C67-4F46ADA063A4}"/>
+              </a:ext>
+            </a:extLst>
+          </p:cNvPr>
+          <p:cNvPicPr>
+            <a:picLocks noChangeAspect="1"/>
+          </p:cNvPicPr>
+          <p:nvPr/>
+        </p:nvPicPr>
+        <p:blipFill>
+          <a:blip r:embed="rId2"/>
+          <a:stretch>
+            <a:fillRect/>
+          </a:stretch>
+        </p:blipFill>
+        <p:spPr>
+          <a:xfrm>
+            <a:off x="838200" y="3959094"/>
+            <a:ext cx="4673367" cy="1665371"/>
+          </a:xfrm>
+          <a:prstGeom prst="rect">
+            <a:avLst/>
+          </a:prstGeom>
+        </p:spPr>
+      </p:pic>
+      <p:sp>
+        <p:nvSpPr>
+          <p:cNvPr id="6" name="TextBox 5">
+            <a:extLst>
+              <a:ext uri="{FF2B5EF4-FFF2-40B4-BE49-F238E27FC236}">
+                <a16:creationId xmlns:a16="http://schemas.microsoft.com/office/drawing/2014/main" id="{1858A21B-62B8-4096-A0E4-14D50EB19BC9}"/>
+              </a:ext>
+            </a:extLst>
+          </p:cNvPr>
+          <p:cNvSpPr txBox="1"/>
+          <p:nvPr/>
+        </p:nvSpPr>
+        <p:spPr>
+          <a:xfrm>
+            <a:off x="838200" y="5993884"/>
+            <a:ext cx="697627" cy="369332"/>
+          </a:xfrm>
+          <a:prstGeom prst="rect">
+            <a:avLst/>
+          </a:prstGeom>
+          <a:noFill/>
+        </p:spPr>
+        <p:txBody>
+          <a:bodyPr wrap="none" rtlCol="0">
+            <a:spAutoFit/>
+          </a:bodyPr>
+          <a:lstStyle/>
+          <a:p>
+            <a:r>
+              <a:rPr lang="ko-KR" altLang="en-US"/>
+              <a:t>결과</a:t>
+            </a:r>
+            <a:r>
+              <a:rPr lang="en-US" altLang="ko-KR"/>
+              <a:t>:</a:t>
+            </a:r>
+            <a:endParaRPr lang="ko-KR" altLang="en-US"/>
+          </a:p>
+        </p:txBody>
+      </p:sp>
+      <p:pic>
+        <p:nvPicPr>
+          <p:cNvPr id="7" name="그림 6">
+            <a:extLst>
+              <a:ext uri="{FF2B5EF4-FFF2-40B4-BE49-F238E27FC236}">
+                <a16:creationId xmlns:a16="http://schemas.microsoft.com/office/drawing/2014/main" id="{D90A8770-09DA-4C03-B3B2-4EC94617738B}"/>
+              </a:ext>
+            </a:extLst>
+          </p:cNvPr>
+          <p:cNvPicPr>
+            <a:picLocks noChangeAspect="1"/>
+          </p:cNvPicPr>
+          <p:nvPr/>
+        </p:nvPicPr>
+        <p:blipFill>
+          <a:blip r:embed="rId3"/>
+          <a:stretch>
+            <a:fillRect/>
+          </a:stretch>
+        </p:blipFill>
+        <p:spPr>
+          <a:xfrm>
+            <a:off x="1698073" y="5864225"/>
+            <a:ext cx="1533525" cy="628650"/>
+          </a:xfrm>
+          <a:prstGeom prst="rect">
+            <a:avLst/>
+          </a:prstGeom>
+        </p:spPr>
+      </p:pic>
+      <p:sp>
+        <p:nvSpPr>
+          <p:cNvPr id="8" name="TextBox 7">
+            <a:extLst>
+              <a:ext uri="{FF2B5EF4-FFF2-40B4-BE49-F238E27FC236}">
+                <a16:creationId xmlns:a16="http://schemas.microsoft.com/office/drawing/2014/main" id="{F796FDAE-E6B5-4BDA-939C-CE07C8460E5B}"/>
+              </a:ext>
+            </a:extLst>
+          </p:cNvPr>
+          <p:cNvSpPr txBox="1"/>
+          <p:nvPr/>
+        </p:nvSpPr>
+        <p:spPr>
+          <a:xfrm>
+            <a:off x="6274965" y="4647501"/>
+            <a:ext cx="5668860" cy="1754326"/>
+          </a:xfrm>
+          <a:prstGeom prst="rect">
+            <a:avLst/>
+          </a:prstGeom>
+          <a:noFill/>
+        </p:spPr>
+        <p:txBody>
+          <a:bodyPr wrap="none" rtlCol="0">
+            <a:spAutoFit/>
+          </a:bodyPr>
+          <a:lstStyle/>
+          <a:p>
+            <a:r>
+              <a:rPr lang="ko-KR" altLang="en-US"/>
+              <a:t>언어학적으로</a:t>
+            </a:r>
+            <a:r>
+              <a:rPr lang="en-US" altLang="ko-KR"/>
+              <a:t>, </a:t>
+            </a:r>
+            <a:r>
+              <a:rPr lang="ko-KR" altLang="en-US"/>
+              <a:t>한번 선언한 변수는 </a:t>
+            </a:r>
+            <a:endParaRPr lang="en-US" altLang="ko-KR"/>
+          </a:p>
+          <a:p>
+            <a:r>
+              <a:rPr lang="ko-KR" altLang="en-US"/>
+              <a:t>동일한 이름으로 다시 선언하면 안 된다</a:t>
+            </a:r>
+            <a:r>
+              <a:rPr lang="en-US" altLang="ko-KR"/>
+              <a:t>!</a:t>
+            </a:r>
+          </a:p>
+          <a:p>
+            <a:endParaRPr lang="en-US" altLang="ko-KR"/>
+          </a:p>
+          <a:p>
+            <a:r>
+              <a:rPr lang="ko-KR" altLang="en-US"/>
+              <a:t>근데 왜 여전히 </a:t>
+            </a:r>
+            <a:r>
+              <a:rPr lang="en-US" altLang="ko-KR"/>
+              <a:t>JavaScript</a:t>
+            </a:r>
+            <a:r>
+              <a:rPr lang="ko-KR" altLang="en-US"/>
+              <a:t>에서 제공할까</a:t>
+            </a:r>
+            <a:r>
+              <a:rPr lang="en-US" altLang="ko-KR"/>
+              <a:t>?</a:t>
+            </a:r>
+          </a:p>
+          <a:p>
+            <a:r>
+              <a:rPr lang="ko-KR" altLang="en-US"/>
+              <a:t>수억개의 사이트들이 </a:t>
+            </a:r>
+            <a:r>
+              <a:rPr lang="en-US" altLang="ko-KR"/>
+              <a:t>var</a:t>
+            </a:r>
+            <a:r>
+              <a:rPr lang="ko-KR" altLang="en-US"/>
+              <a:t>를 사용하여 코딩되었기때문</a:t>
+            </a:r>
+            <a:endParaRPr lang="en-US" altLang="ko-KR"/>
+          </a:p>
+          <a:p>
+            <a:r>
+              <a:rPr lang="en-US" altLang="ko-KR"/>
+              <a:t>var</a:t>
+            </a:r>
+            <a:r>
+              <a:rPr lang="ko-KR" altLang="en-US"/>
+              <a:t>를 제거했을 때 인터넷세계의 대혼란이 일어남</a:t>
+            </a:r>
+          </a:p>
+        </p:txBody>
+      </p:sp>
+    </p:spTree>
+    <p:extLst>
+      <p:ext uri="{BB962C8B-B14F-4D97-AF65-F5344CB8AC3E}">
+        <p14:creationId xmlns:p14="http://schemas.microsoft.com/office/powerpoint/2010/main" val="2043162891"/>
+      </p:ext>
+    </p:extLst>
+  </p:cSld>
+  <p:clrMapOvr>
+    <a:masterClrMapping/>
+  </p:clrMapOvr>
+</p:sld>
+</file>
+
+<file path=ppt/slides/slide22.xml><?xml version="1.0" encoding="utf-8"?>
+<p:sld xmlns:a="http://schemas.openxmlformats.org/drawingml/2006/main" xmlns:r="http://schemas.openxmlformats.org/officeDocument/2006/relationships" xmlns:p="http://schemas.openxmlformats.org/presentationml/2006/main">
+  <p:cSld>
+    <p:spTree>
+      <p:nvGrpSpPr>
+        <p:cNvPr id="1" name=""/>
+        <p:cNvGrpSpPr/>
+        <p:nvPr/>
+      </p:nvGrpSpPr>
+      <p:grpSpPr>
+        <a:xfrm>
+          <a:off x="0" y="0"/>
+          <a:ext cx="0" cy="0"/>
+          <a:chOff x="0" y="0"/>
+          <a:chExt cx="0" cy="0"/>
+        </a:xfrm>
+      </p:grpSpPr>
+      <p:sp>
+        <p:nvSpPr>
+          <p:cNvPr id="2" name="제목 1">
+            <a:extLst>
+              <a:ext uri="{FF2B5EF4-FFF2-40B4-BE49-F238E27FC236}">
+                <a16:creationId xmlns:a16="http://schemas.microsoft.com/office/drawing/2014/main" id="{78DB5249-1A1E-4790-A831-AFB7049B767E}"/>
+              </a:ext>
+            </a:extLst>
+          </p:cNvPr>
+          <p:cNvSpPr>
+            <a:spLocks noGrp="1"/>
+          </p:cNvSpPr>
+          <p:nvPr>
+            <p:ph type="title"/>
+          </p:nvPr>
+        </p:nvSpPr>
+        <p:spPr/>
+        <p:txBody>
+          <a:bodyPr/>
+          <a:lstStyle/>
+          <a:p>
+            <a:r>
+              <a:rPr lang="ko-KR" altLang="en-US"/>
+              <a:t>결론</a:t>
+            </a:r>
+          </a:p>
+        </p:txBody>
+      </p:sp>
+      <p:sp>
+        <p:nvSpPr>
+          <p:cNvPr id="3" name="내용 개체 틀 2">
+            <a:extLst>
+              <a:ext uri="{FF2B5EF4-FFF2-40B4-BE49-F238E27FC236}">
+                <a16:creationId xmlns:a16="http://schemas.microsoft.com/office/drawing/2014/main" id="{BE1C9038-EF26-47A0-9ED9-5FD44803C224}"/>
+              </a:ext>
+            </a:extLst>
+          </p:cNvPr>
+          <p:cNvSpPr>
+            <a:spLocks noGrp="1"/>
+          </p:cNvSpPr>
+          <p:nvPr>
+            <p:ph idx="1"/>
+          </p:nvPr>
+        </p:nvSpPr>
+        <p:spPr/>
+        <p:txBody>
+          <a:bodyPr/>
+          <a:lstStyle/>
+          <a:p>
+            <a:r>
+              <a:rPr lang="ko-KR" altLang="en-US"/>
+              <a:t>일단 </a:t>
+            </a:r>
+            <a:r>
+              <a:rPr lang="en-US" altLang="ko-KR"/>
+              <a:t>const</a:t>
+            </a:r>
+            <a:r>
+              <a:rPr lang="ko-KR" altLang="en-US"/>
+              <a:t> 를 사용하라</a:t>
+            </a:r>
+            <a:r>
+              <a:rPr lang="en-US" altLang="ko-KR"/>
+              <a:t>. (90% </a:t>
+            </a:r>
+            <a:r>
+              <a:rPr lang="ko-KR" altLang="en-US"/>
+              <a:t>의</a:t>
+            </a:r>
+            <a:r>
+              <a:rPr lang="en-US" altLang="ko-KR"/>
+              <a:t> </a:t>
+            </a:r>
+            <a:r>
+              <a:rPr lang="ko-KR" altLang="en-US"/>
+              <a:t>상황</a:t>
+            </a:r>
+            <a:r>
+              <a:rPr lang="en-US" altLang="ko-KR"/>
+              <a:t>)</a:t>
+            </a:r>
+          </a:p>
+          <a:p>
+            <a:r>
+              <a:rPr lang="en-US" altLang="ko-KR"/>
+              <a:t>const </a:t>
+            </a:r>
+            <a:r>
+              <a:rPr lang="ko-KR" altLang="en-US"/>
+              <a:t>를 사용할 수 없는 상황엔 </a:t>
+            </a:r>
+            <a:r>
+              <a:rPr lang="en-US" altLang="ko-KR"/>
+              <a:t>let </a:t>
+            </a:r>
+            <a:r>
+              <a:rPr lang="ko-KR" altLang="en-US"/>
+              <a:t>을</a:t>
+            </a:r>
+            <a:r>
+              <a:rPr lang="en-US" altLang="ko-KR"/>
+              <a:t> </a:t>
+            </a:r>
+            <a:r>
+              <a:rPr lang="ko-KR" altLang="en-US"/>
+              <a:t>사용하라</a:t>
+            </a:r>
+            <a:endParaRPr lang="en-US" altLang="ko-KR"/>
+          </a:p>
+          <a:p>
+            <a:r>
+              <a:rPr lang="en-US" altLang="ko-KR"/>
+              <a:t>var</a:t>
+            </a:r>
+            <a:r>
+              <a:rPr lang="ko-KR" altLang="en-US"/>
+              <a:t> 는 위험하다</a:t>
+            </a:r>
+            <a:r>
+              <a:rPr lang="en-US" altLang="ko-KR"/>
+              <a:t>.</a:t>
+            </a:r>
+            <a:endParaRPr lang="ko-KR" altLang="en-US"/>
+          </a:p>
+        </p:txBody>
+      </p:sp>
+    </p:spTree>
+    <p:extLst>
+      <p:ext uri="{BB962C8B-B14F-4D97-AF65-F5344CB8AC3E}">
+        <p14:creationId xmlns:p14="http://schemas.microsoft.com/office/powerpoint/2010/main" val="3165020409"/>
+      </p:ext>
+    </p:extLst>
+  </p:cSld>
+  <p:clrMapOvr>
+    <a:masterClrMapping/>
+  </p:clrMapOvr>
+</p:sld>
+</file>
+
+<file path=ppt/slides/slide23.xml><?xml version="1.0" encoding="utf-8"?>
+<p:sld xmlns:a="http://schemas.openxmlformats.org/drawingml/2006/main" xmlns:r="http://schemas.openxmlformats.org/officeDocument/2006/relationships" xmlns:p="http://schemas.openxmlformats.org/presentationml/2006/main">
+  <p:cSld>
+    <p:spTree>
+      <p:nvGrpSpPr>
+        <p:cNvPr id="1" name=""/>
+        <p:cNvGrpSpPr/>
+        <p:nvPr/>
+      </p:nvGrpSpPr>
+      <p:grpSpPr>
+        <a:xfrm>
+          <a:off x="0" y="0"/>
+          <a:ext cx="0" cy="0"/>
+          <a:chOff x="0" y="0"/>
+          <a:chExt cx="0" cy="0"/>
+        </a:xfrm>
+      </p:grpSpPr>
+      <p:sp>
+        <p:nvSpPr>
+          <p:cNvPr id="2" name="제목 1">
+            <a:extLst>
+              <a:ext uri="{FF2B5EF4-FFF2-40B4-BE49-F238E27FC236}">
+                <a16:creationId xmlns:a16="http://schemas.microsoft.com/office/drawing/2014/main" id="{20453645-E6BE-466A-8966-605FF8E8B1C5}"/>
+              </a:ext>
+            </a:extLst>
+          </p:cNvPr>
+          <p:cNvSpPr>
+            <a:spLocks noGrp="1"/>
+          </p:cNvSpPr>
+          <p:nvPr>
+            <p:ph type="ctrTitle"/>
+          </p:nvPr>
+        </p:nvSpPr>
+        <p:spPr/>
+        <p:txBody>
+          <a:bodyPr/>
+          <a:lstStyle/>
+          <a:p>
+            <a:r>
+              <a:rPr lang="en-US" altLang="ko-KR"/>
+              <a:t>2. </a:t>
+            </a:r>
+            <a:r>
+              <a:rPr lang="ko-KR" altLang="en-US"/>
+              <a:t>자료형</a:t>
+            </a:r>
+            <a:r>
+              <a:rPr lang="en-US" altLang="ko-KR"/>
+              <a:t>(type), </a:t>
+            </a:r>
+            <a:r>
+              <a:rPr lang="ko-KR" altLang="en-US"/>
+              <a:t>백틱</a:t>
+            </a:r>
+            <a:r>
+              <a:rPr lang="en-US" altLang="ko-KR"/>
+              <a:t>(` `)</a:t>
+            </a:r>
+            <a:endParaRPr lang="ko-KR" altLang="en-US"/>
+          </a:p>
+        </p:txBody>
+      </p:sp>
+    </p:spTree>
+    <p:extLst>
+      <p:ext uri="{BB962C8B-B14F-4D97-AF65-F5344CB8AC3E}">
+        <p14:creationId xmlns:p14="http://schemas.microsoft.com/office/powerpoint/2010/main" val="1637060764"/>
+      </p:ext>
+    </p:extLst>
+  </p:cSld>
+  <p:clrMapOvr>
+    <a:masterClrMapping/>
+  </p:clrMapOvr>
+</p:sld>
+</file>
+
+<file path=ppt/slides/slide24.xml><?xml version="1.0" encoding="utf-8"?>
+<p:sld xmlns:a="http://schemas.openxmlformats.org/drawingml/2006/main" xmlns:r="http://schemas.openxmlformats.org/officeDocument/2006/relationships" xmlns:p="http://schemas.openxmlformats.org/presentationml/2006/main">
+  <p:cSld>
+    <p:spTree>
+      <p:nvGrpSpPr>
+        <p:cNvPr id="1" name=""/>
+        <p:cNvGrpSpPr/>
+        <p:nvPr/>
+      </p:nvGrpSpPr>
+      <p:grpSpPr>
+        <a:xfrm>
+          <a:off x="0" y="0"/>
+          <a:ext cx="0" cy="0"/>
+          <a:chOff x="0" y="0"/>
+          <a:chExt cx="0" cy="0"/>
+        </a:xfrm>
+      </p:grpSpPr>
+      <p:sp>
+        <p:nvSpPr>
+          <p:cNvPr id="2" name="제목 1">
+            <a:extLst>
+              <a:ext uri="{FF2B5EF4-FFF2-40B4-BE49-F238E27FC236}">
+                <a16:creationId xmlns:a16="http://schemas.microsoft.com/office/drawing/2014/main" id="{F98CEEC2-619D-4A26-A2CA-BB8456A4B0B3}"/>
+              </a:ext>
+            </a:extLst>
+          </p:cNvPr>
+          <p:cNvSpPr>
+            <a:spLocks noGrp="1"/>
+          </p:cNvSpPr>
+          <p:nvPr>
+            <p:ph type="title"/>
+          </p:nvPr>
+        </p:nvSpPr>
+        <p:spPr/>
+        <p:txBody>
+          <a:bodyPr/>
+          <a:lstStyle/>
+          <a:p>
+            <a:r>
+              <a:rPr lang="en-US" altLang="ko-KR"/>
+              <a:t>JavaScript </a:t>
+            </a:r>
+            <a:r>
+              <a:rPr lang="ko-KR" altLang="en-US"/>
+              <a:t>에서 쓸 수 있는 </a:t>
+            </a:r>
+            <a:r>
+              <a:rPr lang="en-US" altLang="ko-KR"/>
+              <a:t>data type</a:t>
+            </a:r>
+            <a:endParaRPr lang="ko-KR" altLang="en-US"/>
+          </a:p>
+        </p:txBody>
+      </p:sp>
+      <p:pic>
+        <p:nvPicPr>
+          <p:cNvPr id="5" name="그림 4">
+            <a:extLst>
+              <a:ext uri="{FF2B5EF4-FFF2-40B4-BE49-F238E27FC236}">
+                <a16:creationId xmlns:a16="http://schemas.microsoft.com/office/drawing/2014/main" id="{511DC66A-7BFB-4340-B089-5E52927DE860}"/>
+              </a:ext>
+            </a:extLst>
+          </p:cNvPr>
+          <p:cNvPicPr>
+            <a:picLocks noChangeAspect="1"/>
+          </p:cNvPicPr>
+          <p:nvPr/>
+        </p:nvPicPr>
+        <p:blipFill>
+          <a:blip r:embed="rId2"/>
+          <a:stretch>
+            <a:fillRect/>
+          </a:stretch>
+        </p:blipFill>
+        <p:spPr>
+          <a:xfrm>
+            <a:off x="838200" y="1526797"/>
+            <a:ext cx="7877961" cy="5147840"/>
+          </a:xfrm>
+          <a:prstGeom prst="rect">
+            <a:avLst/>
+          </a:prstGeom>
+        </p:spPr>
+      </p:pic>
+    </p:spTree>
+    <p:extLst>
+      <p:ext uri="{BB962C8B-B14F-4D97-AF65-F5344CB8AC3E}">
+        <p14:creationId xmlns:p14="http://schemas.microsoft.com/office/powerpoint/2010/main" val="1767686321"/>
+      </p:ext>
+    </p:extLst>
+  </p:cSld>
+  <p:clrMapOvr>
+    <a:masterClrMapping/>
+  </p:clrMapOvr>
+</p:sld>
+</file>
+
+<file path=ppt/slides/slide25.xml><?xml version="1.0" encoding="utf-8"?>
+<p:sld xmlns:a="http://schemas.openxmlformats.org/drawingml/2006/main" xmlns:r="http://schemas.openxmlformats.org/officeDocument/2006/relationships" xmlns:p="http://schemas.openxmlformats.org/presentationml/2006/main">
+  <p:cSld>
+    <p:spTree>
+      <p:nvGrpSpPr>
+        <p:cNvPr id="1" name=""/>
+        <p:cNvGrpSpPr/>
+        <p:nvPr/>
+      </p:nvGrpSpPr>
+      <p:grpSpPr>
+        <a:xfrm>
+          <a:off x="0" y="0"/>
+          <a:ext cx="0" cy="0"/>
+          <a:chOff x="0" y="0"/>
+          <a:chExt cx="0" cy="0"/>
+        </a:xfrm>
+      </p:grpSpPr>
+      <p:sp>
+        <p:nvSpPr>
+          <p:cNvPr id="2" name="제목 1">
+            <a:extLst>
+              <a:ext uri="{FF2B5EF4-FFF2-40B4-BE49-F238E27FC236}">
+                <a16:creationId xmlns:a16="http://schemas.microsoft.com/office/drawing/2014/main" id="{BBCE7BE2-71C3-4C81-AA62-ACF840A50F20}"/>
+              </a:ext>
+            </a:extLst>
+          </p:cNvPr>
+          <p:cNvSpPr>
+            <a:spLocks noGrp="1"/>
+          </p:cNvSpPr>
+          <p:nvPr>
+            <p:ph type="title"/>
+          </p:nvPr>
+        </p:nvSpPr>
+        <p:spPr/>
+        <p:txBody>
+          <a:bodyPr/>
+          <a:lstStyle/>
+          <a:p>
+            <a:r>
+              <a:rPr lang="en-US" altLang="ko-KR"/>
+              <a:t>0</a:t>
+            </a:r>
+            <a:r>
+              <a:rPr lang="ko-KR" altLang="en-US"/>
+              <a:t>과 </a:t>
+            </a:r>
+            <a:r>
+              <a:rPr lang="en-US" altLang="ko-KR"/>
+              <a:t>“0” </a:t>
+            </a:r>
+            <a:r>
+              <a:rPr lang="ko-KR" altLang="en-US"/>
+              <a:t>은 다르다</a:t>
+            </a:r>
+          </a:p>
+        </p:txBody>
+      </p:sp>
+      <p:sp>
+        <p:nvSpPr>
+          <p:cNvPr id="4" name="Rectangle 2">
+            <a:extLst>
+              <a:ext uri="{FF2B5EF4-FFF2-40B4-BE49-F238E27FC236}">
+                <a16:creationId xmlns:a16="http://schemas.microsoft.com/office/drawing/2014/main" id="{6727FB3B-E840-4153-93C0-2B1CB98CA508}"/>
+              </a:ext>
+            </a:extLst>
+          </p:cNvPr>
+          <p:cNvSpPr>
+            <a:spLocks noChangeArrowheads="1"/>
+          </p:cNvSpPr>
+          <p:nvPr/>
+        </p:nvSpPr>
+        <p:spPr bwMode="auto">
+          <a:xfrm>
+            <a:off x="964734" y="1115736"/>
+            <a:ext cx="18679542" cy="925724"/>
+          </a:xfrm>
+          <a:prstGeom prst="rect">
+            <a:avLst/>
+          </a:prstGeom>
+          <a:noFill/>
+          <a:ln>
+            <a:noFill/>
+          </a:ln>
+          <a:effectLst/>
+          <a:extLst>
+            <a:ext uri="{909E8E84-426E-40DD-AFC4-6F175D3DCCD1}">
+              <a14:hiddenFill xmlns:a14="http://schemas.microsoft.com/office/drawing/2010/main">
+                <a:solidFill>
+                  <a:schemeClr val="accent1"/>
+                </a:solidFill>
+              </a14:hiddenFill>
+            </a:ext>
+            <a:ext uri="{91240B29-F687-4F45-9708-019B960494DF}">
+              <a14:hiddenLine xmlns:a14="http://schemas.microsoft.com/office/drawing/2010/main" w="9525">
+                <a:solidFill>
+                  <a:schemeClr val="tx1"/>
+                </a:solidFill>
+                <a:miter lim="800000"/>
+                <a:headEnd/>
+                <a:tailEnd/>
+              </a14:hiddenLine>
+            </a:ext>
+            <a:ext uri="{AF507438-7753-43E0-B8FC-AC1667EBCBE1}">
+              <a14:hiddenEffects xmlns:a14="http://schemas.microsoft.com/office/drawing/2010/main">
+                <a:effectLst>
+                  <a:outerShdw dist="35921" dir="2700000" algn="ctr" rotWithShape="0">
+                    <a:schemeClr val="bg2"/>
+                  </a:outerShdw>
+                </a:effectLst>
+              </a14:hiddenEffects>
+            </a:ext>
+          </a:extLst>
+        </p:spPr>
+        <p:txBody>
+          <a:bodyPr vert="horz" wrap="square" lIns="91440" tIns="45720" rIns="91440" bIns="45720" numCol="1" anchor="ctr" anchorCtr="0" compatLnSpc="1">
+            <a:prstTxWarp prst="textNoShape">
+              <a:avLst/>
+            </a:prstTxWarp>
+            <a:spAutoFit/>
+          </a:bodyPr>
+          <a:lstStyle/>
+          <a:p>
+            <a:endParaRPr lang="ko-KR" altLang="en-US"/>
+          </a:p>
+        </p:txBody>
+      </p:sp>
+      <p:sp>
+        <p:nvSpPr>
+          <p:cNvPr id="6" name="Rectangle 4">
+            <a:extLst>
+              <a:ext uri="{FF2B5EF4-FFF2-40B4-BE49-F238E27FC236}">
+                <a16:creationId xmlns:a16="http://schemas.microsoft.com/office/drawing/2014/main" id="{E181BD62-24CC-4AB6-AB61-4B2208D84BED}"/>
+              </a:ext>
+            </a:extLst>
+          </p:cNvPr>
+          <p:cNvSpPr>
+            <a:spLocks noChangeArrowheads="1"/>
+          </p:cNvSpPr>
+          <p:nvPr/>
+        </p:nvSpPr>
+        <p:spPr bwMode="auto">
+          <a:xfrm>
+            <a:off x="1759788" y="4035105"/>
+            <a:ext cx="12192000" cy="457200"/>
+          </a:xfrm>
+          <a:prstGeom prst="rect">
+            <a:avLst/>
+          </a:prstGeom>
+          <a:noFill/>
+          <a:ln>
+            <a:noFill/>
+          </a:ln>
+          <a:effectLst/>
+          <a:extLst>
+            <a:ext uri="{909E8E84-426E-40DD-AFC4-6F175D3DCCD1}">
+              <a14:hiddenFill xmlns:a14="http://schemas.microsoft.com/office/drawing/2010/main">
+                <a:solidFill>
+                  <a:schemeClr val="accent1"/>
+                </a:solidFill>
+              </a14:hiddenFill>
+            </a:ext>
+            <a:ext uri="{91240B29-F687-4F45-9708-019B960494DF}">
+              <a14:hiddenLine xmlns:a14="http://schemas.microsoft.com/office/drawing/2010/main" w="9525">
+                <a:solidFill>
+                  <a:schemeClr val="tx1"/>
+                </a:solidFill>
+                <a:miter lim="800000"/>
+                <a:headEnd/>
+                <a:tailEnd/>
+              </a14:hiddenLine>
+            </a:ext>
+            <a:ext uri="{AF507438-7753-43E0-B8FC-AC1667EBCBE1}">
+              <a14:hiddenEffects xmlns:a14="http://schemas.microsoft.com/office/drawing/2010/main">
+                <a:effectLst>
+                  <a:outerShdw dist="35921" dir="2700000" algn="ctr" rotWithShape="0">
+                    <a:schemeClr val="bg2"/>
+                  </a:outerShdw>
+                </a:effectLst>
+              </a14:hiddenEffects>
+            </a:ext>
+          </a:extLst>
+        </p:spPr>
+        <p:txBody>
+          <a:bodyPr vert="horz" wrap="none" lIns="91440" tIns="45720" rIns="91440" bIns="45720" numCol="1" anchor="ctr" anchorCtr="0" compatLnSpc="1">
+            <a:prstTxWarp prst="textNoShape">
+              <a:avLst/>
+            </a:prstTxWarp>
+            <a:spAutoFit/>
+          </a:bodyPr>
+          <a:lstStyle/>
+          <a:p>
+            <a:endParaRPr lang="ko-KR" altLang="en-US"/>
+          </a:p>
+        </p:txBody>
+      </p:sp>
+      <p:pic>
+        <p:nvPicPr>
+          <p:cNvPr id="8" name="그림 7">
+            <a:extLst>
+              <a:ext uri="{FF2B5EF4-FFF2-40B4-BE49-F238E27FC236}">
+                <a16:creationId xmlns:a16="http://schemas.microsoft.com/office/drawing/2014/main" id="{3E36FC7F-6033-4FD6-9771-DFB56F1F8769}"/>
+              </a:ext>
+            </a:extLst>
+          </p:cNvPr>
+          <p:cNvPicPr>
+            <a:picLocks noChangeAspect="1"/>
+          </p:cNvPicPr>
+          <p:nvPr/>
+        </p:nvPicPr>
+        <p:blipFill>
+          <a:blip r:embed="rId2"/>
+          <a:stretch>
+            <a:fillRect/>
+          </a:stretch>
+        </p:blipFill>
+        <p:spPr>
+          <a:xfrm>
+            <a:off x="753156" y="1512621"/>
+            <a:ext cx="10600644" cy="3051323"/>
+          </a:xfrm>
+          <a:prstGeom prst="rect">
+            <a:avLst/>
+          </a:prstGeom>
+        </p:spPr>
+      </p:pic>
+    </p:spTree>
+    <p:extLst>
+      <p:ext uri="{BB962C8B-B14F-4D97-AF65-F5344CB8AC3E}">
+        <p14:creationId xmlns:p14="http://schemas.microsoft.com/office/powerpoint/2010/main" val="1432524270"/>
+      </p:ext>
+    </p:extLst>
+  </p:cSld>
+  <p:clrMapOvr>
+    <a:masterClrMapping/>
+  </p:clrMapOvr>
+</p:sld>
+</file>
+
+<file path=ppt/slides/slide26.xml><?xml version="1.0" encoding="utf-8"?>
+<p:sld xmlns:a="http://schemas.openxmlformats.org/drawingml/2006/main" xmlns:r="http://schemas.openxmlformats.org/officeDocument/2006/relationships" xmlns:p="http://schemas.openxmlformats.org/presentationml/2006/main">
+  <p:cSld>
+    <p:spTree>
+      <p:nvGrpSpPr>
+        <p:cNvPr id="1" name=""/>
+        <p:cNvGrpSpPr/>
+        <p:nvPr/>
+      </p:nvGrpSpPr>
+      <p:grpSpPr>
+        <a:xfrm>
+          <a:off x="0" y="0"/>
+          <a:ext cx="0" cy="0"/>
+          <a:chOff x="0" y="0"/>
+          <a:chExt cx="0" cy="0"/>
+        </a:xfrm>
+      </p:grpSpPr>
+      <p:sp>
+        <p:nvSpPr>
+          <p:cNvPr id="2" name="제목 1">
+            <a:extLst>
+              <a:ext uri="{FF2B5EF4-FFF2-40B4-BE49-F238E27FC236}">
+                <a16:creationId xmlns:a16="http://schemas.microsoft.com/office/drawing/2014/main" id="{AA8540C7-520A-43CC-BEE8-E021980DA243}"/>
+              </a:ext>
+            </a:extLst>
+          </p:cNvPr>
+          <p:cNvSpPr>
+            <a:spLocks noGrp="1"/>
+          </p:cNvSpPr>
+          <p:nvPr>
+            <p:ph type="title"/>
+          </p:nvPr>
+        </p:nvSpPr>
+        <p:spPr/>
+        <p:txBody>
+          <a:bodyPr/>
+          <a:lstStyle/>
+          <a:p>
+            <a:r>
+              <a:rPr lang="ko-KR" altLang="en-US"/>
+              <a:t>비교연산자</a:t>
+            </a:r>
+            <a:r>
+              <a:rPr lang="en-US" altLang="ko-KR"/>
+              <a:t> === </a:t>
+            </a:r>
+            <a:r>
+              <a:rPr lang="ko-KR" altLang="en-US"/>
+              <a:t>로 확실히 알아보자</a:t>
+            </a:r>
+          </a:p>
+        </p:txBody>
+      </p:sp>
+      <p:sp>
+        <p:nvSpPr>
+          <p:cNvPr id="4" name="Rectangle 2">
+            <a:extLst>
+              <a:ext uri="{FF2B5EF4-FFF2-40B4-BE49-F238E27FC236}">
+                <a16:creationId xmlns:a16="http://schemas.microsoft.com/office/drawing/2014/main" id="{1ED11198-4BE6-4234-B5EB-48BF5969906B}"/>
+              </a:ext>
+            </a:extLst>
+          </p:cNvPr>
+          <p:cNvSpPr>
+            <a:spLocks noChangeArrowheads="1"/>
+          </p:cNvSpPr>
+          <p:nvPr/>
+        </p:nvSpPr>
+        <p:spPr bwMode="auto">
+          <a:xfrm>
+            <a:off x="838200" y="1690688"/>
+            <a:ext cx="12192000" cy="457200"/>
+          </a:xfrm>
+          <a:prstGeom prst="rect">
+            <a:avLst/>
+          </a:prstGeom>
+          <a:noFill/>
+          <a:ln>
+            <a:noFill/>
+          </a:ln>
+          <a:effectLst/>
+          <a:extLst>
+            <a:ext uri="{909E8E84-426E-40DD-AFC4-6F175D3DCCD1}">
+              <a14:hiddenFill xmlns:a14="http://schemas.microsoft.com/office/drawing/2010/main">
+                <a:solidFill>
+                  <a:schemeClr val="accent1"/>
+                </a:solidFill>
+              </a14:hiddenFill>
+            </a:ext>
+            <a:ext uri="{91240B29-F687-4F45-9708-019B960494DF}">
+              <a14:hiddenLine xmlns:a14="http://schemas.microsoft.com/office/drawing/2010/main" w="9525">
+                <a:solidFill>
+                  <a:schemeClr val="tx1"/>
+                </a:solidFill>
+                <a:miter lim="800000"/>
+                <a:headEnd/>
+                <a:tailEnd/>
+              </a14:hiddenLine>
+            </a:ext>
+            <a:ext uri="{AF507438-7753-43E0-B8FC-AC1667EBCBE1}">
+              <a14:hiddenEffects xmlns:a14="http://schemas.microsoft.com/office/drawing/2010/main">
+                <a:effectLst>
+                  <a:outerShdw dist="35921" dir="2700000" algn="ctr" rotWithShape="0">
+                    <a:schemeClr val="bg2"/>
+                  </a:outerShdw>
+                </a:effectLst>
+              </a14:hiddenEffects>
+            </a:ext>
+          </a:extLst>
+        </p:spPr>
+        <p:txBody>
+          <a:bodyPr vert="horz" wrap="none" lIns="91440" tIns="45720" rIns="91440" bIns="45720" numCol="1" anchor="ctr" anchorCtr="0" compatLnSpc="1">
+            <a:prstTxWarp prst="textNoShape">
+              <a:avLst/>
+            </a:prstTxWarp>
+            <a:spAutoFit/>
+          </a:bodyPr>
+          <a:lstStyle/>
+          <a:p>
+            <a:endParaRPr lang="ko-KR" altLang="en-US"/>
+          </a:p>
+        </p:txBody>
+      </p:sp>
+      <p:pic>
+        <p:nvPicPr>
+          <p:cNvPr id="2049" name="_x363304728">
+            <a:extLst>
+              <a:ext uri="{FF2B5EF4-FFF2-40B4-BE49-F238E27FC236}">
+                <a16:creationId xmlns:a16="http://schemas.microsoft.com/office/drawing/2014/main" id="{36B2D3F5-86BA-4C88-B1B5-CACB09E46953}"/>
+              </a:ext>
+            </a:extLst>
+          </p:cNvPr>
+          <p:cNvPicPr>
+            <a:picLocks noChangeAspect="1" noChangeArrowheads="1"/>
+          </p:cNvPicPr>
+          <p:nvPr/>
+        </p:nvPicPr>
+        <p:blipFill>
+          <a:blip r:embed="rId2">
+            <a:extLst>
+              <a:ext uri="{28A0092B-C50C-407E-A947-70E740481C1C}">
+                <a14:useLocalDpi xmlns:a14="http://schemas.microsoft.com/office/drawing/2010/main" val="0"/>
+              </a:ext>
+            </a:extLst>
+          </a:blip>
+          <a:srcRect/>
+          <a:stretch>
+            <a:fillRect/>
+          </a:stretch>
+        </p:blipFill>
+        <p:spPr bwMode="auto">
+          <a:xfrm>
+            <a:off x="838200" y="3016251"/>
+            <a:ext cx="8950200" cy="539328"/>
+          </a:xfrm>
+          <a:prstGeom prst="rect">
+            <a:avLst/>
+          </a:prstGeom>
+          <a:noFill/>
+          <a:extLst>
+            <a:ext uri="{909E8E84-426E-40DD-AFC4-6F175D3DCCD1}">
+              <a14:hiddenFill xmlns:a14="http://schemas.microsoft.com/office/drawing/2010/main">
+                <a:solidFill>
+                  <a:srgbClr val="FFFFFF"/>
+                </a:solidFill>
+              </a14:hiddenFill>
+            </a:ext>
+          </a:extLst>
+        </p:spPr>
+      </p:pic>
+    </p:spTree>
+    <p:extLst>
+      <p:ext uri="{BB962C8B-B14F-4D97-AF65-F5344CB8AC3E}">
+        <p14:creationId xmlns:p14="http://schemas.microsoft.com/office/powerpoint/2010/main" val="3551424674"/>
+      </p:ext>
+    </p:extLst>
+  </p:cSld>
+  <p:clrMapOvr>
+    <a:masterClrMapping/>
+  </p:clrMapOvr>
+</p:sld>
+</file>
+
+<file path=ppt/slides/slide27.xml><?xml version="1.0" encoding="utf-8"?>
+<p:sld xmlns:a="http://schemas.openxmlformats.org/drawingml/2006/main" xmlns:r="http://schemas.openxmlformats.org/officeDocument/2006/relationships" xmlns:p="http://schemas.openxmlformats.org/presentationml/2006/main">
+  <p:cSld>
+    <p:spTree>
+      <p:nvGrpSpPr>
+        <p:cNvPr id="1" name=""/>
+        <p:cNvGrpSpPr/>
+        <p:nvPr/>
+      </p:nvGrpSpPr>
+      <p:grpSpPr>
+        <a:xfrm>
+          <a:off x="0" y="0"/>
+          <a:ext cx="0" cy="0"/>
+          <a:chOff x="0" y="0"/>
+          <a:chExt cx="0" cy="0"/>
+        </a:xfrm>
+      </p:grpSpPr>
+      <p:sp>
+        <p:nvSpPr>
+          <p:cNvPr id="2" name="제목 1">
+            <a:extLst>
+              <a:ext uri="{FF2B5EF4-FFF2-40B4-BE49-F238E27FC236}">
+                <a16:creationId xmlns:a16="http://schemas.microsoft.com/office/drawing/2014/main" id="{46514970-4AFB-47D0-9955-9E182FD2279E}"/>
+              </a:ext>
+            </a:extLst>
+          </p:cNvPr>
+          <p:cNvSpPr>
+            <a:spLocks noGrp="1"/>
+          </p:cNvSpPr>
+          <p:nvPr>
+            <p:ph type="title"/>
+          </p:nvPr>
+        </p:nvSpPr>
+        <p:spPr/>
+        <p:txBody>
+          <a:bodyPr/>
+          <a:lstStyle/>
+          <a:p>
+            <a:r>
+              <a:rPr lang="en-US" altLang="ko-KR"/>
+              <a:t>string </a:t>
+            </a:r>
+            <a:r>
+              <a:rPr lang="ko-KR" altLang="en-US"/>
+              <a:t>은 항상 따옴표 </a:t>
+            </a:r>
+            <a:r>
+              <a:rPr lang="en-US" altLang="ko-KR"/>
+              <a:t>“ “ </a:t>
+            </a:r>
+            <a:r>
+              <a:rPr lang="ko-KR" altLang="en-US"/>
+              <a:t>를 써줘야한다</a:t>
+            </a:r>
+          </a:p>
+        </p:txBody>
+      </p:sp>
+      <p:sp>
+        <p:nvSpPr>
+          <p:cNvPr id="3" name="내용 개체 틀 2">
+            <a:extLst>
+              <a:ext uri="{FF2B5EF4-FFF2-40B4-BE49-F238E27FC236}">
+                <a16:creationId xmlns:a16="http://schemas.microsoft.com/office/drawing/2014/main" id="{CBD15677-C064-4591-B5D0-0EFC7807DFC9}"/>
+              </a:ext>
+            </a:extLst>
+          </p:cNvPr>
+          <p:cNvSpPr>
+            <a:spLocks noGrp="1"/>
+          </p:cNvSpPr>
+          <p:nvPr>
+            <p:ph idx="1"/>
+          </p:nvPr>
+        </p:nvSpPr>
+        <p:spPr>
+          <a:xfrm>
+            <a:off x="838200" y="1825625"/>
+            <a:ext cx="10515600" cy="507028"/>
+          </a:xfrm>
+        </p:spPr>
+        <p:txBody>
+          <a:bodyPr/>
+          <a:lstStyle/>
+          <a:p>
+            <a:r>
+              <a:rPr lang="ko-KR" altLang="en-US"/>
+              <a:t>참고로</a:t>
+            </a:r>
+            <a:r>
+              <a:rPr lang="en-US" altLang="ko-KR"/>
+              <a:t>, JavaScript </a:t>
+            </a:r>
+            <a:r>
+              <a:rPr lang="ko-KR" altLang="en-US"/>
+              <a:t>에선 </a:t>
+            </a:r>
+            <a:r>
+              <a:rPr lang="en-US" altLang="ko-KR"/>
+              <a:t>String </a:t>
+            </a:r>
+            <a:r>
+              <a:rPr lang="ko-KR" altLang="en-US"/>
+              <a:t>이 아니라 </a:t>
+            </a:r>
+            <a:r>
+              <a:rPr lang="en-US" altLang="ko-KR"/>
+              <a:t>string </a:t>
+            </a:r>
+            <a:r>
+              <a:rPr lang="ko-KR" altLang="en-US"/>
+              <a:t>이다</a:t>
+            </a:r>
+            <a:endParaRPr lang="en-US" altLang="ko-KR"/>
+          </a:p>
+        </p:txBody>
+      </p:sp>
+      <p:pic>
+        <p:nvPicPr>
+          <p:cNvPr id="5" name="그림 4">
+            <a:extLst>
+              <a:ext uri="{FF2B5EF4-FFF2-40B4-BE49-F238E27FC236}">
+                <a16:creationId xmlns:a16="http://schemas.microsoft.com/office/drawing/2014/main" id="{CC3FB2A1-EB9E-4E71-B212-897F2CF1E4EC}"/>
+              </a:ext>
+            </a:extLst>
+          </p:cNvPr>
+          <p:cNvPicPr>
+            <a:picLocks noChangeAspect="1"/>
+          </p:cNvPicPr>
+          <p:nvPr/>
+        </p:nvPicPr>
+        <p:blipFill>
+          <a:blip r:embed="rId2"/>
+          <a:stretch>
+            <a:fillRect/>
+          </a:stretch>
+        </p:blipFill>
+        <p:spPr>
+          <a:xfrm>
+            <a:off x="838200" y="2509578"/>
+            <a:ext cx="9410700" cy="809625"/>
+          </a:xfrm>
+          <a:prstGeom prst="rect">
+            <a:avLst/>
+          </a:prstGeom>
+        </p:spPr>
+      </p:pic>
+      <p:sp>
+        <p:nvSpPr>
+          <p:cNvPr id="6" name="TextBox 5">
+            <a:extLst>
+              <a:ext uri="{FF2B5EF4-FFF2-40B4-BE49-F238E27FC236}">
+                <a16:creationId xmlns:a16="http://schemas.microsoft.com/office/drawing/2014/main" id="{E883A792-3A8D-47CB-87F5-FA159578D2FE}"/>
+              </a:ext>
+            </a:extLst>
+          </p:cNvPr>
+          <p:cNvSpPr txBox="1"/>
+          <p:nvPr/>
+        </p:nvSpPr>
+        <p:spPr>
+          <a:xfrm>
+            <a:off x="1278294" y="3676261"/>
+            <a:ext cx="5346335" cy="923330"/>
+          </a:xfrm>
+          <a:prstGeom prst="rect">
+            <a:avLst/>
+          </a:prstGeom>
+          <a:noFill/>
+        </p:spPr>
+        <p:txBody>
+          <a:bodyPr wrap="none" rtlCol="0">
+            <a:spAutoFit/>
+          </a:bodyPr>
+          <a:lstStyle/>
+          <a:p>
+            <a:r>
+              <a:rPr lang="ko-KR" altLang="en-US"/>
+              <a:t>여기서 </a:t>
+            </a:r>
+            <a:r>
+              <a:rPr lang="en-US" altLang="ko-KR"/>
+              <a:t>david </a:t>
+            </a:r>
+            <a:r>
+              <a:rPr lang="ko-KR" altLang="en-US"/>
+              <a:t>는 </a:t>
+            </a:r>
+            <a:r>
+              <a:rPr lang="en-US" altLang="ko-KR"/>
+              <a:t>string</a:t>
+            </a:r>
+            <a:r>
+              <a:rPr lang="ko-KR" altLang="en-US"/>
+              <a:t>이 아니라 변수로 인식한다</a:t>
+            </a:r>
+            <a:r>
+              <a:rPr lang="en-US" altLang="ko-KR"/>
+              <a:t>.</a:t>
+            </a:r>
+          </a:p>
+          <a:p>
+            <a:r>
+              <a:rPr lang="ko-KR" altLang="en-US"/>
+              <a:t>우린 </a:t>
+            </a:r>
+            <a:r>
+              <a:rPr lang="en-US" altLang="ko-KR"/>
+              <a:t>david</a:t>
+            </a:r>
+            <a:r>
+              <a:rPr lang="ko-KR" altLang="en-US"/>
+              <a:t>라는 변수를 선언한 적이 없다</a:t>
+            </a:r>
+            <a:r>
+              <a:rPr lang="en-US" altLang="ko-KR"/>
+              <a:t>.</a:t>
+            </a:r>
+          </a:p>
+          <a:p>
+            <a:r>
+              <a:rPr lang="en-US" altLang="ko-KR"/>
+              <a:t>“david”</a:t>
+            </a:r>
+            <a:r>
+              <a:rPr lang="ko-KR" altLang="en-US"/>
+              <a:t>라고 써주면 에러가 아니다</a:t>
+            </a:r>
+            <a:r>
+              <a:rPr lang="en-US" altLang="ko-KR"/>
+              <a:t>.</a:t>
+            </a:r>
+            <a:endParaRPr lang="ko-KR" altLang="en-US"/>
+          </a:p>
+        </p:txBody>
+      </p:sp>
+    </p:spTree>
+    <p:extLst>
+      <p:ext uri="{BB962C8B-B14F-4D97-AF65-F5344CB8AC3E}">
+        <p14:creationId xmlns:p14="http://schemas.microsoft.com/office/powerpoint/2010/main" val="1333096162"/>
+      </p:ext>
+    </p:extLst>
+  </p:cSld>
+  <p:clrMapOvr>
+    <a:masterClrMapping/>
+  </p:clrMapOvr>
+</p:sld>
+</file>
+
+<file path=ppt/slides/slide28.xml><?xml version="1.0" encoding="utf-8"?>
+<p:sld xmlns:a="http://schemas.openxmlformats.org/drawingml/2006/main" xmlns:r="http://schemas.openxmlformats.org/officeDocument/2006/relationships" xmlns:p="http://schemas.openxmlformats.org/presentationml/2006/main">
+  <p:cSld>
+    <p:spTree>
+      <p:nvGrpSpPr>
+        <p:cNvPr id="1" name=""/>
+        <p:cNvGrpSpPr/>
+        <p:nvPr/>
+      </p:nvGrpSpPr>
+      <p:grpSpPr>
+        <a:xfrm>
+          <a:off x="0" y="0"/>
+          <a:ext cx="0" cy="0"/>
+          <a:chOff x="0" y="0"/>
+          <a:chExt cx="0" cy="0"/>
+        </a:xfrm>
+      </p:grpSpPr>
+      <p:sp>
+        <p:nvSpPr>
+          <p:cNvPr id="2" name="제목 1">
+            <a:extLst>
+              <a:ext uri="{FF2B5EF4-FFF2-40B4-BE49-F238E27FC236}">
+                <a16:creationId xmlns:a16="http://schemas.microsoft.com/office/drawing/2014/main" id="{5AF06248-76AC-4EE0-90AB-71BF20C609DF}"/>
+              </a:ext>
+            </a:extLst>
+          </p:cNvPr>
+          <p:cNvSpPr>
+            <a:spLocks noGrp="1"/>
+          </p:cNvSpPr>
+          <p:nvPr>
+            <p:ph type="title"/>
+          </p:nvPr>
+        </p:nvSpPr>
+        <p:spPr/>
+        <p:txBody>
+          <a:bodyPr/>
+          <a:lstStyle/>
+          <a:p>
+            <a:r>
+              <a:rPr lang="en-US" altLang="ko-KR"/>
+              <a:t>boolean</a:t>
+            </a:r>
+            <a:endParaRPr lang="ko-KR" altLang="en-US"/>
+          </a:p>
+        </p:txBody>
+      </p:sp>
+      <p:sp>
+        <p:nvSpPr>
+          <p:cNvPr id="3" name="내용 개체 틀 2">
+            <a:extLst>
+              <a:ext uri="{FF2B5EF4-FFF2-40B4-BE49-F238E27FC236}">
+                <a16:creationId xmlns:a16="http://schemas.microsoft.com/office/drawing/2014/main" id="{ABCCD707-5F62-46A8-ABA0-4160261311A6}"/>
+              </a:ext>
+            </a:extLst>
+          </p:cNvPr>
+          <p:cNvSpPr>
+            <a:spLocks noGrp="1"/>
+          </p:cNvSpPr>
+          <p:nvPr>
+            <p:ph idx="1"/>
+          </p:nvPr>
+        </p:nvSpPr>
+        <p:spPr>
+          <a:xfrm>
+            <a:off x="838200" y="1825625"/>
+            <a:ext cx="10515600" cy="479036"/>
+          </a:xfrm>
+        </p:spPr>
+        <p:txBody>
+          <a:bodyPr/>
+          <a:lstStyle/>
+          <a:p>
+            <a:r>
+              <a:rPr lang="en-US" altLang="ko-KR"/>
+              <a:t>true </a:t>
+            </a:r>
+            <a:r>
+              <a:rPr lang="ko-KR" altLang="en-US"/>
+              <a:t>또는 </a:t>
+            </a:r>
+            <a:r>
+              <a:rPr lang="en-US" altLang="ko-KR"/>
+              <a:t>false </a:t>
+            </a:r>
+            <a:r>
+              <a:rPr lang="ko-KR" altLang="en-US"/>
+              <a:t>를 말한다</a:t>
+            </a:r>
+            <a:r>
+              <a:rPr lang="en-US" altLang="ko-KR"/>
+              <a:t>.</a:t>
+            </a:r>
+            <a:endParaRPr lang="ko-KR" altLang="en-US"/>
+          </a:p>
+        </p:txBody>
+      </p:sp>
+      <p:pic>
+        <p:nvPicPr>
+          <p:cNvPr id="5" name="그림 4">
+            <a:extLst>
+              <a:ext uri="{FF2B5EF4-FFF2-40B4-BE49-F238E27FC236}">
+                <a16:creationId xmlns:a16="http://schemas.microsoft.com/office/drawing/2014/main" id="{E584A4E4-C764-4B98-BB1B-F6A5C55A22EF}"/>
+              </a:ext>
+            </a:extLst>
+          </p:cNvPr>
+          <p:cNvPicPr>
+            <a:picLocks noChangeAspect="1"/>
+          </p:cNvPicPr>
+          <p:nvPr/>
+        </p:nvPicPr>
+        <p:blipFill>
+          <a:blip r:embed="rId2"/>
+          <a:stretch>
+            <a:fillRect/>
+          </a:stretch>
+        </p:blipFill>
+        <p:spPr>
+          <a:xfrm>
+            <a:off x="912845" y="2439598"/>
+            <a:ext cx="9545216" cy="1217914"/>
+          </a:xfrm>
+          <a:prstGeom prst="rect">
+            <a:avLst/>
+          </a:prstGeom>
+        </p:spPr>
+      </p:pic>
+      <p:sp>
+        <p:nvSpPr>
+          <p:cNvPr id="6" name="내용 개체 틀 2">
+            <a:extLst>
+              <a:ext uri="{FF2B5EF4-FFF2-40B4-BE49-F238E27FC236}">
+                <a16:creationId xmlns:a16="http://schemas.microsoft.com/office/drawing/2014/main" id="{4BC03565-4301-48DF-B80D-36725BCBC168}"/>
+              </a:ext>
+            </a:extLst>
+          </p:cNvPr>
+          <p:cNvSpPr txBox="1">
+            <a:spLocks/>
+          </p:cNvSpPr>
+          <p:nvPr/>
+        </p:nvSpPr>
+        <p:spPr>
+          <a:xfrm>
+            <a:off x="838200" y="4679350"/>
+            <a:ext cx="10515600" cy="479036"/>
+          </a:xfrm>
+          <a:prstGeom prst="rect">
+            <a:avLst/>
+          </a:prstGeom>
+        </p:spPr>
+        <p:txBody>
+          <a:bodyPr vert="horz" lIns="91440" tIns="45720" rIns="91440" bIns="45720" rtlCol="0">
+            <a:normAutofit/>
+          </a:bodyPr>
+          <a:lstStyle>
+            <a:lvl1pPr marL="228600" indent="-228600" algn="l" defTabSz="914400" rtl="0" eaLnBrk="1" latinLnBrk="1" hangingPunct="1">
+              <a:lnSpc>
+                <a:spcPct val="90000"/>
+              </a:lnSpc>
+              <a:spcBef>
+                <a:spcPts val="1000"/>
+              </a:spcBef>
+              <a:buFont typeface="Arial" panose="020B0604020202020204" pitchFamily="34" charset="0"/>
+              <a:buChar char="•"/>
+              <a:defRPr sz="2800" kern="1200">
+                <a:solidFill>
+                  <a:schemeClr val="tx1"/>
+                </a:solidFill>
+                <a:latin typeface="+mn-lt"/>
+                <a:ea typeface="+mn-ea"/>
+                <a:cs typeface="+mn-cs"/>
+              </a:defRPr>
+            </a:lvl1pPr>
+            <a:lvl2pPr marL="685800" indent="-228600" algn="l" defTabSz="914400" rtl="0" eaLnBrk="1" latinLnBrk="1" hangingPunct="1">
+              <a:lnSpc>
+                <a:spcPct val="90000"/>
+              </a:lnSpc>
+              <a:spcBef>
+                <a:spcPts val="500"/>
+              </a:spcBef>
+              <a:buFont typeface="Arial" panose="020B0604020202020204" pitchFamily="34" charset="0"/>
+              <a:buChar char="•"/>
+              <a:defRPr sz="2400" kern="1200">
+                <a:solidFill>
+                  <a:schemeClr val="tx1"/>
+                </a:solidFill>
+                <a:latin typeface="+mn-lt"/>
+                <a:ea typeface="+mn-ea"/>
+                <a:cs typeface="+mn-cs"/>
+              </a:defRPr>
+            </a:lvl2pPr>
+            <a:lvl3pPr marL="1143000" indent="-228600" algn="l" defTabSz="914400" rtl="0" eaLnBrk="1" latinLnBrk="1" hangingPunct="1">
+              <a:lnSpc>
+                <a:spcPct val="90000"/>
+              </a:lnSpc>
+              <a:spcBef>
+                <a:spcPts val="500"/>
+              </a:spcBef>
+              <a:buFont typeface="Arial" panose="020B0604020202020204" pitchFamily="34" charset="0"/>
+              <a:buChar char="•"/>
+              <a:defRPr sz="2000" kern="1200">
+                <a:solidFill>
+                  <a:schemeClr val="tx1"/>
+                </a:solidFill>
+                <a:latin typeface="+mn-lt"/>
+                <a:ea typeface="+mn-ea"/>
+                <a:cs typeface="+mn-cs"/>
+              </a:defRPr>
+            </a:lvl3pPr>
+            <a:lvl4pPr marL="1600200" indent="-228600" algn="l" defTabSz="914400" rtl="0" eaLnBrk="1" latinLnBrk="1" hangingPunct="1">
+              <a:lnSpc>
+                <a:spcPct val="90000"/>
+              </a:lnSpc>
+              <a:spcBef>
+                <a:spcPts val="500"/>
+              </a:spcBef>
+              <a:buFont typeface="Arial" panose="020B0604020202020204" pitchFamily="34" charset="0"/>
+              <a:buChar char="•"/>
+              <a:defRPr sz="1800" kern="1200">
+                <a:solidFill>
+                  <a:schemeClr val="tx1"/>
+                </a:solidFill>
+                <a:latin typeface="+mn-lt"/>
+                <a:ea typeface="+mn-ea"/>
+                <a:cs typeface="+mn-cs"/>
+              </a:defRPr>
+            </a:lvl4pPr>
+            <a:lvl5pPr marL="2057400" indent="-228600" algn="l" defTabSz="914400" rtl="0" eaLnBrk="1" latinLnBrk="1" hangingPunct="1">
+              <a:lnSpc>
+                <a:spcPct val="90000"/>
+              </a:lnSpc>
+              <a:spcBef>
+                <a:spcPts val="500"/>
+              </a:spcBef>
+              <a:buFont typeface="Arial" panose="020B0604020202020204" pitchFamily="34" charset="0"/>
+              <a:buChar char="•"/>
+              <a:defRPr sz="1800" kern="1200">
+                <a:solidFill>
+                  <a:schemeClr val="tx1"/>
+                </a:solidFill>
+                <a:latin typeface="+mn-lt"/>
+                <a:ea typeface="+mn-ea"/>
+                <a:cs typeface="+mn-cs"/>
+              </a:defRPr>
+            </a:lvl5pPr>
+            <a:lvl6pPr marL="2514600" indent="-228600" algn="l" defTabSz="914400" rtl="0" eaLnBrk="1" latinLnBrk="1" hangingPunct="1">
+              <a:lnSpc>
+                <a:spcPct val="90000"/>
+              </a:lnSpc>
+              <a:spcBef>
+                <a:spcPts val="500"/>
+              </a:spcBef>
+              <a:buFont typeface="Arial" panose="020B0604020202020204" pitchFamily="34" charset="0"/>
+              <a:buChar char="•"/>
+              <a:defRPr sz="1800" kern="1200">
+                <a:solidFill>
+                  <a:schemeClr val="tx1"/>
+                </a:solidFill>
+                <a:latin typeface="+mn-lt"/>
+                <a:ea typeface="+mn-ea"/>
+                <a:cs typeface="+mn-cs"/>
+              </a:defRPr>
+            </a:lvl6pPr>
+            <a:lvl7pPr marL="2971800" indent="-228600" algn="l" defTabSz="914400" rtl="0" eaLnBrk="1" latinLnBrk="1" hangingPunct="1">
+              <a:lnSpc>
+                <a:spcPct val="90000"/>
+              </a:lnSpc>
+              <a:spcBef>
+                <a:spcPts val="500"/>
+              </a:spcBef>
+              <a:buFont typeface="Arial" panose="020B0604020202020204" pitchFamily="34" charset="0"/>
+              <a:buChar char="•"/>
+              <a:defRPr sz="1800" kern="1200">
+                <a:solidFill>
+                  <a:schemeClr val="tx1"/>
+                </a:solidFill>
+                <a:latin typeface="+mn-lt"/>
+                <a:ea typeface="+mn-ea"/>
+                <a:cs typeface="+mn-cs"/>
+              </a:defRPr>
+            </a:lvl7pPr>
+            <a:lvl8pPr marL="3429000" indent="-228600" algn="l" defTabSz="914400" rtl="0" eaLnBrk="1" latinLnBrk="1" hangingPunct="1">
+              <a:lnSpc>
+                <a:spcPct val="90000"/>
+              </a:lnSpc>
+              <a:spcBef>
+                <a:spcPts val="500"/>
+              </a:spcBef>
+              <a:buFont typeface="Arial" panose="020B0604020202020204" pitchFamily="34" charset="0"/>
+              <a:buChar char="•"/>
+              <a:defRPr sz="1800" kern="1200">
+                <a:solidFill>
+                  <a:schemeClr val="tx1"/>
+                </a:solidFill>
+                <a:latin typeface="+mn-lt"/>
+                <a:ea typeface="+mn-ea"/>
+                <a:cs typeface="+mn-cs"/>
+              </a:defRPr>
+            </a:lvl8pPr>
+            <a:lvl9pPr marL="3886200" indent="-228600" algn="l" defTabSz="914400" rtl="0" eaLnBrk="1" latinLnBrk="1" hangingPunct="1">
+              <a:lnSpc>
+                <a:spcPct val="90000"/>
+              </a:lnSpc>
+              <a:spcBef>
+                <a:spcPts val="500"/>
+              </a:spcBef>
+              <a:buFont typeface="Arial" panose="020B0604020202020204" pitchFamily="34" charset="0"/>
+              <a:buChar char="•"/>
+              <a:defRPr sz="1800" kern="1200">
+                <a:solidFill>
+                  <a:schemeClr val="tx1"/>
+                </a:solidFill>
+                <a:latin typeface="+mn-lt"/>
+                <a:ea typeface="+mn-ea"/>
+                <a:cs typeface="+mn-cs"/>
+              </a:defRPr>
+            </a:lvl9pPr>
+          </a:lstStyle>
+          <a:p>
+            <a:r>
+              <a:rPr lang="ko-KR" altLang="en-US"/>
+              <a:t>하지만</a:t>
+            </a:r>
+            <a:r>
+              <a:rPr lang="en-US" altLang="ko-KR"/>
+              <a:t>, “true” </a:t>
+            </a:r>
+            <a:r>
+              <a:rPr lang="ko-KR" altLang="en-US"/>
+              <a:t>라고 쓰면 </a:t>
+            </a:r>
+            <a:r>
+              <a:rPr lang="en-US" altLang="ko-KR"/>
+              <a:t>string</a:t>
+            </a:r>
+            <a:r>
+              <a:rPr lang="ko-KR" altLang="en-US"/>
+              <a:t>이다</a:t>
+            </a:r>
+          </a:p>
+        </p:txBody>
+      </p:sp>
+      <p:pic>
+        <p:nvPicPr>
+          <p:cNvPr id="8" name="그림 7">
+            <a:extLst>
+              <a:ext uri="{FF2B5EF4-FFF2-40B4-BE49-F238E27FC236}">
+                <a16:creationId xmlns:a16="http://schemas.microsoft.com/office/drawing/2014/main" id="{6A1EF1AC-58F3-4CFB-B475-4FCA9507C494}"/>
+              </a:ext>
+            </a:extLst>
+          </p:cNvPr>
+          <p:cNvPicPr>
+            <a:picLocks noChangeAspect="1"/>
+          </p:cNvPicPr>
+          <p:nvPr/>
+        </p:nvPicPr>
+        <p:blipFill>
+          <a:blip r:embed="rId3"/>
+          <a:stretch>
+            <a:fillRect/>
+          </a:stretch>
+        </p:blipFill>
+        <p:spPr>
+          <a:xfrm>
+            <a:off x="912845" y="5293323"/>
+            <a:ext cx="9826690" cy="574742"/>
+          </a:xfrm>
+          <a:prstGeom prst="rect">
+            <a:avLst/>
+          </a:prstGeom>
+        </p:spPr>
+      </p:pic>
+    </p:spTree>
+    <p:extLst>
+      <p:ext uri="{BB962C8B-B14F-4D97-AF65-F5344CB8AC3E}">
+        <p14:creationId xmlns:p14="http://schemas.microsoft.com/office/powerpoint/2010/main" val="3320443586"/>
+      </p:ext>
+    </p:extLst>
+  </p:cSld>
+  <p:clrMapOvr>
+    <a:masterClrMapping/>
+  </p:clrMapOvr>
+</p:sld>
+</file>
+
+<file path=ppt/slides/slide29.xml><?xml version="1.0" encoding="utf-8"?>
+<p:sld xmlns:a="http://schemas.openxmlformats.org/drawingml/2006/main" xmlns:r="http://schemas.openxmlformats.org/officeDocument/2006/relationships" xmlns:p="http://schemas.openxmlformats.org/presentationml/2006/main">
+  <p:cSld>
+    <p:spTree>
+      <p:nvGrpSpPr>
+        <p:cNvPr id="1" name=""/>
+        <p:cNvGrpSpPr/>
+        <p:nvPr/>
+      </p:nvGrpSpPr>
+      <p:grpSpPr>
+        <a:xfrm>
+          <a:off x="0" y="0"/>
+          <a:ext cx="0" cy="0"/>
+          <a:chOff x="0" y="0"/>
+          <a:chExt cx="0" cy="0"/>
+        </a:xfrm>
+      </p:grpSpPr>
+      <p:sp>
+        <p:nvSpPr>
+          <p:cNvPr id="2" name="제목 1">
+            <a:extLst>
+              <a:ext uri="{FF2B5EF4-FFF2-40B4-BE49-F238E27FC236}">
+                <a16:creationId xmlns:a16="http://schemas.microsoft.com/office/drawing/2014/main" id="{7C767ED8-6DA9-4453-BDCF-A4E9609255FB}"/>
+              </a:ext>
+            </a:extLst>
+          </p:cNvPr>
+          <p:cNvSpPr>
+            <a:spLocks noGrp="1"/>
+          </p:cNvSpPr>
+          <p:nvPr>
+            <p:ph type="title"/>
+          </p:nvPr>
+        </p:nvSpPr>
+        <p:spPr/>
+        <p:txBody>
+          <a:bodyPr/>
+          <a:lstStyle/>
+          <a:p>
+            <a:r>
+              <a:rPr lang="ko-KR" altLang="en-US"/>
+              <a:t>백틱 </a:t>
+            </a:r>
+            <a:r>
+              <a:rPr lang="en-US" altLang="ko-KR"/>
+              <a:t>` `</a:t>
+            </a:r>
+            <a:endParaRPr lang="ko-KR" altLang="en-US"/>
+          </a:p>
+        </p:txBody>
+      </p:sp>
+      <p:sp>
+        <p:nvSpPr>
+          <p:cNvPr id="3" name="내용 개체 틀 2">
+            <a:extLst>
+              <a:ext uri="{FF2B5EF4-FFF2-40B4-BE49-F238E27FC236}">
+                <a16:creationId xmlns:a16="http://schemas.microsoft.com/office/drawing/2014/main" id="{89305A93-50C5-480B-A90A-A90B250F0BDB}"/>
+              </a:ext>
+            </a:extLst>
+          </p:cNvPr>
+          <p:cNvSpPr>
+            <a:spLocks noGrp="1"/>
+          </p:cNvSpPr>
+          <p:nvPr>
+            <p:ph idx="1"/>
+          </p:nvPr>
+        </p:nvSpPr>
+        <p:spPr>
+          <a:xfrm>
+            <a:off x="838200" y="1825625"/>
+            <a:ext cx="10515600" cy="1458752"/>
+          </a:xfrm>
+        </p:spPr>
+        <p:txBody>
+          <a:bodyPr/>
+          <a:lstStyle/>
+          <a:p>
+            <a:r>
+              <a:rPr lang="ko-KR" altLang="en-US"/>
+              <a:t>주로 문자열 안에서 변수나 함수 등을 좀 더 편하게 사용하려고 쓴다</a:t>
+            </a:r>
+            <a:r>
+              <a:rPr lang="en-US" altLang="ko-KR"/>
+              <a:t>.</a:t>
+            </a:r>
+          </a:p>
+          <a:p>
+            <a:r>
+              <a:rPr lang="ko-KR" altLang="en-US"/>
+              <a:t>탭키 위에 작은따옴표 비슷하게 생긴 것이다</a:t>
+            </a:r>
+            <a:r>
+              <a:rPr lang="en-US" altLang="ko-KR"/>
+              <a:t>.</a:t>
+            </a:r>
+          </a:p>
+          <a:p>
+            <a:endParaRPr lang="en-US" altLang="ko-KR"/>
+          </a:p>
+          <a:p>
+            <a:endParaRPr lang="ko-KR" altLang="en-US"/>
+          </a:p>
+        </p:txBody>
+      </p:sp>
+    </p:spTree>
+    <p:extLst>
+      <p:ext uri="{BB962C8B-B14F-4D97-AF65-F5344CB8AC3E}">
+        <p14:creationId xmlns:p14="http://schemas.microsoft.com/office/powerpoint/2010/main" val="1770841181"/>
+      </p:ext>
+    </p:extLst>
+  </p:cSld>
+  <p:clrMapOvr>
+    <a:masterClrMapping/>
+  </p:clrMapOvr>
+</p:sld>
+</file>
+
 <file path=ppt/slides/slide3.xml><?xml version="1.0" encoding="utf-8"?>
 <p:sld xmlns:a="http://schemas.openxmlformats.org/drawingml/2006/main" xmlns:r="http://schemas.openxmlformats.org/officeDocument/2006/relationships" xmlns:p="http://schemas.openxmlformats.org/presentationml/2006/main">
   <p:cSld>
@@ -4282,6 +7733,1934 @@
     <p:extLst>
       <p:ext uri="{BB962C8B-B14F-4D97-AF65-F5344CB8AC3E}">
         <p14:creationId xmlns:p14="http://schemas.microsoft.com/office/powerpoint/2010/main" val="2745238726"/>
+      </p:ext>
+    </p:extLst>
+  </p:cSld>
+  <p:clrMapOvr>
+    <a:masterClrMapping/>
+  </p:clrMapOvr>
+</p:sld>
+</file>
+
+<file path=ppt/slides/slide30.xml><?xml version="1.0" encoding="utf-8"?>
+<p:sld xmlns:a="http://schemas.openxmlformats.org/drawingml/2006/main" xmlns:r="http://schemas.openxmlformats.org/officeDocument/2006/relationships" xmlns:p="http://schemas.openxmlformats.org/presentationml/2006/main">
+  <p:cSld>
+    <p:spTree>
+      <p:nvGrpSpPr>
+        <p:cNvPr id="1" name=""/>
+        <p:cNvGrpSpPr/>
+        <p:nvPr/>
+      </p:nvGrpSpPr>
+      <p:grpSpPr>
+        <a:xfrm>
+          <a:off x="0" y="0"/>
+          <a:ext cx="0" cy="0"/>
+          <a:chOff x="0" y="0"/>
+          <a:chExt cx="0" cy="0"/>
+        </a:xfrm>
+      </p:grpSpPr>
+      <p:sp>
+        <p:nvSpPr>
+          <p:cNvPr id="2" name="제목 1">
+            <a:extLst>
+              <a:ext uri="{FF2B5EF4-FFF2-40B4-BE49-F238E27FC236}">
+                <a16:creationId xmlns:a16="http://schemas.microsoft.com/office/drawing/2014/main" id="{ED37572B-5684-497C-B3DE-3AE8E6DBBE19}"/>
+              </a:ext>
+            </a:extLst>
+          </p:cNvPr>
+          <p:cNvSpPr>
+            <a:spLocks noGrp="1"/>
+          </p:cNvSpPr>
+          <p:nvPr>
+            <p:ph type="title"/>
+          </p:nvPr>
+        </p:nvSpPr>
+        <p:spPr/>
+        <p:txBody>
+          <a:bodyPr/>
+          <a:lstStyle/>
+          <a:p>
+            <a:r>
+              <a:rPr lang="ko-KR" altLang="en-US"/>
+              <a:t>백틱을 쓰지 않을 경우</a:t>
+            </a:r>
+          </a:p>
+        </p:txBody>
+      </p:sp>
+      <p:pic>
+        <p:nvPicPr>
+          <p:cNvPr id="5" name="그림 4">
+            <a:extLst>
+              <a:ext uri="{FF2B5EF4-FFF2-40B4-BE49-F238E27FC236}">
+                <a16:creationId xmlns:a16="http://schemas.microsoft.com/office/drawing/2014/main" id="{DBD7EEFA-B580-4884-83FF-2E104FE64217}"/>
+              </a:ext>
+            </a:extLst>
+          </p:cNvPr>
+          <p:cNvPicPr>
+            <a:picLocks noChangeAspect="1"/>
+          </p:cNvPicPr>
+          <p:nvPr/>
+        </p:nvPicPr>
+        <p:blipFill>
+          <a:blip r:embed="rId2"/>
+          <a:stretch>
+            <a:fillRect/>
+          </a:stretch>
+        </p:blipFill>
+        <p:spPr>
+          <a:xfrm>
+            <a:off x="838200" y="1830647"/>
+            <a:ext cx="9556102" cy="1964155"/>
+          </a:xfrm>
+          <a:prstGeom prst="rect">
+            <a:avLst/>
+          </a:prstGeom>
+        </p:spPr>
+      </p:pic>
+      <p:sp>
+        <p:nvSpPr>
+          <p:cNvPr id="6" name="TextBox 5">
+            <a:extLst>
+              <a:ext uri="{FF2B5EF4-FFF2-40B4-BE49-F238E27FC236}">
+                <a16:creationId xmlns:a16="http://schemas.microsoft.com/office/drawing/2014/main" id="{9C05977C-A121-4C66-90FD-B81464E57E6D}"/>
+              </a:ext>
+            </a:extLst>
+          </p:cNvPr>
+          <p:cNvSpPr txBox="1"/>
+          <p:nvPr/>
+        </p:nvSpPr>
+        <p:spPr>
+          <a:xfrm>
+            <a:off x="933061" y="4310743"/>
+            <a:ext cx="1095172" cy="584775"/>
+          </a:xfrm>
+          <a:prstGeom prst="rect">
+            <a:avLst/>
+          </a:prstGeom>
+          <a:noFill/>
+        </p:spPr>
+        <p:txBody>
+          <a:bodyPr wrap="none" rtlCol="0">
+            <a:spAutoFit/>
+          </a:bodyPr>
+          <a:lstStyle/>
+          <a:p>
+            <a:r>
+              <a:rPr lang="ko-KR" altLang="en-US" sz="3200"/>
+              <a:t>결과</a:t>
+            </a:r>
+            <a:r>
+              <a:rPr lang="en-US" altLang="ko-KR" sz="3200"/>
+              <a:t>:</a:t>
+            </a:r>
+          </a:p>
+        </p:txBody>
+      </p:sp>
+      <p:pic>
+        <p:nvPicPr>
+          <p:cNvPr id="8" name="그림 7">
+            <a:extLst>
+              <a:ext uri="{FF2B5EF4-FFF2-40B4-BE49-F238E27FC236}">
+                <a16:creationId xmlns:a16="http://schemas.microsoft.com/office/drawing/2014/main" id="{45FD0D40-E7AF-41EB-A8FF-67E3719B00AB}"/>
+              </a:ext>
+            </a:extLst>
+          </p:cNvPr>
+          <p:cNvPicPr>
+            <a:picLocks noChangeAspect="1"/>
+          </p:cNvPicPr>
+          <p:nvPr/>
+        </p:nvPicPr>
+        <p:blipFill>
+          <a:blip r:embed="rId3"/>
+          <a:stretch>
+            <a:fillRect/>
+          </a:stretch>
+        </p:blipFill>
+        <p:spPr>
+          <a:xfrm>
+            <a:off x="2028233" y="4260230"/>
+            <a:ext cx="4838700" cy="685800"/>
+          </a:xfrm>
+          <a:prstGeom prst="rect">
+            <a:avLst/>
+          </a:prstGeom>
+        </p:spPr>
+      </p:pic>
+    </p:spTree>
+    <p:extLst>
+      <p:ext uri="{BB962C8B-B14F-4D97-AF65-F5344CB8AC3E}">
+        <p14:creationId xmlns:p14="http://schemas.microsoft.com/office/powerpoint/2010/main" val="835335789"/>
+      </p:ext>
+    </p:extLst>
+  </p:cSld>
+  <p:clrMapOvr>
+    <a:masterClrMapping/>
+  </p:clrMapOvr>
+</p:sld>
+</file>
+
+<file path=ppt/slides/slide31.xml><?xml version="1.0" encoding="utf-8"?>
+<p:sld xmlns:a="http://schemas.openxmlformats.org/drawingml/2006/main" xmlns:r="http://schemas.openxmlformats.org/officeDocument/2006/relationships" xmlns:p="http://schemas.openxmlformats.org/presentationml/2006/main">
+  <p:cSld>
+    <p:spTree>
+      <p:nvGrpSpPr>
+        <p:cNvPr id="1" name=""/>
+        <p:cNvGrpSpPr/>
+        <p:nvPr/>
+      </p:nvGrpSpPr>
+      <p:grpSpPr>
+        <a:xfrm>
+          <a:off x="0" y="0"/>
+          <a:ext cx="0" cy="0"/>
+          <a:chOff x="0" y="0"/>
+          <a:chExt cx="0" cy="0"/>
+        </a:xfrm>
+      </p:grpSpPr>
+      <p:sp>
+        <p:nvSpPr>
+          <p:cNvPr id="2" name="제목 1">
+            <a:extLst>
+              <a:ext uri="{FF2B5EF4-FFF2-40B4-BE49-F238E27FC236}">
+                <a16:creationId xmlns:a16="http://schemas.microsoft.com/office/drawing/2014/main" id="{B2B5FDB4-7664-4F70-9A56-FAB7E925343E}"/>
+              </a:ext>
+            </a:extLst>
+          </p:cNvPr>
+          <p:cNvSpPr>
+            <a:spLocks noGrp="1"/>
+          </p:cNvSpPr>
+          <p:nvPr>
+            <p:ph type="title"/>
+          </p:nvPr>
+        </p:nvSpPr>
+        <p:spPr/>
+        <p:txBody>
+          <a:bodyPr/>
+          <a:lstStyle/>
+          <a:p>
+            <a:r>
+              <a:rPr lang="ko-KR" altLang="en-US"/>
+              <a:t>백틱을 사용할 경우</a:t>
+            </a:r>
+          </a:p>
+        </p:txBody>
+      </p:sp>
+      <p:sp>
+        <p:nvSpPr>
+          <p:cNvPr id="4" name="Rectangle 2">
+            <a:extLst>
+              <a:ext uri="{FF2B5EF4-FFF2-40B4-BE49-F238E27FC236}">
+                <a16:creationId xmlns:a16="http://schemas.microsoft.com/office/drawing/2014/main" id="{F7A634C4-4F87-4265-B2D8-DF1F06DC4226}"/>
+              </a:ext>
+            </a:extLst>
+          </p:cNvPr>
+          <p:cNvSpPr>
+            <a:spLocks noChangeArrowheads="1"/>
+          </p:cNvSpPr>
+          <p:nvPr/>
+        </p:nvSpPr>
+        <p:spPr bwMode="auto">
+          <a:xfrm>
+            <a:off x="989044" y="1233488"/>
+            <a:ext cx="12192000" cy="457200"/>
+          </a:xfrm>
+          <a:prstGeom prst="rect">
+            <a:avLst/>
+          </a:prstGeom>
+          <a:noFill/>
+          <a:ln>
+            <a:noFill/>
+          </a:ln>
+          <a:effectLst/>
+          <a:extLst>
+            <a:ext uri="{909E8E84-426E-40DD-AFC4-6F175D3DCCD1}">
+              <a14:hiddenFill xmlns:a14="http://schemas.microsoft.com/office/drawing/2010/main">
+                <a:solidFill>
+                  <a:schemeClr val="accent1"/>
+                </a:solidFill>
+              </a14:hiddenFill>
+            </a:ext>
+            <a:ext uri="{91240B29-F687-4F45-9708-019B960494DF}">
+              <a14:hiddenLine xmlns:a14="http://schemas.microsoft.com/office/drawing/2010/main" w="9525">
+                <a:solidFill>
+                  <a:schemeClr val="tx1"/>
+                </a:solidFill>
+                <a:miter lim="800000"/>
+                <a:headEnd/>
+                <a:tailEnd/>
+              </a14:hiddenLine>
+            </a:ext>
+            <a:ext uri="{AF507438-7753-43E0-B8FC-AC1667EBCBE1}">
+              <a14:hiddenEffects xmlns:a14="http://schemas.microsoft.com/office/drawing/2010/main">
+                <a:effectLst>
+                  <a:outerShdw dist="35921" dir="2700000" algn="ctr" rotWithShape="0">
+                    <a:schemeClr val="bg2"/>
+                  </a:outerShdw>
+                </a:effectLst>
+              </a14:hiddenEffects>
+            </a:ext>
+          </a:extLst>
+        </p:spPr>
+        <p:txBody>
+          <a:bodyPr vert="horz" wrap="none" lIns="91440" tIns="45720" rIns="91440" bIns="45720" numCol="1" anchor="ctr" anchorCtr="0" compatLnSpc="1">
+            <a:prstTxWarp prst="textNoShape">
+              <a:avLst/>
+            </a:prstTxWarp>
+            <a:spAutoFit/>
+          </a:bodyPr>
+          <a:lstStyle/>
+          <a:p>
+            <a:endParaRPr lang="ko-KR" altLang="en-US"/>
+          </a:p>
+        </p:txBody>
+      </p:sp>
+      <p:pic>
+        <p:nvPicPr>
+          <p:cNvPr id="3073" name="_x156325848">
+            <a:extLst>
+              <a:ext uri="{FF2B5EF4-FFF2-40B4-BE49-F238E27FC236}">
+                <a16:creationId xmlns:a16="http://schemas.microsoft.com/office/drawing/2014/main" id="{403D890E-A1D6-438C-9ECB-B4BB0803E952}"/>
+              </a:ext>
+            </a:extLst>
+          </p:cNvPr>
+          <p:cNvPicPr>
+            <a:picLocks noChangeAspect="1" noChangeArrowheads="1"/>
+          </p:cNvPicPr>
+          <p:nvPr/>
+        </p:nvPicPr>
+        <p:blipFill>
+          <a:blip r:embed="rId2">
+            <a:extLst>
+              <a:ext uri="{28A0092B-C50C-407E-A947-70E740481C1C}">
+                <a14:useLocalDpi xmlns:a14="http://schemas.microsoft.com/office/drawing/2010/main" val="0"/>
+              </a:ext>
+            </a:extLst>
+          </a:blip>
+          <a:srcRect/>
+          <a:stretch>
+            <a:fillRect/>
+          </a:stretch>
+        </p:blipFill>
+        <p:spPr bwMode="auto">
+          <a:xfrm>
+            <a:off x="838200" y="1857715"/>
+            <a:ext cx="8456515" cy="1901598"/>
+          </a:xfrm>
+          <a:prstGeom prst="rect">
+            <a:avLst/>
+          </a:prstGeom>
+          <a:noFill/>
+          <a:extLst>
+            <a:ext uri="{909E8E84-426E-40DD-AFC4-6F175D3DCCD1}">
+              <a14:hiddenFill xmlns:a14="http://schemas.microsoft.com/office/drawing/2010/main">
+                <a:solidFill>
+                  <a:srgbClr val="FFFFFF"/>
+                </a:solidFill>
+              </a14:hiddenFill>
+            </a:ext>
+          </a:extLst>
+        </p:spPr>
+      </p:pic>
+      <p:pic>
+        <p:nvPicPr>
+          <p:cNvPr id="7" name="그림 6">
+            <a:extLst>
+              <a:ext uri="{FF2B5EF4-FFF2-40B4-BE49-F238E27FC236}">
+                <a16:creationId xmlns:a16="http://schemas.microsoft.com/office/drawing/2014/main" id="{87808160-139B-42E7-AF45-50551C12E4DC}"/>
+              </a:ext>
+            </a:extLst>
+          </p:cNvPr>
+          <p:cNvPicPr>
+            <a:picLocks noChangeAspect="1"/>
+          </p:cNvPicPr>
+          <p:nvPr/>
+        </p:nvPicPr>
+        <p:blipFill>
+          <a:blip r:embed="rId3"/>
+          <a:stretch>
+            <a:fillRect/>
+          </a:stretch>
+        </p:blipFill>
+        <p:spPr>
+          <a:xfrm>
+            <a:off x="838200" y="4049486"/>
+            <a:ext cx="6724650" cy="1343025"/>
+          </a:xfrm>
+          <a:prstGeom prst="rect">
+            <a:avLst/>
+          </a:prstGeom>
+        </p:spPr>
+      </p:pic>
+      <p:sp>
+        <p:nvSpPr>
+          <p:cNvPr id="8" name="직사각형 7">
+            <a:extLst>
+              <a:ext uri="{FF2B5EF4-FFF2-40B4-BE49-F238E27FC236}">
+                <a16:creationId xmlns:a16="http://schemas.microsoft.com/office/drawing/2014/main" id="{C1786E07-5297-4F4F-8FD4-A210BBDB5C89}"/>
+              </a:ext>
+            </a:extLst>
+          </p:cNvPr>
+          <p:cNvSpPr/>
+          <p:nvPr/>
+        </p:nvSpPr>
+        <p:spPr>
+          <a:xfrm>
+            <a:off x="3517641" y="3209731"/>
+            <a:ext cx="1884869" cy="549582"/>
+          </a:xfrm>
+          <a:prstGeom prst="rect">
+            <a:avLst/>
+          </a:prstGeom>
+          <a:noFill/>
+          <a:ln w="57150">
+            <a:solidFill>
+              <a:srgbClr val="00B0F0"/>
+            </a:solidFill>
+          </a:ln>
+        </p:spPr>
+        <p:style>
+          <a:lnRef idx="2">
+            <a:schemeClr val="accent1">
+              <a:shade val="50000"/>
+            </a:schemeClr>
+          </a:lnRef>
+          <a:fillRef idx="1">
+            <a:schemeClr val="accent1"/>
+          </a:fillRef>
+          <a:effectRef idx="0">
+            <a:schemeClr val="accent1"/>
+          </a:effectRef>
+          <a:fontRef idx="minor">
+            <a:schemeClr val="lt1"/>
+          </a:fontRef>
+        </p:style>
+        <p:txBody>
+          <a:bodyPr rtlCol="0" anchor="ctr"/>
+          <a:lstStyle/>
+          <a:p>
+            <a:pPr algn="ctr"/>
+            <a:endParaRPr lang="ko-KR" altLang="en-US"/>
+          </a:p>
+        </p:txBody>
+      </p:sp>
+      <p:pic>
+        <p:nvPicPr>
+          <p:cNvPr id="10" name="그림 9">
+            <a:extLst>
+              <a:ext uri="{FF2B5EF4-FFF2-40B4-BE49-F238E27FC236}">
+                <a16:creationId xmlns:a16="http://schemas.microsoft.com/office/drawing/2014/main" id="{6A7504B0-5581-449E-885F-4531F566B060}"/>
+              </a:ext>
+            </a:extLst>
+          </p:cNvPr>
+          <p:cNvPicPr>
+            <a:picLocks noChangeAspect="1"/>
+          </p:cNvPicPr>
+          <p:nvPr/>
+        </p:nvPicPr>
+        <p:blipFill>
+          <a:blip r:embed="rId4"/>
+          <a:stretch>
+            <a:fillRect/>
+          </a:stretch>
+        </p:blipFill>
+        <p:spPr>
+          <a:xfrm>
+            <a:off x="4659517" y="2744851"/>
+            <a:ext cx="556473" cy="349413"/>
+          </a:xfrm>
+          <a:prstGeom prst="rect">
+            <a:avLst/>
+          </a:prstGeom>
+        </p:spPr>
+      </p:pic>
+      <p:sp>
+        <p:nvSpPr>
+          <p:cNvPr id="11" name="TextBox 10">
+            <a:extLst>
+              <a:ext uri="{FF2B5EF4-FFF2-40B4-BE49-F238E27FC236}">
+                <a16:creationId xmlns:a16="http://schemas.microsoft.com/office/drawing/2014/main" id="{9211B7A1-C3DF-4020-8BED-E86FCB8F11AD}"/>
+              </a:ext>
+            </a:extLst>
+          </p:cNvPr>
+          <p:cNvSpPr txBox="1"/>
+          <p:nvPr/>
+        </p:nvSpPr>
+        <p:spPr>
+          <a:xfrm>
+            <a:off x="5152854" y="2733210"/>
+            <a:ext cx="4204997" cy="369332"/>
+          </a:xfrm>
+          <a:prstGeom prst="rect">
+            <a:avLst/>
+          </a:prstGeom>
+          <a:noFill/>
+        </p:spPr>
+        <p:txBody>
+          <a:bodyPr wrap="none" rtlCol="0">
+            <a:spAutoFit/>
+          </a:bodyPr>
+          <a:lstStyle/>
+          <a:p>
+            <a:r>
+              <a:rPr lang="ko-KR" altLang="en-US"/>
+              <a:t>안에 변수나 함수의 계산결과를 넣는다</a:t>
+            </a:r>
+          </a:p>
+        </p:txBody>
+      </p:sp>
+      <p:sp>
+        <p:nvSpPr>
+          <p:cNvPr id="12" name="TextBox 11">
+            <a:extLst>
+              <a:ext uri="{FF2B5EF4-FFF2-40B4-BE49-F238E27FC236}">
+                <a16:creationId xmlns:a16="http://schemas.microsoft.com/office/drawing/2014/main" id="{97A02B18-94AB-42BB-B74B-6C25818C7FBD}"/>
+              </a:ext>
+            </a:extLst>
+          </p:cNvPr>
+          <p:cNvSpPr txBox="1"/>
+          <p:nvPr/>
+        </p:nvSpPr>
+        <p:spPr>
+          <a:xfrm>
+            <a:off x="7395594" y="3767501"/>
+            <a:ext cx="3414717" cy="646331"/>
+          </a:xfrm>
+          <a:prstGeom prst="rect">
+            <a:avLst/>
+          </a:prstGeom>
+          <a:noFill/>
+        </p:spPr>
+        <p:txBody>
+          <a:bodyPr wrap="none" rtlCol="0">
+            <a:spAutoFit/>
+          </a:bodyPr>
+          <a:lstStyle/>
+          <a:p>
+            <a:r>
+              <a:rPr lang="en-US" altLang="ko-KR"/>
+              <a:t>+</a:t>
+            </a:r>
+            <a:r>
+              <a:rPr lang="ko-KR" altLang="en-US"/>
+              <a:t>기호를 사용하지 않고도 </a:t>
+            </a:r>
+            <a:endParaRPr lang="en-US" altLang="ko-KR"/>
+          </a:p>
+          <a:p>
+            <a:r>
+              <a:rPr lang="ko-KR" altLang="en-US"/>
+              <a:t>문자열을 쭉 이어서 쓸 수 있다</a:t>
+            </a:r>
+            <a:r>
+              <a:rPr lang="en-US" altLang="ko-KR"/>
+              <a:t>.</a:t>
+            </a:r>
+            <a:endParaRPr lang="ko-KR" altLang="en-US"/>
+          </a:p>
+        </p:txBody>
+      </p:sp>
+    </p:spTree>
+    <p:extLst>
+      <p:ext uri="{BB962C8B-B14F-4D97-AF65-F5344CB8AC3E}">
+        <p14:creationId xmlns:p14="http://schemas.microsoft.com/office/powerpoint/2010/main" val="1583459068"/>
+      </p:ext>
+    </p:extLst>
+  </p:cSld>
+  <p:clrMapOvr>
+    <a:masterClrMapping/>
+  </p:clrMapOvr>
+</p:sld>
+</file>
+
+<file path=ppt/slides/slide32.xml><?xml version="1.0" encoding="utf-8"?>
+<p:sld xmlns:a="http://schemas.openxmlformats.org/drawingml/2006/main" xmlns:r="http://schemas.openxmlformats.org/officeDocument/2006/relationships" xmlns:p="http://schemas.openxmlformats.org/presentationml/2006/main">
+  <p:cSld>
+    <p:spTree>
+      <p:nvGrpSpPr>
+        <p:cNvPr id="1" name=""/>
+        <p:cNvGrpSpPr/>
+        <p:nvPr/>
+      </p:nvGrpSpPr>
+      <p:grpSpPr>
+        <a:xfrm>
+          <a:off x="0" y="0"/>
+          <a:ext cx="0" cy="0"/>
+          <a:chOff x="0" y="0"/>
+          <a:chExt cx="0" cy="0"/>
+        </a:xfrm>
+      </p:grpSpPr>
+      <p:sp>
+        <p:nvSpPr>
+          <p:cNvPr id="2" name="제목 1">
+            <a:extLst>
+              <a:ext uri="{FF2B5EF4-FFF2-40B4-BE49-F238E27FC236}">
+                <a16:creationId xmlns:a16="http://schemas.microsoft.com/office/drawing/2014/main" id="{9674F0C0-A220-4C49-AC16-1D9DAAC1F4E3}"/>
+              </a:ext>
+            </a:extLst>
+          </p:cNvPr>
+          <p:cNvSpPr>
+            <a:spLocks noGrp="1"/>
+          </p:cNvSpPr>
+          <p:nvPr>
+            <p:ph type="title"/>
+          </p:nvPr>
+        </p:nvSpPr>
+        <p:spPr/>
+        <p:txBody>
+          <a:bodyPr/>
+          <a:lstStyle/>
+          <a:p>
+            <a:r>
+              <a:rPr lang="ko-KR" altLang="en-US"/>
+              <a:t>엔터와 탭 적용</a:t>
+            </a:r>
+          </a:p>
+        </p:txBody>
+      </p:sp>
+      <p:pic>
+        <p:nvPicPr>
+          <p:cNvPr id="5" name="그림 4">
+            <a:extLst>
+              <a:ext uri="{FF2B5EF4-FFF2-40B4-BE49-F238E27FC236}">
+                <a16:creationId xmlns:a16="http://schemas.microsoft.com/office/drawing/2014/main" id="{53F733A1-DC69-4CB0-ACCD-4E38AB2E78FE}"/>
+              </a:ext>
+            </a:extLst>
+          </p:cNvPr>
+          <p:cNvPicPr>
+            <a:picLocks noChangeAspect="1"/>
+          </p:cNvPicPr>
+          <p:nvPr/>
+        </p:nvPicPr>
+        <p:blipFill>
+          <a:blip r:embed="rId2"/>
+          <a:stretch>
+            <a:fillRect/>
+          </a:stretch>
+        </p:blipFill>
+        <p:spPr>
+          <a:xfrm>
+            <a:off x="771088" y="3133392"/>
+            <a:ext cx="4656589" cy="1063688"/>
+          </a:xfrm>
+          <a:prstGeom prst="rect">
+            <a:avLst/>
+          </a:prstGeom>
+        </p:spPr>
+      </p:pic>
+      <p:sp>
+        <p:nvSpPr>
+          <p:cNvPr id="8" name="화살표: 오른쪽 7">
+            <a:extLst>
+              <a:ext uri="{FF2B5EF4-FFF2-40B4-BE49-F238E27FC236}">
+                <a16:creationId xmlns:a16="http://schemas.microsoft.com/office/drawing/2014/main" id="{AB638100-808B-46B6-982D-DA2AD1FAF2C8}"/>
+              </a:ext>
+            </a:extLst>
+          </p:cNvPr>
+          <p:cNvSpPr/>
+          <p:nvPr/>
+        </p:nvSpPr>
+        <p:spPr>
+          <a:xfrm>
+            <a:off x="5654180" y="3445025"/>
+            <a:ext cx="662730" cy="362824"/>
+          </a:xfrm>
+          <a:prstGeom prst="rightArrow">
+            <a:avLst/>
+          </a:prstGeom>
+        </p:spPr>
+        <p:style>
+          <a:lnRef idx="2">
+            <a:schemeClr val="accent1">
+              <a:shade val="50000"/>
+            </a:schemeClr>
+          </a:lnRef>
+          <a:fillRef idx="1">
+            <a:schemeClr val="accent1"/>
+          </a:fillRef>
+          <a:effectRef idx="0">
+            <a:schemeClr val="accent1"/>
+          </a:effectRef>
+          <a:fontRef idx="minor">
+            <a:schemeClr val="lt1"/>
+          </a:fontRef>
+        </p:style>
+        <p:txBody>
+          <a:bodyPr rtlCol="0" anchor="ctr"/>
+          <a:lstStyle/>
+          <a:p>
+            <a:pPr algn="ctr"/>
+            <a:endParaRPr lang="ko-KR" altLang="en-US"/>
+          </a:p>
+        </p:txBody>
+      </p:sp>
+      <p:pic>
+        <p:nvPicPr>
+          <p:cNvPr id="10" name="그림 9">
+            <a:extLst>
+              <a:ext uri="{FF2B5EF4-FFF2-40B4-BE49-F238E27FC236}">
+                <a16:creationId xmlns:a16="http://schemas.microsoft.com/office/drawing/2014/main" id="{4C02A2B7-FB41-459D-A337-E6B8AF0C7203}"/>
+              </a:ext>
+            </a:extLst>
+          </p:cNvPr>
+          <p:cNvPicPr>
+            <a:picLocks noChangeAspect="1"/>
+          </p:cNvPicPr>
+          <p:nvPr/>
+        </p:nvPicPr>
+        <p:blipFill>
+          <a:blip r:embed="rId3"/>
+          <a:stretch>
+            <a:fillRect/>
+          </a:stretch>
+        </p:blipFill>
+        <p:spPr>
+          <a:xfrm>
+            <a:off x="6827155" y="2690015"/>
+            <a:ext cx="3566673" cy="2014975"/>
+          </a:xfrm>
+          <a:prstGeom prst="rect">
+            <a:avLst/>
+          </a:prstGeom>
+        </p:spPr>
+      </p:pic>
+      <p:sp>
+        <p:nvSpPr>
+          <p:cNvPr id="11" name="TextBox 10">
+            <a:extLst>
+              <a:ext uri="{FF2B5EF4-FFF2-40B4-BE49-F238E27FC236}">
+                <a16:creationId xmlns:a16="http://schemas.microsoft.com/office/drawing/2014/main" id="{17E812A7-AF02-4F50-A538-EA2BA8A7F7A4}"/>
+              </a:ext>
+            </a:extLst>
+          </p:cNvPr>
+          <p:cNvSpPr txBox="1"/>
+          <p:nvPr/>
+        </p:nvSpPr>
+        <p:spPr>
+          <a:xfrm>
+            <a:off x="6827155" y="4935197"/>
+            <a:ext cx="697627" cy="369332"/>
+          </a:xfrm>
+          <a:prstGeom prst="rect">
+            <a:avLst/>
+          </a:prstGeom>
+          <a:noFill/>
+        </p:spPr>
+        <p:txBody>
+          <a:bodyPr wrap="none" rtlCol="0">
+            <a:spAutoFit/>
+          </a:bodyPr>
+          <a:lstStyle/>
+          <a:p>
+            <a:r>
+              <a:rPr lang="ko-KR" altLang="en-US"/>
+              <a:t>결과</a:t>
+            </a:r>
+            <a:r>
+              <a:rPr lang="en-US" altLang="ko-KR"/>
+              <a:t>:</a:t>
+            </a:r>
+            <a:endParaRPr lang="ko-KR" altLang="en-US"/>
+          </a:p>
+        </p:txBody>
+      </p:sp>
+      <p:pic>
+        <p:nvPicPr>
+          <p:cNvPr id="13" name="그림 12">
+            <a:extLst>
+              <a:ext uri="{FF2B5EF4-FFF2-40B4-BE49-F238E27FC236}">
+                <a16:creationId xmlns:a16="http://schemas.microsoft.com/office/drawing/2014/main" id="{B947B847-A44A-40F1-887A-5876EA81CA52}"/>
+              </a:ext>
+            </a:extLst>
+          </p:cNvPr>
+          <p:cNvPicPr>
+            <a:picLocks noChangeAspect="1"/>
+          </p:cNvPicPr>
+          <p:nvPr/>
+        </p:nvPicPr>
+        <p:blipFill>
+          <a:blip r:embed="rId4"/>
+          <a:stretch>
+            <a:fillRect/>
+          </a:stretch>
+        </p:blipFill>
+        <p:spPr>
+          <a:xfrm>
+            <a:off x="7524782" y="4977002"/>
+            <a:ext cx="3398460" cy="1325563"/>
+          </a:xfrm>
+          <a:prstGeom prst="rect">
+            <a:avLst/>
+          </a:prstGeom>
+        </p:spPr>
+      </p:pic>
+      <p:pic>
+        <p:nvPicPr>
+          <p:cNvPr id="15" name="그림 14">
+            <a:extLst>
+              <a:ext uri="{FF2B5EF4-FFF2-40B4-BE49-F238E27FC236}">
+                <a16:creationId xmlns:a16="http://schemas.microsoft.com/office/drawing/2014/main" id="{C9FB5FDB-944F-4A80-B08C-4B19FA804EDB}"/>
+              </a:ext>
+            </a:extLst>
+          </p:cNvPr>
+          <p:cNvPicPr>
+            <a:picLocks noChangeAspect="1"/>
+          </p:cNvPicPr>
+          <p:nvPr/>
+        </p:nvPicPr>
+        <p:blipFill>
+          <a:blip r:embed="rId5"/>
+          <a:stretch>
+            <a:fillRect/>
+          </a:stretch>
+        </p:blipFill>
+        <p:spPr>
+          <a:xfrm>
+            <a:off x="1364714" y="4977002"/>
+            <a:ext cx="2367468" cy="1325564"/>
+          </a:xfrm>
+          <a:prstGeom prst="rect">
+            <a:avLst/>
+          </a:prstGeom>
+        </p:spPr>
+      </p:pic>
+      <p:sp>
+        <p:nvSpPr>
+          <p:cNvPr id="16" name="TextBox 15">
+            <a:extLst>
+              <a:ext uri="{FF2B5EF4-FFF2-40B4-BE49-F238E27FC236}">
+                <a16:creationId xmlns:a16="http://schemas.microsoft.com/office/drawing/2014/main" id="{26CD5F9C-7BA2-424D-8427-7D121B189905}"/>
+              </a:ext>
+            </a:extLst>
+          </p:cNvPr>
+          <p:cNvSpPr txBox="1"/>
+          <p:nvPr/>
+        </p:nvSpPr>
+        <p:spPr>
+          <a:xfrm>
+            <a:off x="687094" y="4917238"/>
+            <a:ext cx="697627" cy="369332"/>
+          </a:xfrm>
+          <a:prstGeom prst="rect">
+            <a:avLst/>
+          </a:prstGeom>
+          <a:noFill/>
+        </p:spPr>
+        <p:txBody>
+          <a:bodyPr wrap="none" rtlCol="0">
+            <a:spAutoFit/>
+          </a:bodyPr>
+          <a:lstStyle/>
+          <a:p>
+            <a:r>
+              <a:rPr lang="ko-KR" altLang="en-US"/>
+              <a:t>결과</a:t>
+            </a:r>
+            <a:r>
+              <a:rPr lang="en-US" altLang="ko-KR"/>
+              <a:t>:</a:t>
+            </a:r>
+            <a:endParaRPr lang="ko-KR" altLang="en-US"/>
+          </a:p>
+        </p:txBody>
+      </p:sp>
+      <p:sp>
+        <p:nvSpPr>
+          <p:cNvPr id="17" name="TextBox 16">
+            <a:extLst>
+              <a:ext uri="{FF2B5EF4-FFF2-40B4-BE49-F238E27FC236}">
+                <a16:creationId xmlns:a16="http://schemas.microsoft.com/office/drawing/2014/main" id="{5BC8AFB9-C678-4B9F-9F16-95C2FE09F611}"/>
+              </a:ext>
+            </a:extLst>
+          </p:cNvPr>
+          <p:cNvSpPr txBox="1"/>
+          <p:nvPr/>
+        </p:nvSpPr>
+        <p:spPr>
+          <a:xfrm>
+            <a:off x="989901" y="1770077"/>
+            <a:ext cx="4025461" cy="369332"/>
+          </a:xfrm>
+          <a:prstGeom prst="rect">
+            <a:avLst/>
+          </a:prstGeom>
+          <a:noFill/>
+        </p:spPr>
+        <p:txBody>
+          <a:bodyPr wrap="none" rtlCol="0">
+            <a:spAutoFit/>
+          </a:bodyPr>
+          <a:lstStyle/>
+          <a:p>
+            <a:r>
+              <a:rPr lang="ko-KR" altLang="en-US"/>
+              <a:t>그러나</a:t>
+            </a:r>
+            <a:r>
+              <a:rPr lang="en-US" altLang="ko-KR"/>
+              <a:t>, </a:t>
+            </a:r>
+            <a:r>
+              <a:rPr lang="ko-KR" altLang="en-US"/>
+              <a:t>엄연히 말하면 결과는 다르다</a:t>
+            </a:r>
+          </a:p>
+        </p:txBody>
+      </p:sp>
+    </p:spTree>
+    <p:extLst>
+      <p:ext uri="{BB962C8B-B14F-4D97-AF65-F5344CB8AC3E}">
+        <p14:creationId xmlns:p14="http://schemas.microsoft.com/office/powerpoint/2010/main" val="4207344163"/>
+      </p:ext>
+    </p:extLst>
+  </p:cSld>
+  <p:clrMapOvr>
+    <a:masterClrMapping/>
+  </p:clrMapOvr>
+</p:sld>
+</file>
+
+<file path=ppt/slides/slide33.xml><?xml version="1.0" encoding="utf-8"?>
+<p:sld xmlns:a="http://schemas.openxmlformats.org/drawingml/2006/main" xmlns:r="http://schemas.openxmlformats.org/officeDocument/2006/relationships" xmlns:p="http://schemas.openxmlformats.org/presentationml/2006/main">
+  <p:cSld>
+    <p:spTree>
+      <p:nvGrpSpPr>
+        <p:cNvPr id="1" name=""/>
+        <p:cNvGrpSpPr/>
+        <p:nvPr/>
+      </p:nvGrpSpPr>
+      <p:grpSpPr>
+        <a:xfrm>
+          <a:off x="0" y="0"/>
+          <a:ext cx="0" cy="0"/>
+          <a:chOff x="0" y="0"/>
+          <a:chExt cx="0" cy="0"/>
+        </a:xfrm>
+      </p:grpSpPr>
+      <p:sp>
+        <p:nvSpPr>
+          <p:cNvPr id="2" name="제목 1">
+            <a:extLst>
+              <a:ext uri="{FF2B5EF4-FFF2-40B4-BE49-F238E27FC236}">
+                <a16:creationId xmlns:a16="http://schemas.microsoft.com/office/drawing/2014/main" id="{E4A9E436-CBAF-4DAE-8E8A-CD170F0BE489}"/>
+              </a:ext>
+            </a:extLst>
+          </p:cNvPr>
+          <p:cNvSpPr>
+            <a:spLocks noGrp="1"/>
+          </p:cNvSpPr>
+          <p:nvPr>
+            <p:ph type="ctrTitle"/>
+          </p:nvPr>
+        </p:nvSpPr>
+        <p:spPr>
+          <a:xfrm>
+            <a:off x="1524000" y="385894"/>
+            <a:ext cx="9144000" cy="5519956"/>
+          </a:xfrm>
+        </p:spPr>
+        <p:txBody>
+          <a:bodyPr>
+            <a:normAutofit/>
+          </a:bodyPr>
+          <a:lstStyle/>
+          <a:p>
+            <a:r>
+              <a:rPr lang="en-US" altLang="ko-KR"/>
+              <a:t>3. </a:t>
+            </a:r>
+            <a:r>
+              <a:rPr lang="ko-KR" altLang="en-US"/>
+              <a:t>조건문</a:t>
+            </a:r>
+            <a:br>
+              <a:rPr lang="en-US" altLang="ko-KR"/>
+            </a:br>
+            <a:br>
+              <a:rPr lang="en-US" altLang="ko-KR"/>
+            </a:br>
+            <a:r>
+              <a:rPr lang="en-US" altLang="ko-KR"/>
+              <a:t>if, else</a:t>
+            </a:r>
+            <a:br>
+              <a:rPr lang="en-US" altLang="ko-KR"/>
+            </a:br>
+            <a:r>
+              <a:rPr lang="en-US" altLang="ko-KR"/>
+              <a:t>||, &amp;&amp;</a:t>
+            </a:r>
+            <a:br>
+              <a:rPr lang="en-US" altLang="ko-KR"/>
+            </a:br>
+            <a:r>
+              <a:rPr lang="en-US" altLang="ko-KR"/>
+              <a:t>?, : </a:t>
+            </a:r>
+            <a:endParaRPr lang="ko-KR" altLang="en-US"/>
+          </a:p>
+        </p:txBody>
+      </p:sp>
+    </p:spTree>
+    <p:extLst>
+      <p:ext uri="{BB962C8B-B14F-4D97-AF65-F5344CB8AC3E}">
+        <p14:creationId xmlns:p14="http://schemas.microsoft.com/office/powerpoint/2010/main" val="2653277210"/>
+      </p:ext>
+    </p:extLst>
+  </p:cSld>
+  <p:clrMapOvr>
+    <a:masterClrMapping/>
+  </p:clrMapOvr>
+</p:sld>
+</file>
+
+<file path=ppt/slides/slide34.xml><?xml version="1.0" encoding="utf-8"?>
+<p:sld xmlns:a="http://schemas.openxmlformats.org/drawingml/2006/main" xmlns:r="http://schemas.openxmlformats.org/officeDocument/2006/relationships" xmlns:p="http://schemas.openxmlformats.org/presentationml/2006/main">
+  <p:cSld>
+    <p:spTree>
+      <p:nvGrpSpPr>
+        <p:cNvPr id="1" name=""/>
+        <p:cNvGrpSpPr/>
+        <p:nvPr/>
+      </p:nvGrpSpPr>
+      <p:grpSpPr>
+        <a:xfrm>
+          <a:off x="0" y="0"/>
+          <a:ext cx="0" cy="0"/>
+          <a:chOff x="0" y="0"/>
+          <a:chExt cx="0" cy="0"/>
+        </a:xfrm>
+      </p:grpSpPr>
+      <p:sp>
+        <p:nvSpPr>
+          <p:cNvPr id="2" name="제목 1">
+            <a:extLst>
+              <a:ext uri="{FF2B5EF4-FFF2-40B4-BE49-F238E27FC236}">
+                <a16:creationId xmlns:a16="http://schemas.microsoft.com/office/drawing/2014/main" id="{E79192F7-BB48-4269-A03F-266A179414CC}"/>
+              </a:ext>
+            </a:extLst>
+          </p:cNvPr>
+          <p:cNvSpPr>
+            <a:spLocks noGrp="1"/>
+          </p:cNvSpPr>
+          <p:nvPr>
+            <p:ph type="title"/>
+          </p:nvPr>
+        </p:nvSpPr>
+        <p:spPr/>
+        <p:txBody>
+          <a:bodyPr/>
+          <a:lstStyle/>
+          <a:p>
+            <a:r>
+              <a:rPr lang="ko-KR" altLang="en-US"/>
+              <a:t>대표적인 활용</a:t>
+            </a:r>
+          </a:p>
+        </p:txBody>
+      </p:sp>
+      <p:sp>
+        <p:nvSpPr>
+          <p:cNvPr id="3" name="내용 개체 틀 2">
+            <a:extLst>
+              <a:ext uri="{FF2B5EF4-FFF2-40B4-BE49-F238E27FC236}">
+                <a16:creationId xmlns:a16="http://schemas.microsoft.com/office/drawing/2014/main" id="{202000A8-289C-4DAF-8BB0-F10F272DB20B}"/>
+              </a:ext>
+            </a:extLst>
+          </p:cNvPr>
+          <p:cNvSpPr>
+            <a:spLocks noGrp="1"/>
+          </p:cNvSpPr>
+          <p:nvPr>
+            <p:ph idx="1"/>
+          </p:nvPr>
+        </p:nvSpPr>
+        <p:spPr>
+          <a:xfrm>
+            <a:off x="838200" y="1825625"/>
+            <a:ext cx="10515600" cy="548459"/>
+          </a:xfrm>
+        </p:spPr>
+        <p:txBody>
+          <a:bodyPr/>
+          <a:lstStyle/>
+          <a:p>
+            <a:r>
+              <a:rPr lang="ko-KR" altLang="en-US"/>
+              <a:t>로그인</a:t>
+            </a:r>
+          </a:p>
+        </p:txBody>
+      </p:sp>
+      <p:pic>
+        <p:nvPicPr>
+          <p:cNvPr id="5" name="그림 4">
+            <a:extLst>
+              <a:ext uri="{FF2B5EF4-FFF2-40B4-BE49-F238E27FC236}">
+                <a16:creationId xmlns:a16="http://schemas.microsoft.com/office/drawing/2014/main" id="{6C7CA48E-9DBA-4D86-9E97-26279B75DA0F}"/>
+              </a:ext>
+            </a:extLst>
+          </p:cNvPr>
+          <p:cNvPicPr>
+            <a:picLocks noChangeAspect="1"/>
+          </p:cNvPicPr>
+          <p:nvPr/>
+        </p:nvPicPr>
+        <p:blipFill>
+          <a:blip r:embed="rId2"/>
+          <a:stretch>
+            <a:fillRect/>
+          </a:stretch>
+        </p:blipFill>
+        <p:spPr>
+          <a:xfrm>
+            <a:off x="838200" y="2452526"/>
+            <a:ext cx="6685816" cy="4040349"/>
+          </a:xfrm>
+          <a:prstGeom prst="rect">
+            <a:avLst/>
+          </a:prstGeom>
+        </p:spPr>
+      </p:pic>
+    </p:spTree>
+    <p:extLst>
+      <p:ext uri="{BB962C8B-B14F-4D97-AF65-F5344CB8AC3E}">
+        <p14:creationId xmlns:p14="http://schemas.microsoft.com/office/powerpoint/2010/main" val="2989190754"/>
+      </p:ext>
+    </p:extLst>
+  </p:cSld>
+  <p:clrMapOvr>
+    <a:masterClrMapping/>
+  </p:clrMapOvr>
+</p:sld>
+</file>
+
+<file path=ppt/slides/slide35.xml><?xml version="1.0" encoding="utf-8"?>
+<p:sld xmlns:a="http://schemas.openxmlformats.org/drawingml/2006/main" xmlns:r="http://schemas.openxmlformats.org/officeDocument/2006/relationships" xmlns:p="http://schemas.openxmlformats.org/presentationml/2006/main">
+  <p:cSld>
+    <p:spTree>
+      <p:nvGrpSpPr>
+        <p:cNvPr id="1" name=""/>
+        <p:cNvGrpSpPr/>
+        <p:nvPr/>
+      </p:nvGrpSpPr>
+      <p:grpSpPr>
+        <a:xfrm>
+          <a:off x="0" y="0"/>
+          <a:ext cx="0" cy="0"/>
+          <a:chOff x="0" y="0"/>
+          <a:chExt cx="0" cy="0"/>
+        </a:xfrm>
+      </p:grpSpPr>
+      <p:sp>
+        <p:nvSpPr>
+          <p:cNvPr id="2" name="제목 1">
+            <a:extLst>
+              <a:ext uri="{FF2B5EF4-FFF2-40B4-BE49-F238E27FC236}">
+                <a16:creationId xmlns:a16="http://schemas.microsoft.com/office/drawing/2014/main" id="{2BFAC8DC-370C-4C8C-A394-5333840D398E}"/>
+              </a:ext>
+            </a:extLst>
+          </p:cNvPr>
+          <p:cNvSpPr>
+            <a:spLocks noGrp="1"/>
+          </p:cNvSpPr>
+          <p:nvPr>
+            <p:ph type="title"/>
+          </p:nvPr>
+        </p:nvSpPr>
+        <p:spPr/>
+        <p:txBody>
+          <a:bodyPr/>
+          <a:lstStyle/>
+          <a:p>
+            <a:r>
+              <a:rPr lang="en-US" altLang="ko-KR"/>
+              <a:t>if else </a:t>
+            </a:r>
+            <a:r>
+              <a:rPr lang="ko-KR" altLang="en-US"/>
+              <a:t>는 </a:t>
+            </a:r>
+            <a:r>
+              <a:rPr lang="en-US" altLang="ko-KR"/>
+              <a:t>c</a:t>
+            </a:r>
+            <a:r>
+              <a:rPr lang="ko-KR" altLang="en-US"/>
+              <a:t>언어와 똑같은데</a:t>
+            </a:r>
+            <a:r>
+              <a:rPr lang="en-US" altLang="ko-KR"/>
+              <a:t>,</a:t>
+            </a:r>
+            <a:br>
+              <a:rPr lang="en-US" altLang="ko-KR"/>
+            </a:br>
+            <a:r>
+              <a:rPr lang="en-US" altLang="ko-KR"/>
+              <a:t>== </a:t>
+            </a:r>
+            <a:r>
+              <a:rPr lang="ko-KR" altLang="en-US"/>
+              <a:t>대신 </a:t>
+            </a:r>
+            <a:r>
+              <a:rPr lang="en-US" altLang="ko-KR"/>
+              <a:t>===, != </a:t>
+            </a:r>
+            <a:r>
+              <a:rPr lang="ko-KR" altLang="en-US"/>
+              <a:t>대신 </a:t>
+            </a:r>
+            <a:r>
+              <a:rPr lang="en-US" altLang="ko-KR"/>
+              <a:t>!== </a:t>
+            </a:r>
+            <a:r>
+              <a:rPr lang="ko-KR" altLang="en-US"/>
+              <a:t>를 사용하라</a:t>
+            </a:r>
+          </a:p>
+        </p:txBody>
+      </p:sp>
+      <p:pic>
+        <p:nvPicPr>
+          <p:cNvPr id="7" name="그림 6">
+            <a:extLst>
+              <a:ext uri="{FF2B5EF4-FFF2-40B4-BE49-F238E27FC236}">
+                <a16:creationId xmlns:a16="http://schemas.microsoft.com/office/drawing/2014/main" id="{E84BCFA4-21FE-4855-B638-8BBE466FCDEE}"/>
+              </a:ext>
+            </a:extLst>
+          </p:cNvPr>
+          <p:cNvPicPr>
+            <a:picLocks noChangeAspect="1"/>
+          </p:cNvPicPr>
+          <p:nvPr/>
+        </p:nvPicPr>
+        <p:blipFill>
+          <a:blip r:embed="rId2"/>
+          <a:stretch>
+            <a:fillRect/>
+          </a:stretch>
+        </p:blipFill>
+        <p:spPr>
+          <a:xfrm>
+            <a:off x="838200" y="1849326"/>
+            <a:ext cx="5304995" cy="3796466"/>
+          </a:xfrm>
+          <a:prstGeom prst="rect">
+            <a:avLst/>
+          </a:prstGeom>
+        </p:spPr>
+      </p:pic>
+    </p:spTree>
+    <p:extLst>
+      <p:ext uri="{BB962C8B-B14F-4D97-AF65-F5344CB8AC3E}">
+        <p14:creationId xmlns:p14="http://schemas.microsoft.com/office/powerpoint/2010/main" val="486178872"/>
+      </p:ext>
+    </p:extLst>
+  </p:cSld>
+  <p:clrMapOvr>
+    <a:masterClrMapping/>
+  </p:clrMapOvr>
+</p:sld>
+</file>
+
+<file path=ppt/slides/slide36.xml><?xml version="1.0" encoding="utf-8"?>
+<p:sld xmlns:a="http://schemas.openxmlformats.org/drawingml/2006/main" xmlns:r="http://schemas.openxmlformats.org/officeDocument/2006/relationships" xmlns:p="http://schemas.openxmlformats.org/presentationml/2006/main">
+  <p:cSld>
+    <p:spTree>
+      <p:nvGrpSpPr>
+        <p:cNvPr id="1" name=""/>
+        <p:cNvGrpSpPr/>
+        <p:nvPr/>
+      </p:nvGrpSpPr>
+      <p:grpSpPr>
+        <a:xfrm>
+          <a:off x="0" y="0"/>
+          <a:ext cx="0" cy="0"/>
+          <a:chOff x="0" y="0"/>
+          <a:chExt cx="0" cy="0"/>
+        </a:xfrm>
+      </p:grpSpPr>
+      <p:sp>
+        <p:nvSpPr>
+          <p:cNvPr id="4" name="TextBox 3">
+            <a:extLst>
+              <a:ext uri="{FF2B5EF4-FFF2-40B4-BE49-F238E27FC236}">
+                <a16:creationId xmlns:a16="http://schemas.microsoft.com/office/drawing/2014/main" id="{B8953DCE-64AD-4730-8AE6-A17E9B46E0A0}"/>
+              </a:ext>
+            </a:extLst>
+          </p:cNvPr>
+          <p:cNvSpPr txBox="1"/>
+          <p:nvPr/>
+        </p:nvSpPr>
+        <p:spPr>
+          <a:xfrm>
+            <a:off x="528822" y="570452"/>
+            <a:ext cx="7157729" cy="646331"/>
+          </a:xfrm>
+          <a:prstGeom prst="rect">
+            <a:avLst/>
+          </a:prstGeom>
+          <a:noFill/>
+        </p:spPr>
+        <p:txBody>
+          <a:bodyPr wrap="none" rtlCol="0">
+            <a:spAutoFit/>
+          </a:bodyPr>
+          <a:lstStyle/>
+          <a:p>
+            <a:r>
+              <a:rPr lang="ko-KR" altLang="en-US"/>
+              <a:t>왜냐면</a:t>
+            </a:r>
+            <a:r>
+              <a:rPr lang="en-US" altLang="ko-KR"/>
+              <a:t>, == </a:t>
+            </a:r>
+            <a:r>
+              <a:rPr lang="ko-KR" altLang="en-US"/>
+              <a:t>또는 </a:t>
+            </a:r>
+            <a:r>
+              <a:rPr lang="en-US" altLang="ko-KR"/>
+              <a:t>!= </a:t>
+            </a:r>
+            <a:r>
+              <a:rPr lang="ko-KR" altLang="en-US"/>
+              <a:t>로만 쓰면 값 비교이기 때문이다</a:t>
+            </a:r>
+            <a:r>
+              <a:rPr lang="en-US" altLang="ko-KR"/>
+              <a:t>.</a:t>
+            </a:r>
+          </a:p>
+          <a:p>
+            <a:r>
+              <a:rPr lang="en-US" altLang="ko-KR"/>
+              <a:t>=== </a:t>
+            </a:r>
+            <a:r>
+              <a:rPr lang="ko-KR" altLang="en-US"/>
+              <a:t>또는 </a:t>
+            </a:r>
+            <a:r>
+              <a:rPr lang="en-US" altLang="ko-KR"/>
+              <a:t>!== </a:t>
+            </a:r>
+            <a:r>
+              <a:rPr lang="ko-KR" altLang="en-US"/>
+              <a:t>로 쓰면 데이터 타입까지 비교하므로 훨씬 정확하다</a:t>
+            </a:r>
+            <a:r>
+              <a:rPr lang="en-US" altLang="ko-KR"/>
+              <a:t>.</a:t>
+            </a:r>
+            <a:endParaRPr lang="ko-KR" altLang="en-US"/>
+          </a:p>
+        </p:txBody>
+      </p:sp>
+      <p:sp>
+        <p:nvSpPr>
+          <p:cNvPr id="7" name="Rectangle 2">
+            <a:extLst>
+              <a:ext uri="{FF2B5EF4-FFF2-40B4-BE49-F238E27FC236}">
+                <a16:creationId xmlns:a16="http://schemas.microsoft.com/office/drawing/2014/main" id="{86013651-E30D-4B3F-8D05-AB577E2E7E9F}"/>
+              </a:ext>
+            </a:extLst>
+          </p:cNvPr>
+          <p:cNvSpPr>
+            <a:spLocks noChangeArrowheads="1"/>
+          </p:cNvSpPr>
+          <p:nvPr/>
+        </p:nvSpPr>
+        <p:spPr bwMode="auto">
+          <a:xfrm>
+            <a:off x="738231" y="1107347"/>
+            <a:ext cx="12192000" cy="457200"/>
+          </a:xfrm>
+          <a:prstGeom prst="rect">
+            <a:avLst/>
+          </a:prstGeom>
+          <a:noFill/>
+          <a:ln>
+            <a:noFill/>
+          </a:ln>
+          <a:effectLst/>
+          <a:extLst>
+            <a:ext uri="{909E8E84-426E-40DD-AFC4-6F175D3DCCD1}">
+              <a14:hiddenFill xmlns:a14="http://schemas.microsoft.com/office/drawing/2010/main">
+                <a:solidFill>
+                  <a:schemeClr val="accent1"/>
+                </a:solidFill>
+              </a14:hiddenFill>
+            </a:ext>
+            <a:ext uri="{91240B29-F687-4F45-9708-019B960494DF}">
+              <a14:hiddenLine xmlns:a14="http://schemas.microsoft.com/office/drawing/2010/main" w="9525">
+                <a:solidFill>
+                  <a:schemeClr val="tx1"/>
+                </a:solidFill>
+                <a:miter lim="800000"/>
+                <a:headEnd/>
+                <a:tailEnd/>
+              </a14:hiddenLine>
+            </a:ext>
+            <a:ext uri="{AF507438-7753-43E0-B8FC-AC1667EBCBE1}">
+              <a14:hiddenEffects xmlns:a14="http://schemas.microsoft.com/office/drawing/2010/main">
+                <a:effectLst>
+                  <a:outerShdw dist="35921" dir="2700000" algn="ctr" rotWithShape="0">
+                    <a:schemeClr val="bg2"/>
+                  </a:outerShdw>
+                </a:effectLst>
+              </a14:hiddenEffects>
+            </a:ext>
+          </a:extLst>
+        </p:spPr>
+        <p:txBody>
+          <a:bodyPr vert="horz" wrap="none" lIns="91440" tIns="45720" rIns="91440" bIns="45720" numCol="1" anchor="ctr" anchorCtr="0" compatLnSpc="1">
+            <a:prstTxWarp prst="textNoShape">
+              <a:avLst/>
+            </a:prstTxWarp>
+            <a:spAutoFit/>
+          </a:bodyPr>
+          <a:lstStyle/>
+          <a:p>
+            <a:endParaRPr lang="ko-KR" altLang="en-US"/>
+          </a:p>
+        </p:txBody>
+      </p:sp>
+      <p:pic>
+        <p:nvPicPr>
+          <p:cNvPr id="4097" name="_x157760672">
+            <a:extLst>
+              <a:ext uri="{FF2B5EF4-FFF2-40B4-BE49-F238E27FC236}">
+                <a16:creationId xmlns:a16="http://schemas.microsoft.com/office/drawing/2014/main" id="{31A8C602-F7BE-4B2D-A424-4C91E1CEEF0A}"/>
+              </a:ext>
+            </a:extLst>
+          </p:cNvPr>
+          <p:cNvPicPr>
+            <a:picLocks noChangeAspect="1" noChangeArrowheads="1"/>
+          </p:cNvPicPr>
+          <p:nvPr/>
+        </p:nvPicPr>
+        <p:blipFill>
+          <a:blip r:embed="rId2">
+            <a:extLst>
+              <a:ext uri="{28A0092B-C50C-407E-A947-70E740481C1C}">
+                <a14:useLocalDpi xmlns:a14="http://schemas.microsoft.com/office/drawing/2010/main" val="0"/>
+              </a:ext>
+            </a:extLst>
+          </a:blip>
+          <a:srcRect/>
+          <a:stretch>
+            <a:fillRect/>
+          </a:stretch>
+        </p:blipFill>
+        <p:spPr bwMode="auto">
+          <a:xfrm>
+            <a:off x="738230" y="1564547"/>
+            <a:ext cx="6818649" cy="2520892"/>
+          </a:xfrm>
+          <a:prstGeom prst="rect">
+            <a:avLst/>
+          </a:prstGeom>
+          <a:noFill/>
+          <a:extLst>
+            <a:ext uri="{909E8E84-426E-40DD-AFC4-6F175D3DCCD1}">
+              <a14:hiddenFill xmlns:a14="http://schemas.microsoft.com/office/drawing/2010/main">
+                <a:solidFill>
+                  <a:srgbClr val="FFFFFF"/>
+                </a:solidFill>
+              </a14:hiddenFill>
+            </a:ext>
+          </a:extLst>
+        </p:spPr>
+      </p:pic>
+    </p:spTree>
+    <p:extLst>
+      <p:ext uri="{BB962C8B-B14F-4D97-AF65-F5344CB8AC3E}">
+        <p14:creationId xmlns:p14="http://schemas.microsoft.com/office/powerpoint/2010/main" val="527318422"/>
+      </p:ext>
+    </p:extLst>
+  </p:cSld>
+  <p:clrMapOvr>
+    <a:masterClrMapping/>
+  </p:clrMapOvr>
+</p:sld>
+</file>
+
+<file path=ppt/slides/slide37.xml><?xml version="1.0" encoding="utf-8"?>
+<p:sld xmlns:a="http://schemas.openxmlformats.org/drawingml/2006/main" xmlns:r="http://schemas.openxmlformats.org/officeDocument/2006/relationships" xmlns:p="http://schemas.openxmlformats.org/presentationml/2006/main">
+  <p:cSld>
+    <p:spTree>
+      <p:nvGrpSpPr>
+        <p:cNvPr id="1" name=""/>
+        <p:cNvGrpSpPr/>
+        <p:nvPr/>
+      </p:nvGrpSpPr>
+      <p:grpSpPr>
+        <a:xfrm>
+          <a:off x="0" y="0"/>
+          <a:ext cx="0" cy="0"/>
+          <a:chOff x="0" y="0"/>
+          <a:chExt cx="0" cy="0"/>
+        </a:xfrm>
+      </p:grpSpPr>
+      <p:sp>
+        <p:nvSpPr>
+          <p:cNvPr id="2" name="제목 1">
+            <a:extLst>
+              <a:ext uri="{FF2B5EF4-FFF2-40B4-BE49-F238E27FC236}">
+                <a16:creationId xmlns:a16="http://schemas.microsoft.com/office/drawing/2014/main" id="{4626FBCA-86BC-4FA8-8540-89FB7098B3EB}"/>
+              </a:ext>
+            </a:extLst>
+          </p:cNvPr>
+          <p:cNvSpPr>
+            <a:spLocks noGrp="1"/>
+          </p:cNvSpPr>
+          <p:nvPr>
+            <p:ph type="title"/>
+          </p:nvPr>
+        </p:nvSpPr>
+        <p:spPr/>
+        <p:txBody>
+          <a:bodyPr/>
+          <a:lstStyle/>
+          <a:p>
+            <a:r>
+              <a:rPr lang="en-US" altLang="ko-KR"/>
+              <a:t>&gt;, &lt;, &gt;=, &lt;=</a:t>
+            </a:r>
+            <a:endParaRPr lang="ko-KR" altLang="en-US"/>
+          </a:p>
+        </p:txBody>
+      </p:sp>
+      <p:sp>
+        <p:nvSpPr>
+          <p:cNvPr id="3" name="내용 개체 틀 2">
+            <a:extLst>
+              <a:ext uri="{FF2B5EF4-FFF2-40B4-BE49-F238E27FC236}">
+                <a16:creationId xmlns:a16="http://schemas.microsoft.com/office/drawing/2014/main" id="{C86BD00E-F4B3-4853-89DA-DDC80BD9A990}"/>
+              </a:ext>
+            </a:extLst>
+          </p:cNvPr>
+          <p:cNvSpPr>
+            <a:spLocks noGrp="1"/>
+          </p:cNvSpPr>
+          <p:nvPr>
+            <p:ph idx="1"/>
+          </p:nvPr>
+        </p:nvSpPr>
+        <p:spPr>
+          <a:xfrm>
+            <a:off x="823912" y="1441007"/>
+            <a:ext cx="10515600" cy="498125"/>
+          </a:xfrm>
+        </p:spPr>
+        <p:txBody>
+          <a:bodyPr/>
+          <a:lstStyle/>
+          <a:p>
+            <a:r>
+              <a:rPr lang="ko-KR" altLang="en-US"/>
+              <a:t>대소비교 역시 가능하다</a:t>
+            </a:r>
+            <a:r>
+              <a:rPr lang="en-US" altLang="ko-KR"/>
+              <a:t>. </a:t>
+            </a:r>
+          </a:p>
+        </p:txBody>
+      </p:sp>
+      <p:pic>
+        <p:nvPicPr>
+          <p:cNvPr id="5" name="그림 4">
+            <a:extLst>
+              <a:ext uri="{FF2B5EF4-FFF2-40B4-BE49-F238E27FC236}">
+                <a16:creationId xmlns:a16="http://schemas.microsoft.com/office/drawing/2014/main" id="{7D24C9A7-78A6-447D-A1FE-9B94692CD438}"/>
+              </a:ext>
+            </a:extLst>
+          </p:cNvPr>
+          <p:cNvPicPr>
+            <a:picLocks noChangeAspect="1"/>
+          </p:cNvPicPr>
+          <p:nvPr/>
+        </p:nvPicPr>
+        <p:blipFill>
+          <a:blip r:embed="rId2"/>
+          <a:stretch>
+            <a:fillRect/>
+          </a:stretch>
+        </p:blipFill>
+        <p:spPr>
+          <a:xfrm>
+            <a:off x="823912" y="2323750"/>
+            <a:ext cx="7572855" cy="3294639"/>
+          </a:xfrm>
+          <a:prstGeom prst="rect">
+            <a:avLst/>
+          </a:prstGeom>
+        </p:spPr>
+      </p:pic>
+      <p:sp>
+        <p:nvSpPr>
+          <p:cNvPr id="6" name="TextBox 5">
+            <a:extLst>
+              <a:ext uri="{FF2B5EF4-FFF2-40B4-BE49-F238E27FC236}">
+                <a16:creationId xmlns:a16="http://schemas.microsoft.com/office/drawing/2014/main" id="{E27F3CEF-5E8F-4E7B-A255-2CC1205330F6}"/>
+              </a:ext>
+            </a:extLst>
+          </p:cNvPr>
+          <p:cNvSpPr txBox="1"/>
+          <p:nvPr/>
+        </p:nvSpPr>
+        <p:spPr>
+          <a:xfrm>
+            <a:off x="947956" y="5947794"/>
+            <a:ext cx="697627" cy="369332"/>
+          </a:xfrm>
+          <a:prstGeom prst="rect">
+            <a:avLst/>
+          </a:prstGeom>
+          <a:noFill/>
+        </p:spPr>
+        <p:txBody>
+          <a:bodyPr wrap="none" rtlCol="0">
+            <a:spAutoFit/>
+          </a:bodyPr>
+          <a:lstStyle/>
+          <a:p>
+            <a:r>
+              <a:rPr lang="ko-KR" altLang="en-US"/>
+              <a:t>결과</a:t>
+            </a:r>
+            <a:r>
+              <a:rPr lang="en-US" altLang="ko-KR"/>
+              <a:t>:</a:t>
+            </a:r>
+            <a:endParaRPr lang="ko-KR" altLang="en-US"/>
+          </a:p>
+        </p:txBody>
+      </p:sp>
+      <p:pic>
+        <p:nvPicPr>
+          <p:cNvPr id="8" name="그림 7">
+            <a:extLst>
+              <a:ext uri="{FF2B5EF4-FFF2-40B4-BE49-F238E27FC236}">
+                <a16:creationId xmlns:a16="http://schemas.microsoft.com/office/drawing/2014/main" id="{238049C0-7556-49B8-A141-D88CB7A00CEE}"/>
+              </a:ext>
+            </a:extLst>
+          </p:cNvPr>
+          <p:cNvPicPr>
+            <a:picLocks noChangeAspect="1"/>
+          </p:cNvPicPr>
+          <p:nvPr/>
+        </p:nvPicPr>
+        <p:blipFill>
+          <a:blip r:embed="rId3"/>
+          <a:stretch>
+            <a:fillRect/>
+          </a:stretch>
+        </p:blipFill>
+        <p:spPr>
+          <a:xfrm>
+            <a:off x="1705368" y="5889501"/>
+            <a:ext cx="1952625" cy="361950"/>
+          </a:xfrm>
+          <a:prstGeom prst="rect">
+            <a:avLst/>
+          </a:prstGeom>
+        </p:spPr>
+      </p:pic>
+      <p:sp>
+        <p:nvSpPr>
+          <p:cNvPr id="9" name="TextBox 8">
+            <a:extLst>
+              <a:ext uri="{FF2B5EF4-FFF2-40B4-BE49-F238E27FC236}">
+                <a16:creationId xmlns:a16="http://schemas.microsoft.com/office/drawing/2014/main" id="{A6731CA2-8875-4E6D-9E07-FC246638FF05}"/>
+              </a:ext>
+            </a:extLst>
+          </p:cNvPr>
+          <p:cNvSpPr txBox="1"/>
+          <p:nvPr/>
+        </p:nvSpPr>
+        <p:spPr>
+          <a:xfrm>
+            <a:off x="4907560" y="5947794"/>
+            <a:ext cx="5865708" cy="369332"/>
+          </a:xfrm>
+          <a:prstGeom prst="rect">
+            <a:avLst/>
+          </a:prstGeom>
+          <a:noFill/>
+        </p:spPr>
+        <p:txBody>
+          <a:bodyPr wrap="none" rtlCol="0">
+            <a:spAutoFit/>
+          </a:bodyPr>
+          <a:lstStyle/>
+          <a:p>
+            <a:r>
+              <a:rPr lang="ko-KR" altLang="en-US"/>
+              <a:t>만약</a:t>
+            </a:r>
+            <a:r>
+              <a:rPr lang="en-US" altLang="ko-KR"/>
+              <a:t>, 20</a:t>
+            </a:r>
+            <a:r>
+              <a:rPr lang="ko-KR" altLang="en-US"/>
+              <a:t>세도 포함하고 싶다면 </a:t>
+            </a:r>
+            <a:r>
+              <a:rPr lang="en-US" altLang="ko-KR"/>
+              <a:t>&gt; </a:t>
+            </a:r>
+            <a:r>
+              <a:rPr lang="ko-KR" altLang="en-US"/>
+              <a:t>대신 </a:t>
+            </a:r>
+            <a:r>
+              <a:rPr lang="en-US" altLang="ko-KR"/>
+              <a:t>&gt;= </a:t>
+            </a:r>
+            <a:r>
+              <a:rPr lang="ko-KR" altLang="en-US"/>
+              <a:t>를 쓰면 된다</a:t>
+            </a:r>
+            <a:r>
+              <a:rPr lang="en-US" altLang="ko-KR"/>
+              <a:t>.</a:t>
+            </a:r>
+            <a:endParaRPr lang="ko-KR" altLang="en-US"/>
+          </a:p>
+        </p:txBody>
+      </p:sp>
+    </p:spTree>
+    <p:extLst>
+      <p:ext uri="{BB962C8B-B14F-4D97-AF65-F5344CB8AC3E}">
+        <p14:creationId xmlns:p14="http://schemas.microsoft.com/office/powerpoint/2010/main" val="314851470"/>
+      </p:ext>
+    </p:extLst>
+  </p:cSld>
+  <p:clrMapOvr>
+    <a:masterClrMapping/>
+  </p:clrMapOvr>
+</p:sld>
+</file>
+
+<file path=ppt/slides/slide38.xml><?xml version="1.0" encoding="utf-8"?>
+<p:sld xmlns:a="http://schemas.openxmlformats.org/drawingml/2006/main" xmlns:r="http://schemas.openxmlformats.org/officeDocument/2006/relationships" xmlns:p="http://schemas.openxmlformats.org/presentationml/2006/main">
+  <p:cSld>
+    <p:spTree>
+      <p:nvGrpSpPr>
+        <p:cNvPr id="1" name=""/>
+        <p:cNvGrpSpPr/>
+        <p:nvPr/>
+      </p:nvGrpSpPr>
+      <p:grpSpPr>
+        <a:xfrm>
+          <a:off x="0" y="0"/>
+          <a:ext cx="0" cy="0"/>
+          <a:chOff x="0" y="0"/>
+          <a:chExt cx="0" cy="0"/>
+        </a:xfrm>
+      </p:grpSpPr>
+      <p:sp>
+        <p:nvSpPr>
+          <p:cNvPr id="2" name="제목 1">
+            <a:extLst>
+              <a:ext uri="{FF2B5EF4-FFF2-40B4-BE49-F238E27FC236}">
+                <a16:creationId xmlns:a16="http://schemas.microsoft.com/office/drawing/2014/main" id="{9832EB1E-6351-412C-922D-3ECD19CB7602}"/>
+              </a:ext>
+            </a:extLst>
+          </p:cNvPr>
+          <p:cNvSpPr>
+            <a:spLocks noGrp="1"/>
+          </p:cNvSpPr>
+          <p:nvPr>
+            <p:ph type="title"/>
+          </p:nvPr>
+        </p:nvSpPr>
+        <p:spPr/>
+        <p:txBody>
+          <a:bodyPr/>
+          <a:lstStyle/>
+          <a:p>
+            <a:r>
+              <a:rPr lang="ko-KR" altLang="en-US"/>
+              <a:t>조건 안에 조건도 가능하다</a:t>
+            </a:r>
+          </a:p>
+        </p:txBody>
+      </p:sp>
+      <p:pic>
+        <p:nvPicPr>
+          <p:cNvPr id="5" name="그림 4">
+            <a:extLst>
+              <a:ext uri="{FF2B5EF4-FFF2-40B4-BE49-F238E27FC236}">
+                <a16:creationId xmlns:a16="http://schemas.microsoft.com/office/drawing/2014/main" id="{6FD7B13F-8B4B-4D09-93F3-55D5CFAA1241}"/>
+              </a:ext>
+            </a:extLst>
+          </p:cNvPr>
+          <p:cNvPicPr>
+            <a:picLocks noChangeAspect="1"/>
+          </p:cNvPicPr>
+          <p:nvPr/>
+        </p:nvPicPr>
+        <p:blipFill>
+          <a:blip r:embed="rId2"/>
+          <a:stretch>
+            <a:fillRect/>
+          </a:stretch>
+        </p:blipFill>
+        <p:spPr>
+          <a:xfrm>
+            <a:off x="838200" y="1426861"/>
+            <a:ext cx="7136706" cy="4885853"/>
+          </a:xfrm>
+          <a:prstGeom prst="rect">
+            <a:avLst/>
+          </a:prstGeom>
+        </p:spPr>
+      </p:pic>
+    </p:spTree>
+    <p:extLst>
+      <p:ext uri="{BB962C8B-B14F-4D97-AF65-F5344CB8AC3E}">
+        <p14:creationId xmlns:p14="http://schemas.microsoft.com/office/powerpoint/2010/main" val="103306379"/>
+      </p:ext>
+    </p:extLst>
+  </p:cSld>
+  <p:clrMapOvr>
+    <a:masterClrMapping/>
+  </p:clrMapOvr>
+</p:sld>
+</file>
+
+<file path=ppt/slides/slide39.xml><?xml version="1.0" encoding="utf-8"?>
+<p:sld xmlns:a="http://schemas.openxmlformats.org/drawingml/2006/main" xmlns:r="http://schemas.openxmlformats.org/officeDocument/2006/relationships" xmlns:p="http://schemas.openxmlformats.org/presentationml/2006/main">
+  <p:cSld>
+    <p:spTree>
+      <p:nvGrpSpPr>
+        <p:cNvPr id="1" name=""/>
+        <p:cNvGrpSpPr/>
+        <p:nvPr/>
+      </p:nvGrpSpPr>
+      <p:grpSpPr>
+        <a:xfrm>
+          <a:off x="0" y="0"/>
+          <a:ext cx="0" cy="0"/>
+          <a:chOff x="0" y="0"/>
+          <a:chExt cx="0" cy="0"/>
+        </a:xfrm>
+      </p:grpSpPr>
+      <p:sp>
+        <p:nvSpPr>
+          <p:cNvPr id="2" name="제목 1">
+            <a:extLst>
+              <a:ext uri="{FF2B5EF4-FFF2-40B4-BE49-F238E27FC236}">
+                <a16:creationId xmlns:a16="http://schemas.microsoft.com/office/drawing/2014/main" id="{E5DB0BB8-5D35-4DD0-A4B3-717BF67045F4}"/>
+              </a:ext>
+            </a:extLst>
+          </p:cNvPr>
+          <p:cNvSpPr>
+            <a:spLocks noGrp="1"/>
+          </p:cNvSpPr>
+          <p:nvPr>
+            <p:ph type="title"/>
+          </p:nvPr>
+        </p:nvSpPr>
+        <p:spPr/>
+        <p:txBody>
+          <a:bodyPr/>
+          <a:lstStyle/>
+          <a:p>
+            <a:r>
+              <a:rPr lang="ko-KR" altLang="en-US"/>
+              <a:t>조건이 </a:t>
+            </a:r>
+            <a:r>
+              <a:rPr lang="en-US" altLang="ko-KR"/>
+              <a:t>true </a:t>
+            </a:r>
+            <a:r>
+              <a:rPr lang="ko-KR" altLang="en-US"/>
+              <a:t>일 경우</a:t>
+            </a:r>
+          </a:p>
+        </p:txBody>
+      </p:sp>
+      <p:sp>
+        <p:nvSpPr>
+          <p:cNvPr id="3" name="내용 개체 틀 2">
+            <a:extLst>
+              <a:ext uri="{FF2B5EF4-FFF2-40B4-BE49-F238E27FC236}">
+                <a16:creationId xmlns:a16="http://schemas.microsoft.com/office/drawing/2014/main" id="{FE1E30AF-8C0E-4915-AE33-51D9E5A031F8}"/>
+              </a:ext>
+            </a:extLst>
+          </p:cNvPr>
+          <p:cNvSpPr>
+            <a:spLocks noGrp="1"/>
+          </p:cNvSpPr>
+          <p:nvPr>
+            <p:ph idx="1"/>
+          </p:nvPr>
+        </p:nvSpPr>
+        <p:spPr>
+          <a:xfrm>
+            <a:off x="838200" y="1825625"/>
+            <a:ext cx="10515600" cy="598793"/>
+          </a:xfrm>
+        </p:spPr>
+        <p:txBody>
+          <a:bodyPr/>
+          <a:lstStyle/>
+          <a:p>
+            <a:r>
+              <a:rPr lang="ko-KR" altLang="en-US"/>
+              <a:t>다음은 기본이니 알고있을 것이다</a:t>
+            </a:r>
+            <a:r>
+              <a:rPr lang="en-US" altLang="ko-KR"/>
+              <a:t>.</a:t>
+            </a:r>
+            <a:endParaRPr lang="ko-KR" altLang="en-US"/>
+          </a:p>
+        </p:txBody>
+      </p:sp>
+      <p:pic>
+        <p:nvPicPr>
+          <p:cNvPr id="5" name="그림 4">
+            <a:extLst>
+              <a:ext uri="{FF2B5EF4-FFF2-40B4-BE49-F238E27FC236}">
+                <a16:creationId xmlns:a16="http://schemas.microsoft.com/office/drawing/2014/main" id="{6319666B-12AA-4F93-915A-3BEAB19C64FD}"/>
+              </a:ext>
+            </a:extLst>
+          </p:cNvPr>
+          <p:cNvPicPr>
+            <a:picLocks noChangeAspect="1"/>
+          </p:cNvPicPr>
+          <p:nvPr/>
+        </p:nvPicPr>
+        <p:blipFill>
+          <a:blip r:embed="rId2"/>
+          <a:stretch>
+            <a:fillRect/>
+          </a:stretch>
+        </p:blipFill>
+        <p:spPr>
+          <a:xfrm>
+            <a:off x="838200" y="2338083"/>
+            <a:ext cx="6972300" cy="2095500"/>
+          </a:xfrm>
+          <a:prstGeom prst="rect">
+            <a:avLst/>
+          </a:prstGeom>
+        </p:spPr>
+      </p:pic>
+    </p:spTree>
+    <p:extLst>
+      <p:ext uri="{BB962C8B-B14F-4D97-AF65-F5344CB8AC3E}">
+        <p14:creationId xmlns:p14="http://schemas.microsoft.com/office/powerpoint/2010/main" val="1871002920"/>
       </p:ext>
     </p:extLst>
   </p:cSld>
@@ -4522,6 +9901,828 @@
     <p:extLst>
       <p:ext uri="{BB962C8B-B14F-4D97-AF65-F5344CB8AC3E}">
         <p14:creationId xmlns:p14="http://schemas.microsoft.com/office/powerpoint/2010/main" val="1842320765"/>
+      </p:ext>
+    </p:extLst>
+  </p:cSld>
+  <p:clrMapOvr>
+    <a:masterClrMapping/>
+  </p:clrMapOvr>
+</p:sld>
+</file>
+
+<file path=ppt/slides/slide40.xml><?xml version="1.0" encoding="utf-8"?>
+<p:sld xmlns:a="http://schemas.openxmlformats.org/drawingml/2006/main" xmlns:r="http://schemas.openxmlformats.org/officeDocument/2006/relationships" xmlns:p="http://schemas.openxmlformats.org/presentationml/2006/main">
+  <p:cSld>
+    <p:spTree>
+      <p:nvGrpSpPr>
+        <p:cNvPr id="1" name=""/>
+        <p:cNvGrpSpPr/>
+        <p:nvPr/>
+      </p:nvGrpSpPr>
+      <p:grpSpPr>
+        <a:xfrm>
+          <a:off x="0" y="0"/>
+          <a:ext cx="0" cy="0"/>
+          <a:chOff x="0" y="0"/>
+          <a:chExt cx="0" cy="0"/>
+        </a:xfrm>
+      </p:grpSpPr>
+      <p:pic>
+        <p:nvPicPr>
+          <p:cNvPr id="5" name="그림 4">
+            <a:extLst>
+              <a:ext uri="{FF2B5EF4-FFF2-40B4-BE49-F238E27FC236}">
+                <a16:creationId xmlns:a16="http://schemas.microsoft.com/office/drawing/2014/main" id="{2FCDDDD9-6C11-4AE7-90EF-738DE6942FB8}"/>
+              </a:ext>
+            </a:extLst>
+          </p:cNvPr>
+          <p:cNvPicPr>
+            <a:picLocks noChangeAspect="1"/>
+          </p:cNvPicPr>
+          <p:nvPr/>
+        </p:nvPicPr>
+        <p:blipFill>
+          <a:blip r:embed="rId2"/>
+          <a:stretch>
+            <a:fillRect/>
+          </a:stretch>
+        </p:blipFill>
+        <p:spPr>
+          <a:xfrm>
+            <a:off x="1001174" y="882519"/>
+            <a:ext cx="4998055" cy="2146533"/>
+          </a:xfrm>
+          <a:prstGeom prst="rect">
+            <a:avLst/>
+          </a:prstGeom>
+        </p:spPr>
+      </p:pic>
+      <p:sp>
+        <p:nvSpPr>
+          <p:cNvPr id="6" name="TextBox 5">
+            <a:extLst>
+              <a:ext uri="{FF2B5EF4-FFF2-40B4-BE49-F238E27FC236}">
+                <a16:creationId xmlns:a16="http://schemas.microsoft.com/office/drawing/2014/main" id="{838E9C1B-4567-4259-995C-323247C61079}"/>
+              </a:ext>
+            </a:extLst>
+          </p:cNvPr>
+          <p:cNvSpPr txBox="1"/>
+          <p:nvPr/>
+        </p:nvSpPr>
+        <p:spPr>
+          <a:xfrm>
+            <a:off x="932576" y="3171725"/>
+            <a:ext cx="697627" cy="369332"/>
+          </a:xfrm>
+          <a:prstGeom prst="rect">
+            <a:avLst/>
+          </a:prstGeom>
+          <a:noFill/>
+        </p:spPr>
+        <p:txBody>
+          <a:bodyPr wrap="none" rtlCol="0">
+            <a:spAutoFit/>
+          </a:bodyPr>
+          <a:lstStyle/>
+          <a:p>
+            <a:r>
+              <a:rPr lang="ko-KR" altLang="en-US"/>
+              <a:t>결과</a:t>
+            </a:r>
+            <a:r>
+              <a:rPr lang="en-US" altLang="ko-KR"/>
+              <a:t>:</a:t>
+            </a:r>
+            <a:endParaRPr lang="ko-KR" altLang="en-US"/>
+          </a:p>
+        </p:txBody>
+      </p:sp>
+      <p:pic>
+        <p:nvPicPr>
+          <p:cNvPr id="8" name="그림 7">
+            <a:extLst>
+              <a:ext uri="{FF2B5EF4-FFF2-40B4-BE49-F238E27FC236}">
+                <a16:creationId xmlns:a16="http://schemas.microsoft.com/office/drawing/2014/main" id="{63994C56-8EE0-4E82-B1C8-E1292905C8FD}"/>
+              </a:ext>
+            </a:extLst>
+          </p:cNvPr>
+          <p:cNvPicPr>
+            <a:picLocks noChangeAspect="1"/>
+          </p:cNvPicPr>
+          <p:nvPr/>
+        </p:nvPicPr>
+        <p:blipFill>
+          <a:blip r:embed="rId3"/>
+          <a:stretch>
+            <a:fillRect/>
+          </a:stretch>
+        </p:blipFill>
+        <p:spPr>
+          <a:xfrm>
+            <a:off x="1694051" y="3171725"/>
+            <a:ext cx="781050" cy="419100"/>
+          </a:xfrm>
+          <a:prstGeom prst="rect">
+            <a:avLst/>
+          </a:prstGeom>
+        </p:spPr>
+      </p:pic>
+      <p:sp>
+        <p:nvSpPr>
+          <p:cNvPr id="9" name="TextBox 8">
+            <a:extLst>
+              <a:ext uri="{FF2B5EF4-FFF2-40B4-BE49-F238E27FC236}">
+                <a16:creationId xmlns:a16="http://schemas.microsoft.com/office/drawing/2014/main" id="{C3578295-2C82-4D70-8EC6-F878EAF31865}"/>
+              </a:ext>
+            </a:extLst>
+          </p:cNvPr>
+          <p:cNvSpPr txBox="1"/>
+          <p:nvPr/>
+        </p:nvSpPr>
+        <p:spPr>
+          <a:xfrm>
+            <a:off x="2708158" y="3059082"/>
+            <a:ext cx="6087179" cy="369332"/>
+          </a:xfrm>
+          <a:prstGeom prst="rect">
+            <a:avLst/>
+          </a:prstGeom>
+          <a:noFill/>
+        </p:spPr>
+        <p:txBody>
+          <a:bodyPr wrap="none" rtlCol="0">
+            <a:spAutoFit/>
+          </a:bodyPr>
+          <a:lstStyle/>
+          <a:p>
+            <a:r>
+              <a:rPr lang="ko-KR" altLang="en-US"/>
+              <a:t>즉</a:t>
+            </a:r>
+            <a:r>
+              <a:rPr lang="en-US" altLang="ko-KR"/>
+              <a:t>, JavaScript</a:t>
+            </a:r>
+            <a:r>
+              <a:rPr lang="ko-KR" altLang="en-US"/>
+              <a:t>는 뭐라도 들어가있으면 </a:t>
+            </a:r>
+            <a:r>
+              <a:rPr lang="en-US" altLang="ko-KR"/>
+              <a:t>true </a:t>
+            </a:r>
+            <a:r>
+              <a:rPr lang="ko-KR" altLang="en-US"/>
+              <a:t>로 받아들인다</a:t>
+            </a:r>
+            <a:r>
+              <a:rPr lang="en-US" altLang="ko-KR"/>
+              <a:t>.</a:t>
+            </a:r>
+            <a:endParaRPr lang="ko-KR" altLang="en-US"/>
+          </a:p>
+        </p:txBody>
+      </p:sp>
+      <p:sp>
+        <p:nvSpPr>
+          <p:cNvPr id="12" name="TextBox 11">
+            <a:extLst>
+              <a:ext uri="{FF2B5EF4-FFF2-40B4-BE49-F238E27FC236}">
+                <a16:creationId xmlns:a16="http://schemas.microsoft.com/office/drawing/2014/main" id="{880703DB-4C93-4EA2-B69D-A5D465514431}"/>
+              </a:ext>
+            </a:extLst>
+          </p:cNvPr>
+          <p:cNvSpPr txBox="1"/>
+          <p:nvPr/>
+        </p:nvSpPr>
+        <p:spPr>
+          <a:xfrm>
+            <a:off x="932576" y="370514"/>
+            <a:ext cx="2977097" cy="369332"/>
+          </a:xfrm>
+          <a:prstGeom prst="rect">
+            <a:avLst/>
+          </a:prstGeom>
+          <a:noFill/>
+        </p:spPr>
+        <p:txBody>
+          <a:bodyPr wrap="none" rtlCol="0">
+            <a:spAutoFit/>
+          </a:bodyPr>
+          <a:lstStyle/>
+          <a:p>
+            <a:r>
+              <a:rPr lang="ko-KR" altLang="en-US"/>
+              <a:t>다음의 경우도 역시 </a:t>
+            </a:r>
+            <a:r>
+              <a:rPr lang="en-US" altLang="ko-KR"/>
+              <a:t>true</a:t>
+            </a:r>
+            <a:r>
+              <a:rPr lang="ko-KR" altLang="en-US"/>
+              <a:t>다</a:t>
+            </a:r>
+            <a:r>
+              <a:rPr lang="en-US" altLang="ko-KR"/>
+              <a:t>.</a:t>
+            </a:r>
+            <a:endParaRPr lang="ko-KR" altLang="en-US"/>
+          </a:p>
+        </p:txBody>
+      </p:sp>
+      <p:pic>
+        <p:nvPicPr>
+          <p:cNvPr id="14" name="그림 13">
+            <a:extLst>
+              <a:ext uri="{FF2B5EF4-FFF2-40B4-BE49-F238E27FC236}">
+                <a16:creationId xmlns:a16="http://schemas.microsoft.com/office/drawing/2014/main" id="{C32FA016-3A7D-40BE-A466-78BA00EAA21E}"/>
+              </a:ext>
+            </a:extLst>
+          </p:cNvPr>
+          <p:cNvPicPr>
+            <a:picLocks noChangeAspect="1"/>
+          </p:cNvPicPr>
+          <p:nvPr/>
+        </p:nvPicPr>
+        <p:blipFill>
+          <a:blip r:embed="rId4"/>
+          <a:stretch>
+            <a:fillRect/>
+          </a:stretch>
+        </p:blipFill>
+        <p:spPr>
+          <a:xfrm>
+            <a:off x="932576" y="3791243"/>
+            <a:ext cx="5684939" cy="2345037"/>
+          </a:xfrm>
+          <a:prstGeom prst="rect">
+            <a:avLst/>
+          </a:prstGeom>
+        </p:spPr>
+      </p:pic>
+      <p:sp>
+        <p:nvSpPr>
+          <p:cNvPr id="15" name="TextBox 14">
+            <a:extLst>
+              <a:ext uri="{FF2B5EF4-FFF2-40B4-BE49-F238E27FC236}">
+                <a16:creationId xmlns:a16="http://schemas.microsoft.com/office/drawing/2014/main" id="{A7E4059A-2C28-4C34-A0F4-1CDA2725A1C2}"/>
+              </a:ext>
+            </a:extLst>
+          </p:cNvPr>
+          <p:cNvSpPr txBox="1"/>
+          <p:nvPr/>
+        </p:nvSpPr>
+        <p:spPr>
+          <a:xfrm>
+            <a:off x="1001174" y="6384022"/>
+            <a:ext cx="779381" cy="369332"/>
+          </a:xfrm>
+          <a:prstGeom prst="rect">
+            <a:avLst/>
+          </a:prstGeom>
+          <a:noFill/>
+        </p:spPr>
+        <p:txBody>
+          <a:bodyPr wrap="none" rtlCol="0">
+            <a:spAutoFit/>
+          </a:bodyPr>
+          <a:lstStyle/>
+          <a:p>
+            <a:r>
+              <a:rPr lang="ko-KR" altLang="en-US"/>
+              <a:t>결과</a:t>
+            </a:r>
+            <a:r>
+              <a:rPr lang="en-US" altLang="ko-KR"/>
+              <a:t>:</a:t>
+            </a:r>
+            <a:r>
+              <a:rPr lang="ko-KR" altLang="en-US"/>
+              <a:t> </a:t>
+            </a:r>
+          </a:p>
+        </p:txBody>
+      </p:sp>
+      <p:pic>
+        <p:nvPicPr>
+          <p:cNvPr id="17" name="그림 16">
+            <a:extLst>
+              <a:ext uri="{FF2B5EF4-FFF2-40B4-BE49-F238E27FC236}">
+                <a16:creationId xmlns:a16="http://schemas.microsoft.com/office/drawing/2014/main" id="{F510A409-8B56-4DE7-8CB0-24C20272BF8B}"/>
+              </a:ext>
+            </a:extLst>
+          </p:cNvPr>
+          <p:cNvPicPr>
+            <a:picLocks noChangeAspect="1"/>
+          </p:cNvPicPr>
+          <p:nvPr/>
+        </p:nvPicPr>
+        <p:blipFill>
+          <a:blip r:embed="rId5"/>
+          <a:stretch>
+            <a:fillRect/>
+          </a:stretch>
+        </p:blipFill>
+        <p:spPr>
+          <a:xfrm>
+            <a:off x="1682936" y="6336698"/>
+            <a:ext cx="1476375" cy="371475"/>
+          </a:xfrm>
+          <a:prstGeom prst="rect">
+            <a:avLst/>
+          </a:prstGeom>
+        </p:spPr>
+      </p:pic>
+      <p:sp>
+        <p:nvSpPr>
+          <p:cNvPr id="18" name="TextBox 17">
+            <a:extLst>
+              <a:ext uri="{FF2B5EF4-FFF2-40B4-BE49-F238E27FC236}">
+                <a16:creationId xmlns:a16="http://schemas.microsoft.com/office/drawing/2014/main" id="{79E6F1BB-0BED-443B-9CD9-B9142E0CAE92}"/>
+              </a:ext>
+            </a:extLst>
+          </p:cNvPr>
+          <p:cNvSpPr txBox="1"/>
+          <p:nvPr/>
+        </p:nvSpPr>
+        <p:spPr>
+          <a:xfrm>
+            <a:off x="3431097" y="6384022"/>
+            <a:ext cx="3575018" cy="369332"/>
+          </a:xfrm>
+          <a:prstGeom prst="rect">
+            <a:avLst/>
+          </a:prstGeom>
+          <a:noFill/>
+        </p:spPr>
+        <p:txBody>
+          <a:bodyPr wrap="none" rtlCol="0">
+            <a:spAutoFit/>
+          </a:bodyPr>
+          <a:lstStyle/>
+          <a:p>
+            <a:r>
+              <a:rPr lang="ko-KR" altLang="en-US"/>
+              <a:t>빈 문자열이기 때문에 </a:t>
+            </a:r>
+            <a:r>
+              <a:rPr lang="en-US" altLang="ko-KR"/>
+              <a:t>false </a:t>
+            </a:r>
+            <a:r>
+              <a:rPr lang="ko-KR" altLang="en-US"/>
+              <a:t>이다</a:t>
+            </a:r>
+            <a:r>
+              <a:rPr lang="en-US" altLang="ko-KR"/>
+              <a:t>.</a:t>
+            </a:r>
+            <a:endParaRPr lang="ko-KR" altLang="en-US"/>
+          </a:p>
+        </p:txBody>
+      </p:sp>
+    </p:spTree>
+    <p:extLst>
+      <p:ext uri="{BB962C8B-B14F-4D97-AF65-F5344CB8AC3E}">
+        <p14:creationId xmlns:p14="http://schemas.microsoft.com/office/powerpoint/2010/main" val="1176496495"/>
+      </p:ext>
+    </p:extLst>
+  </p:cSld>
+  <p:clrMapOvr>
+    <a:masterClrMapping/>
+  </p:clrMapOvr>
+</p:sld>
+</file>
+
+<file path=ppt/slides/slide41.xml><?xml version="1.0" encoding="utf-8"?>
+<p:sld xmlns:a="http://schemas.openxmlformats.org/drawingml/2006/main" xmlns:r="http://schemas.openxmlformats.org/officeDocument/2006/relationships" xmlns:p="http://schemas.openxmlformats.org/presentationml/2006/main">
+  <p:cSld>
+    <p:spTree>
+      <p:nvGrpSpPr>
+        <p:cNvPr id="1" name=""/>
+        <p:cNvGrpSpPr/>
+        <p:nvPr/>
+      </p:nvGrpSpPr>
+      <p:grpSpPr>
+        <a:xfrm>
+          <a:off x="0" y="0"/>
+          <a:ext cx="0" cy="0"/>
+          <a:chOff x="0" y="0"/>
+          <a:chExt cx="0" cy="0"/>
+        </a:xfrm>
+      </p:grpSpPr>
+      <p:sp>
+        <p:nvSpPr>
+          <p:cNvPr id="3" name="내용 개체 틀 2">
+            <a:extLst>
+              <a:ext uri="{FF2B5EF4-FFF2-40B4-BE49-F238E27FC236}">
+                <a16:creationId xmlns:a16="http://schemas.microsoft.com/office/drawing/2014/main" id="{25A9CF5C-97FD-44A2-9566-866B2D8DF1C7}"/>
+              </a:ext>
+            </a:extLst>
+          </p:cNvPr>
+          <p:cNvSpPr>
+            <a:spLocks noGrp="1"/>
+          </p:cNvSpPr>
+          <p:nvPr>
+            <p:ph idx="1"/>
+          </p:nvPr>
+        </p:nvSpPr>
+        <p:spPr>
+          <a:xfrm>
+            <a:off x="720754" y="735056"/>
+            <a:ext cx="10515600" cy="1420914"/>
+          </a:xfrm>
+        </p:spPr>
+        <p:txBody>
+          <a:bodyPr>
+            <a:normAutofit/>
+          </a:bodyPr>
+          <a:lstStyle/>
+          <a:p>
+            <a:r>
+              <a:rPr lang="ko-KR" altLang="en-US" sz="2400"/>
+              <a:t>조건문에서 무엇이 </a:t>
+            </a:r>
+            <a:r>
+              <a:rPr lang="en-US" altLang="ko-KR" sz="2400"/>
+              <a:t>false </a:t>
+            </a:r>
+            <a:r>
+              <a:rPr lang="ko-KR" altLang="en-US" sz="2400"/>
+              <a:t>인지 아는것은 웹개발자에게 매우 중요하다</a:t>
+            </a:r>
+            <a:endParaRPr lang="en-US" altLang="ko-KR" sz="2400"/>
+          </a:p>
+          <a:p>
+            <a:r>
+              <a:rPr lang="ko-KR" altLang="en-US" sz="2400"/>
+              <a:t>현재 데이터 상태에 따라</a:t>
+            </a:r>
+            <a:r>
+              <a:rPr lang="en-US" altLang="ko-KR" sz="2400"/>
+              <a:t>, </a:t>
+            </a:r>
+          </a:p>
+          <a:p>
+            <a:pPr marL="0" indent="0">
+              <a:buNone/>
+            </a:pPr>
+            <a:r>
+              <a:rPr lang="en-US" altLang="ko-KR" sz="2400"/>
+              <a:t>  </a:t>
+            </a:r>
+            <a:r>
+              <a:rPr lang="ko-KR" altLang="en-US" sz="2400"/>
+              <a:t>사용자에게 보여주는 화면을 다르게 만들 수 있기 때문</a:t>
+            </a:r>
+          </a:p>
+        </p:txBody>
+      </p:sp>
+      <p:pic>
+        <p:nvPicPr>
+          <p:cNvPr id="7" name="그림 6">
+            <a:extLst>
+              <a:ext uri="{FF2B5EF4-FFF2-40B4-BE49-F238E27FC236}">
+                <a16:creationId xmlns:a16="http://schemas.microsoft.com/office/drawing/2014/main" id="{3FA72259-98AE-436E-BEFE-CB3BE9D1B3EA}"/>
+              </a:ext>
+            </a:extLst>
+          </p:cNvPr>
+          <p:cNvPicPr>
+            <a:picLocks noChangeAspect="1"/>
+          </p:cNvPicPr>
+          <p:nvPr/>
+        </p:nvPicPr>
+        <p:blipFill>
+          <a:blip r:embed="rId2"/>
+          <a:stretch>
+            <a:fillRect/>
+          </a:stretch>
+        </p:blipFill>
+        <p:spPr>
+          <a:xfrm>
+            <a:off x="1012205" y="2769286"/>
+            <a:ext cx="2251680" cy="3865490"/>
+          </a:xfrm>
+          <a:prstGeom prst="rect">
+            <a:avLst/>
+          </a:prstGeom>
+        </p:spPr>
+      </p:pic>
+      <p:sp>
+        <p:nvSpPr>
+          <p:cNvPr id="8" name="TextBox 7">
+            <a:extLst>
+              <a:ext uri="{FF2B5EF4-FFF2-40B4-BE49-F238E27FC236}">
+                <a16:creationId xmlns:a16="http://schemas.microsoft.com/office/drawing/2014/main" id="{812853A2-A89E-45D8-BC95-02B427DD9149}"/>
+              </a:ext>
+            </a:extLst>
+          </p:cNvPr>
+          <p:cNvSpPr txBox="1"/>
+          <p:nvPr/>
+        </p:nvSpPr>
+        <p:spPr>
+          <a:xfrm>
+            <a:off x="925213" y="2277962"/>
+            <a:ext cx="2425664" cy="369332"/>
+          </a:xfrm>
+          <a:prstGeom prst="rect">
+            <a:avLst/>
+          </a:prstGeom>
+          <a:noFill/>
+        </p:spPr>
+        <p:txBody>
+          <a:bodyPr wrap="none" rtlCol="0">
+            <a:spAutoFit/>
+          </a:bodyPr>
+          <a:lstStyle/>
+          <a:p>
+            <a:r>
+              <a:rPr lang="ko-KR" altLang="en-US"/>
+              <a:t>주문내역이 있을 경우</a:t>
+            </a:r>
+          </a:p>
+        </p:txBody>
+      </p:sp>
+      <p:pic>
+        <p:nvPicPr>
+          <p:cNvPr id="10" name="그림 9">
+            <a:extLst>
+              <a:ext uri="{FF2B5EF4-FFF2-40B4-BE49-F238E27FC236}">
+                <a16:creationId xmlns:a16="http://schemas.microsoft.com/office/drawing/2014/main" id="{E093D43A-5707-4975-BB92-CCF2A0D0B7F6}"/>
+              </a:ext>
+            </a:extLst>
+          </p:cNvPr>
+          <p:cNvPicPr>
+            <a:picLocks noChangeAspect="1"/>
+          </p:cNvPicPr>
+          <p:nvPr/>
+        </p:nvPicPr>
+        <p:blipFill>
+          <a:blip r:embed="rId3"/>
+          <a:stretch>
+            <a:fillRect/>
+          </a:stretch>
+        </p:blipFill>
+        <p:spPr>
+          <a:xfrm>
+            <a:off x="3957157" y="2769286"/>
+            <a:ext cx="2190657" cy="3865490"/>
+          </a:xfrm>
+          <a:prstGeom prst="rect">
+            <a:avLst/>
+          </a:prstGeom>
+        </p:spPr>
+      </p:pic>
+      <p:sp>
+        <p:nvSpPr>
+          <p:cNvPr id="11" name="TextBox 10">
+            <a:extLst>
+              <a:ext uri="{FF2B5EF4-FFF2-40B4-BE49-F238E27FC236}">
+                <a16:creationId xmlns:a16="http://schemas.microsoft.com/office/drawing/2014/main" id="{C53D98ED-B6CE-416F-941A-88281A3D61E4}"/>
+              </a:ext>
+            </a:extLst>
+          </p:cNvPr>
+          <p:cNvSpPr txBox="1"/>
+          <p:nvPr/>
+        </p:nvSpPr>
+        <p:spPr>
+          <a:xfrm>
+            <a:off x="3839653" y="2277962"/>
+            <a:ext cx="2820003" cy="369332"/>
+          </a:xfrm>
+          <a:prstGeom prst="rect">
+            <a:avLst/>
+          </a:prstGeom>
+          <a:noFill/>
+        </p:spPr>
+        <p:txBody>
+          <a:bodyPr wrap="none" rtlCol="0">
+            <a:spAutoFit/>
+          </a:bodyPr>
+          <a:lstStyle/>
+          <a:p>
+            <a:r>
+              <a:rPr lang="ko-KR" altLang="en-US"/>
+              <a:t>주문을 아직 안 했을 경우</a:t>
+            </a:r>
+          </a:p>
+        </p:txBody>
+      </p:sp>
+    </p:spTree>
+    <p:extLst>
+      <p:ext uri="{BB962C8B-B14F-4D97-AF65-F5344CB8AC3E}">
+        <p14:creationId xmlns:p14="http://schemas.microsoft.com/office/powerpoint/2010/main" val="974023599"/>
+      </p:ext>
+    </p:extLst>
+  </p:cSld>
+  <p:clrMapOvr>
+    <a:masterClrMapping/>
+  </p:clrMapOvr>
+</p:sld>
+</file>
+
+<file path=ppt/slides/slide42.xml><?xml version="1.0" encoding="utf-8"?>
+<p:sld xmlns:a="http://schemas.openxmlformats.org/drawingml/2006/main" xmlns:r="http://schemas.openxmlformats.org/officeDocument/2006/relationships" xmlns:p="http://schemas.openxmlformats.org/presentationml/2006/main">
+  <p:cSld>
+    <p:spTree>
+      <p:nvGrpSpPr>
+        <p:cNvPr id="1" name=""/>
+        <p:cNvGrpSpPr/>
+        <p:nvPr/>
+      </p:nvGrpSpPr>
+      <p:grpSpPr>
+        <a:xfrm>
+          <a:off x="0" y="0"/>
+          <a:ext cx="0" cy="0"/>
+          <a:chOff x="0" y="0"/>
+          <a:chExt cx="0" cy="0"/>
+        </a:xfrm>
+      </p:grpSpPr>
+      <p:sp>
+        <p:nvSpPr>
+          <p:cNvPr id="2" name="제목 1">
+            <a:extLst>
+              <a:ext uri="{FF2B5EF4-FFF2-40B4-BE49-F238E27FC236}">
+                <a16:creationId xmlns:a16="http://schemas.microsoft.com/office/drawing/2014/main" id="{87E8AB42-F008-41C4-B3BB-7CD01730C5A9}"/>
+              </a:ext>
+            </a:extLst>
+          </p:cNvPr>
+          <p:cNvSpPr>
+            <a:spLocks noGrp="1"/>
+          </p:cNvSpPr>
+          <p:nvPr>
+            <p:ph type="title"/>
+          </p:nvPr>
+        </p:nvSpPr>
+        <p:spPr/>
+        <p:txBody>
+          <a:bodyPr/>
+          <a:lstStyle/>
+          <a:p>
+            <a:r>
+              <a:rPr lang="ko-KR" altLang="en-US"/>
+              <a:t>비교에서 </a:t>
+            </a:r>
+            <a:r>
+              <a:rPr lang="en-US" altLang="ko-KR"/>
+              <a:t>false</a:t>
+            </a:r>
+            <a:r>
+              <a:rPr lang="ko-KR" altLang="en-US"/>
+              <a:t>로 인식하는 것</a:t>
+            </a:r>
+          </a:p>
+        </p:txBody>
+      </p:sp>
+      <p:sp>
+        <p:nvSpPr>
+          <p:cNvPr id="3" name="내용 개체 틀 2">
+            <a:extLst>
+              <a:ext uri="{FF2B5EF4-FFF2-40B4-BE49-F238E27FC236}">
+                <a16:creationId xmlns:a16="http://schemas.microsoft.com/office/drawing/2014/main" id="{C4D419D6-7F79-4254-976B-94A0A7940AF2}"/>
+              </a:ext>
+            </a:extLst>
+          </p:cNvPr>
+          <p:cNvSpPr>
+            <a:spLocks noGrp="1"/>
+          </p:cNvSpPr>
+          <p:nvPr>
+            <p:ph idx="1"/>
+          </p:nvPr>
+        </p:nvSpPr>
+        <p:spPr/>
+        <p:txBody>
+          <a:bodyPr/>
+          <a:lstStyle/>
+          <a:p>
+            <a:pPr marL="0" indent="0">
+              <a:buNone/>
+            </a:pPr>
+            <a:r>
+              <a:rPr lang="en-US" altLang="ko-KR"/>
+              <a:t>false			(boolean)</a:t>
+            </a:r>
+          </a:p>
+          <a:p>
+            <a:pPr marL="0" indent="0">
+              <a:buNone/>
+            </a:pPr>
+            <a:r>
+              <a:rPr lang="en-US" altLang="ko-KR"/>
+              <a:t>0			(number)</a:t>
+            </a:r>
+          </a:p>
+          <a:p>
+            <a:pPr marL="0" indent="0">
+              <a:buNone/>
+            </a:pPr>
+            <a:r>
+              <a:rPr lang="en-US" altLang="ko-KR"/>
+              <a:t>‘’ “			(string. </a:t>
+            </a:r>
+            <a:r>
+              <a:rPr lang="ko-KR" altLang="en-US"/>
+              <a:t>빈 문자열</a:t>
+            </a:r>
+            <a:r>
+              <a:rPr lang="en-US" altLang="ko-KR"/>
+              <a:t>)</a:t>
+            </a:r>
+          </a:p>
+          <a:p>
+            <a:pPr marL="0" indent="0">
+              <a:buNone/>
+            </a:pPr>
+            <a:r>
+              <a:rPr lang="en-US" altLang="ko-KR"/>
+              <a:t>undefined, null	(</a:t>
+            </a:r>
+            <a:r>
+              <a:rPr lang="ko-KR" altLang="en-US"/>
+              <a:t>다음 장에서 배울 것</a:t>
+            </a:r>
+            <a:r>
+              <a:rPr lang="en-US" altLang="ko-KR"/>
+              <a:t>)</a:t>
+            </a:r>
+          </a:p>
+          <a:p>
+            <a:pPr marL="0" indent="0">
+              <a:buNone/>
+            </a:pPr>
+            <a:endParaRPr lang="en-US" altLang="ko-KR"/>
+          </a:p>
+          <a:p>
+            <a:r>
+              <a:rPr lang="ko-KR" altLang="en-US"/>
+              <a:t>추후 배우겠지만</a:t>
+            </a:r>
+            <a:r>
+              <a:rPr lang="en-US" altLang="ko-KR"/>
+              <a:t>, </a:t>
+            </a:r>
+            <a:r>
+              <a:rPr lang="ko-KR" altLang="en-US"/>
+              <a:t>빈 배열 </a:t>
+            </a:r>
+            <a:r>
+              <a:rPr lang="en-US" altLang="ko-KR"/>
+              <a:t>[ ] </a:t>
+            </a:r>
+            <a:r>
+              <a:rPr lang="ko-KR" altLang="en-US"/>
+              <a:t>과 빈 객체 </a:t>
+            </a:r>
+            <a:r>
+              <a:rPr lang="en-US" altLang="ko-KR"/>
+              <a:t>{ } </a:t>
+            </a:r>
+            <a:r>
+              <a:rPr lang="ko-KR" altLang="en-US"/>
+              <a:t>는 </a:t>
+            </a:r>
+            <a:r>
+              <a:rPr lang="en-US" altLang="ko-KR"/>
+              <a:t>false </a:t>
+            </a:r>
+            <a:r>
+              <a:rPr lang="ko-KR" altLang="en-US"/>
+              <a:t>가 아니다</a:t>
+            </a:r>
+            <a:r>
+              <a:rPr lang="en-US" altLang="ko-KR"/>
+              <a:t>!</a:t>
+            </a:r>
+          </a:p>
+          <a:p>
+            <a:endParaRPr lang="en-US" altLang="ko-KR"/>
+          </a:p>
+          <a:p>
+            <a:r>
+              <a:rPr lang="ko-KR" altLang="en-US"/>
+              <a:t>위 언급한 것들을 제외하곤 모두 </a:t>
+            </a:r>
+            <a:r>
+              <a:rPr lang="en-US" altLang="ko-KR"/>
+              <a:t>true </a:t>
+            </a:r>
+            <a:r>
+              <a:rPr lang="ko-KR" altLang="en-US"/>
+              <a:t>이다</a:t>
+            </a:r>
+            <a:r>
+              <a:rPr lang="en-US" altLang="ko-KR"/>
+              <a:t>.</a:t>
+            </a:r>
+            <a:endParaRPr lang="ko-KR" altLang="en-US"/>
+          </a:p>
+        </p:txBody>
+      </p:sp>
+    </p:spTree>
+    <p:extLst>
+      <p:ext uri="{BB962C8B-B14F-4D97-AF65-F5344CB8AC3E}">
+        <p14:creationId xmlns:p14="http://schemas.microsoft.com/office/powerpoint/2010/main" val="42399775"/>
       </p:ext>
     </p:extLst>
   </p:cSld>

--- a/수업/5. JavaScript (1)/PPT/5. JavaScript (1).pptx
+++ b/수업/5. JavaScript (1)/PPT/5. JavaScript (1).pptx
@@ -47,6 +47,7 @@
     <p:sldId id="294" r:id="rId41"/>
     <p:sldId id="296" r:id="rId42"/>
     <p:sldId id="295" r:id="rId43"/>
+    <p:sldId id="299" r:id="rId44"/>
   </p:sldIdLst>
   <p:sldSz cx="12192000" cy="6858000"/>
   <p:notesSz cx="6858000" cy="9144000"/>
@@ -10732,6 +10733,263 @@
 </p:sld>
 </file>
 
+<file path=ppt/slides/slide43.xml><?xml version="1.0" encoding="utf-8"?>
+<p:sld xmlns:a="http://schemas.openxmlformats.org/drawingml/2006/main" xmlns:r="http://schemas.openxmlformats.org/officeDocument/2006/relationships" xmlns:p="http://schemas.openxmlformats.org/presentationml/2006/main">
+  <p:cSld>
+    <p:spTree>
+      <p:nvGrpSpPr>
+        <p:cNvPr id="1" name=""/>
+        <p:cNvGrpSpPr/>
+        <p:nvPr/>
+      </p:nvGrpSpPr>
+      <p:grpSpPr>
+        <a:xfrm>
+          <a:off x="0" y="0"/>
+          <a:ext cx="0" cy="0"/>
+          <a:chOff x="0" y="0"/>
+          <a:chExt cx="0" cy="0"/>
+        </a:xfrm>
+      </p:grpSpPr>
+      <p:sp>
+        <p:nvSpPr>
+          <p:cNvPr id="2" name="제목 1">
+            <a:extLst>
+              <a:ext uri="{FF2B5EF4-FFF2-40B4-BE49-F238E27FC236}">
+                <a16:creationId xmlns:a16="http://schemas.microsoft.com/office/drawing/2014/main" id="{7A319789-CA61-474B-8037-9791EFB757BA}"/>
+              </a:ext>
+            </a:extLst>
+          </p:cNvPr>
+          <p:cNvSpPr>
+            <a:spLocks noGrp="1"/>
+          </p:cNvSpPr>
+          <p:nvPr>
+            <p:ph type="title"/>
+          </p:nvPr>
+        </p:nvSpPr>
+        <p:spPr/>
+        <p:txBody>
+          <a:bodyPr/>
+          <a:lstStyle/>
+          <a:p>
+            <a:r>
+              <a:rPr lang="ko-KR" altLang="en-US"/>
+              <a:t>직접 해보자</a:t>
+            </a:r>
+          </a:p>
+        </p:txBody>
+      </p:sp>
+      <p:sp>
+        <p:nvSpPr>
+          <p:cNvPr id="3" name="내용 개체 틀 2">
+            <a:extLst>
+              <a:ext uri="{FF2B5EF4-FFF2-40B4-BE49-F238E27FC236}">
+                <a16:creationId xmlns:a16="http://schemas.microsoft.com/office/drawing/2014/main" id="{BC1F387B-3BE5-4A8A-A787-0ED57C9F741E}"/>
+              </a:ext>
+            </a:extLst>
+          </p:cNvPr>
+          <p:cNvSpPr>
+            <a:spLocks noGrp="1"/>
+          </p:cNvSpPr>
+          <p:nvPr>
+            <p:ph idx="1"/>
+          </p:nvPr>
+        </p:nvSpPr>
+        <p:spPr/>
+        <p:txBody>
+          <a:bodyPr>
+            <a:normAutofit fontScale="77500" lnSpcReduction="20000"/>
+          </a:bodyPr>
+          <a:lstStyle/>
+          <a:p>
+            <a:pPr marL="0" indent="0">
+              <a:buNone/>
+            </a:pPr>
+            <a:r>
+              <a:rPr lang="ko-KR" altLang="en-US"/>
+              <a:t>로그인 프로그램이다</a:t>
+            </a:r>
+            <a:r>
+              <a:rPr lang="en-US" altLang="ko-KR"/>
+              <a:t>.</a:t>
+            </a:r>
+            <a:endParaRPr lang="ko-KR" altLang="en-US"/>
+          </a:p>
+          <a:p>
+            <a:pPr marL="0" indent="0">
+              <a:buNone/>
+            </a:pPr>
+            <a:endParaRPr lang="en-US" altLang="ko-KR"/>
+          </a:p>
+          <a:p>
+            <a:pPr marL="0" indent="0">
+              <a:buNone/>
+            </a:pPr>
+            <a:r>
+              <a:rPr lang="ko-KR" altLang="en-US"/>
+              <a:t>두 개의 변수</a:t>
+            </a:r>
+            <a:r>
+              <a:rPr lang="en-US" altLang="ko-KR"/>
+              <a:t>, id </a:t>
+            </a:r>
+            <a:r>
+              <a:rPr lang="ko-KR" altLang="en-US"/>
+              <a:t>와 </a:t>
+            </a:r>
+            <a:r>
+              <a:rPr lang="en-US" altLang="ko-KR"/>
+              <a:t>password</a:t>
+            </a:r>
+            <a:r>
+              <a:rPr lang="ko-KR" altLang="en-US"/>
+              <a:t>를 선언해 원하는 값을 넣는다</a:t>
+            </a:r>
+            <a:r>
+              <a:rPr lang="en-US" altLang="ko-KR"/>
+              <a:t>.</a:t>
+            </a:r>
+          </a:p>
+          <a:p>
+            <a:pPr marL="0" indent="0">
+              <a:buNone/>
+            </a:pPr>
+            <a:endParaRPr lang="en-US" altLang="ko-KR"/>
+          </a:p>
+          <a:p>
+            <a:pPr marL="0" indent="0">
+              <a:buNone/>
+            </a:pPr>
+            <a:r>
+              <a:rPr lang="ko-KR" altLang="en-US"/>
+              <a:t>아이디와 패스워드가 </a:t>
+            </a:r>
+          </a:p>
+          <a:p>
+            <a:pPr marL="0" indent="0">
+              <a:buNone/>
+            </a:pPr>
+            <a:r>
+              <a:rPr lang="ko-KR" altLang="en-US"/>
+              <a:t>	일치하면 로그인 성공</a:t>
+            </a:r>
+            <a:r>
+              <a:rPr lang="en-US" altLang="ko-KR"/>
+              <a:t>, </a:t>
+            </a:r>
+          </a:p>
+          <a:p>
+            <a:pPr marL="0" indent="0">
+              <a:buNone/>
+            </a:pPr>
+            <a:r>
+              <a:rPr lang="en-US" altLang="ko-KR"/>
+              <a:t>	</a:t>
+            </a:r>
+            <a:r>
+              <a:rPr lang="ko-KR" altLang="en-US"/>
+              <a:t>일치하지 않으면 로그인 실패 알림을 콘솔로 출력</a:t>
+            </a:r>
+          </a:p>
+          <a:p>
+            <a:pPr marL="0" indent="0">
+              <a:buNone/>
+            </a:pPr>
+            <a:endParaRPr lang="en-US" altLang="ko-KR"/>
+          </a:p>
+          <a:p>
+            <a:pPr marL="0" indent="0">
+              <a:buNone/>
+            </a:pPr>
+            <a:r>
+              <a:rPr lang="ko-KR" altLang="en-US"/>
+              <a:t>로그인 성공 시 결과는 백틱으로</a:t>
+            </a:r>
+            <a:r>
+              <a:rPr lang="en-US" altLang="ko-KR"/>
+              <a:t>, </a:t>
+            </a:r>
+            <a:r>
+              <a:rPr lang="ko-KR" altLang="en-US"/>
+              <a:t>다음과 같이 출력하라</a:t>
+            </a:r>
+          </a:p>
+          <a:p>
+            <a:pPr marL="0" indent="0">
+              <a:buNone/>
+            </a:pPr>
+            <a:r>
+              <a:rPr lang="en-US" altLang="ko-KR"/>
+              <a:t>	</a:t>
+            </a:r>
+            <a:r>
+              <a:rPr lang="ko-KR" altLang="en-US"/>
+              <a:t>아이디</a:t>
+            </a:r>
+            <a:r>
+              <a:rPr lang="en-US" altLang="ko-KR"/>
+              <a:t>: ${id}</a:t>
+            </a:r>
+          </a:p>
+          <a:p>
+            <a:pPr marL="0" indent="0">
+              <a:buNone/>
+            </a:pPr>
+            <a:r>
+              <a:rPr lang="en-US" altLang="ko-KR"/>
+              <a:t>	</a:t>
+            </a:r>
+            <a:r>
+              <a:rPr lang="ko-KR" altLang="en-US"/>
+              <a:t>환영합니다</a:t>
+            </a:r>
+            <a:r>
+              <a:rPr lang="en-US" altLang="ko-KR"/>
+              <a:t>.</a:t>
+            </a:r>
+          </a:p>
+          <a:p>
+            <a:pPr marL="0" indent="0">
+              <a:buNone/>
+            </a:pPr>
+            <a:r>
+              <a:rPr lang="ko-KR" altLang="en-US"/>
+              <a:t>실패 시 </a:t>
+            </a:r>
+            <a:r>
+              <a:rPr lang="en-US" altLang="ko-KR"/>
+              <a:t>"</a:t>
+            </a:r>
+            <a:r>
+              <a:rPr lang="ko-KR" altLang="en-US"/>
+              <a:t>로그인 실패</a:t>
+            </a:r>
+            <a:r>
+              <a:rPr lang="en-US" altLang="ko-KR"/>
+              <a:t>" </a:t>
+            </a:r>
+            <a:r>
+              <a:rPr lang="ko-KR" altLang="en-US"/>
+              <a:t>라고 출력하라</a:t>
+            </a:r>
+          </a:p>
+          <a:p>
+            <a:endParaRPr lang="ko-KR" altLang="en-US"/>
+          </a:p>
+        </p:txBody>
+      </p:sp>
+    </p:spTree>
+    <p:extLst>
+      <p:ext uri="{BB962C8B-B14F-4D97-AF65-F5344CB8AC3E}">
+        <p14:creationId xmlns:p14="http://schemas.microsoft.com/office/powerpoint/2010/main" val="4095065463"/>
+      </p:ext>
+    </p:extLst>
+  </p:cSld>
+  <p:clrMapOvr>
+    <a:masterClrMapping/>
+  </p:clrMapOvr>
+</p:sld>
+</file>
+
 <file path=ppt/slides/slide5.xml><?xml version="1.0" encoding="utf-8"?>
 <p:sld xmlns:a="http://schemas.openxmlformats.org/drawingml/2006/main" xmlns:r="http://schemas.openxmlformats.org/officeDocument/2006/relationships" xmlns:p="http://schemas.openxmlformats.org/presentationml/2006/main">
   <p:cSld>
